--- a/9 - Neural Networks/Introduction to Neural Networks.pptx
+++ b/9 - Neural Networks/Introduction to Neural Networks.pptx
@@ -28,8 +28,8 @@
     <p:sldId id="351" r:id="rId22"/>
     <p:sldId id="352" r:id="rId23"/>
     <p:sldId id="353" r:id="rId24"/>
-    <p:sldId id="362" r:id="rId25"/>
-    <p:sldId id="361" r:id="rId26"/>
+    <p:sldId id="361" r:id="rId25"/>
+    <p:sldId id="362" r:id="rId26"/>
   </p:sldIdLst>
   <p:sldSz cx="12192000" cy="6858000"/>
   <p:notesSz cx="6858000" cy="9144000"/>
@@ -1660,7 +1660,7 @@
     </p:spTree>
     <p:extLst>
       <p:ext uri="{BB962C8B-B14F-4D97-AF65-F5344CB8AC3E}">
-        <p14:creationId xmlns:p14="http://schemas.microsoft.com/office/powerpoint/2010/main" val="3205585854"/>
+        <p14:creationId xmlns:p14="http://schemas.microsoft.com/office/powerpoint/2010/main" val="472034130"/>
       </p:ext>
     </p:extLst>
   </p:cSld>
@@ -1744,7 +1744,7 @@
     </p:spTree>
     <p:extLst>
       <p:ext uri="{BB962C8B-B14F-4D97-AF65-F5344CB8AC3E}">
-        <p14:creationId xmlns:p14="http://schemas.microsoft.com/office/powerpoint/2010/main" val="607306410"/>
+        <p14:creationId xmlns:p14="http://schemas.microsoft.com/office/powerpoint/2010/main" val="3198500010"/>
       </p:ext>
     </p:extLst>
   </p:cSld>
@@ -5454,8 +5454,8 @@
           </a:p>
         </p:txBody>
       </p:sp>
-      <mc:AlternateContent xmlns:mc="http://schemas.openxmlformats.org/markup-compatibility/2006">
-        <mc:Choice xmlns:a14="http://schemas.microsoft.com/office/drawing/2010/main" Requires="a14">
+      <mc:AlternateContent xmlns:mc="http://schemas.openxmlformats.org/markup-compatibility/2006" xmlns:a14="http://schemas.microsoft.com/office/drawing/2010/main">
+        <mc:Choice Requires="a14">
           <p:sp>
             <p:nvSpPr>
               <p:cNvPr id="5" name="Oval 4">
@@ -5541,7 +5541,7 @@
             </p:txBody>
           </p:sp>
         </mc:Choice>
-        <mc:Fallback>
+        <mc:Fallback xmlns="">
           <p:sp>
             <p:nvSpPr>
               <p:cNvPr id="5" name="Oval 4">
@@ -6014,8 +6014,8 @@
           </a:p>
         </p:txBody>
       </p:sp>
-      <mc:AlternateContent xmlns:mc="http://schemas.openxmlformats.org/markup-compatibility/2006">
-        <mc:Choice xmlns:a14="http://schemas.microsoft.com/office/drawing/2010/main" Requires="a14">
+      <mc:AlternateContent xmlns:mc="http://schemas.openxmlformats.org/markup-compatibility/2006" xmlns:a14="http://schemas.microsoft.com/office/drawing/2010/main">
+        <mc:Choice Requires="a14">
           <p:sp>
             <p:nvSpPr>
               <p:cNvPr id="2" name="Oval 1">
@@ -6101,7 +6101,7 @@
             </p:txBody>
           </p:sp>
         </mc:Choice>
-        <mc:Fallback>
+        <mc:Fallback xmlns="">
           <p:sp>
             <p:nvSpPr>
               <p:cNvPr id="2" name="Oval 1">
@@ -6236,8 +6236,8 @@
           </a:fontRef>
         </p:style>
       </p:cxnSp>
-      <mc:AlternateContent xmlns:mc="http://schemas.openxmlformats.org/markup-compatibility/2006">
-        <mc:Choice xmlns:a14="http://schemas.microsoft.com/office/drawing/2010/main" Requires="a14">
+      <mc:AlternateContent xmlns:mc="http://schemas.openxmlformats.org/markup-compatibility/2006" xmlns:a14="http://schemas.microsoft.com/office/drawing/2010/main">
+        <mc:Choice Requires="a14">
           <p:sp>
             <p:nvSpPr>
               <p:cNvPr id="3" name="TextBox 2">
@@ -6266,6 +6266,7 @@
               </a:bodyPr>
               <a:lstStyle/>
               <a:p>
+                <a:pPr/>
                 <a14:m>
                   <m:oMathPara xmlns:m="http://schemas.openxmlformats.org/officeDocument/2006/math">
                     <m:oMathParaPr>
@@ -6318,7 +6319,7 @@
             </p:txBody>
           </p:sp>
         </mc:Choice>
-        <mc:Fallback>
+        <mc:Fallback xmlns="">
           <p:sp>
             <p:nvSpPr>
               <p:cNvPr id="3" name="TextBox 2">
@@ -6363,8 +6364,8 @@
           </p:sp>
         </mc:Fallback>
       </mc:AlternateContent>
-      <mc:AlternateContent xmlns:mc="http://schemas.openxmlformats.org/markup-compatibility/2006">
-        <mc:Choice xmlns:a14="http://schemas.microsoft.com/office/drawing/2010/main" Requires="a14">
+      <mc:AlternateContent xmlns:mc="http://schemas.openxmlformats.org/markup-compatibility/2006" xmlns:a14="http://schemas.microsoft.com/office/drawing/2010/main">
+        <mc:Choice Requires="a14">
           <p:sp>
             <p:nvSpPr>
               <p:cNvPr id="8" name="TextBox 7">
@@ -6393,6 +6394,7 @@
               </a:bodyPr>
               <a:lstStyle/>
               <a:p>
+                <a:pPr/>
                 <a14:m>
                   <m:oMathPara xmlns:m="http://schemas.openxmlformats.org/officeDocument/2006/math">
                     <m:oMathParaPr>
@@ -6445,7 +6447,7 @@
             </p:txBody>
           </p:sp>
         </mc:Choice>
-        <mc:Fallback>
+        <mc:Fallback xmlns="">
           <p:sp>
             <p:nvSpPr>
               <p:cNvPr id="8" name="TextBox 7">
@@ -6490,8 +6492,8 @@
           </p:sp>
         </mc:Fallback>
       </mc:AlternateContent>
-      <mc:AlternateContent xmlns:mc="http://schemas.openxmlformats.org/markup-compatibility/2006">
-        <mc:Choice xmlns:a14="http://schemas.microsoft.com/office/drawing/2010/main" Requires="a14">
+      <mc:AlternateContent xmlns:mc="http://schemas.openxmlformats.org/markup-compatibility/2006" xmlns:a14="http://schemas.microsoft.com/office/drawing/2010/main">
+        <mc:Choice Requires="a14">
           <p:sp>
             <p:nvSpPr>
               <p:cNvPr id="10" name="TextBox 9">
@@ -6520,6 +6522,7 @@
               </a:bodyPr>
               <a:lstStyle/>
               <a:p>
+                <a:pPr/>
                 <a14:m>
                   <m:oMathPara xmlns:m="http://schemas.openxmlformats.org/officeDocument/2006/math">
                     <m:oMathParaPr>
@@ -6572,7 +6575,7 @@
             </p:txBody>
           </p:sp>
         </mc:Choice>
-        <mc:Fallback>
+        <mc:Fallback xmlns="">
           <p:sp>
             <p:nvSpPr>
               <p:cNvPr id="10" name="TextBox 9">
@@ -6617,8 +6620,8 @@
           </p:sp>
         </mc:Fallback>
       </mc:AlternateContent>
-      <mc:AlternateContent xmlns:mc="http://schemas.openxmlformats.org/markup-compatibility/2006">
-        <mc:Choice xmlns:a14="http://schemas.microsoft.com/office/drawing/2010/main" Requires="a14">
+      <mc:AlternateContent xmlns:mc="http://schemas.openxmlformats.org/markup-compatibility/2006" xmlns:a14="http://schemas.microsoft.com/office/drawing/2010/main">
+        <mc:Choice Requires="a14">
           <p:sp>
             <p:nvSpPr>
               <p:cNvPr id="11" name="TextBox 10">
@@ -6647,6 +6650,7 @@
               </a:bodyPr>
               <a:lstStyle/>
               <a:p>
+                <a:pPr/>
                 <a14:m>
                   <m:oMathPara xmlns:m="http://schemas.openxmlformats.org/officeDocument/2006/math">
                     <m:oMathParaPr>
@@ -6699,7 +6703,7 @@
             </p:txBody>
           </p:sp>
         </mc:Choice>
-        <mc:Fallback>
+        <mc:Fallback xmlns="">
           <p:sp>
             <p:nvSpPr>
               <p:cNvPr id="11" name="TextBox 10">
@@ -6748,10 +6752,10 @@
         <mc:Choice xmlns:a14="http://schemas.microsoft.com/office/drawing/2010/main" Requires="a14">
           <p:sp>
             <p:nvSpPr>
-              <p:cNvPr id="13" name="TextBox 12">
+              <p:cNvPr id="15" name="TextBox 14">
                 <a:extLst>
                   <a:ext uri="{FF2B5EF4-FFF2-40B4-BE49-F238E27FC236}">
-                    <a16:creationId xmlns:a16="http://schemas.microsoft.com/office/drawing/2014/main" id="{90F52D15-41CB-05C7-475C-5D1DC735564F}"/>
+                    <a16:creationId xmlns:a16="http://schemas.microsoft.com/office/drawing/2014/main" id="{B265529A-4578-CA82-610A-DE26F7540CD7}"/>
                   </a:ext>
                 </a:extLst>
               </p:cNvPr>
@@ -6760,8 +6764,8 @@
             </p:nvSpPr>
             <p:spPr>
               <a:xfrm>
-                <a:off x="8093082" y="1057055"/>
-                <a:ext cx="3398354" cy="461665"/>
+                <a:off x="7010400" y="476395"/>
+                <a:ext cx="4025687" cy="461665"/>
               </a:xfrm>
               <a:prstGeom prst="rect">
                 <a:avLst/>
@@ -6774,6 +6778,7 @@
               </a:bodyPr>
               <a:lstStyle/>
               <a:p>
+                <a:pPr/>
                 <a14:m>
                   <m:oMathPara xmlns:m="http://schemas.openxmlformats.org/officeDocument/2006/math">
                     <m:oMathParaPr>
@@ -6790,13 +6795,7 @@
                         <a:rPr lang="en-US" sz="2400" b="1" i="1" smtClean="0">
                           <a:latin typeface="Cambria Math" panose="02040503050406030204" pitchFamily="18" charset="0"/>
                         </a:rPr>
-                        <m:t>:</m:t>
-                      </m:r>
-                      <m:r>
-                        <a:rPr lang="en-US" sz="2400" b="0" i="1" smtClean="0">
-                          <a:latin typeface="Cambria Math" panose="02040503050406030204" pitchFamily="18" charset="0"/>
-                        </a:rPr>
-                        <m:t> </m:t>
+                        <m:t>: </m:t>
                       </m:r>
                       <m:sSub>
                         <m:sSubPr>
@@ -6982,6 +6981,92 @@
                           </m:r>
                         </m:sub>
                       </m:sSub>
+                      <m:r>
+                        <a:rPr lang="en-US" sz="2400" b="1" i="1" smtClean="0">
+                          <a:solidFill>
+                            <a:srgbClr val="FF0000"/>
+                          </a:solidFill>
+                          <a:latin typeface="Cambria Math" panose="02040503050406030204" pitchFamily="18" charset="0"/>
+                        </a:rPr>
+                        <m:t>,</m:t>
+                      </m:r>
+                      <m:sSub>
+                        <m:sSubPr>
+                          <m:ctrlPr>
+                            <a:rPr lang="en-PH" sz="2400" b="1" i="1" smtClean="0">
+                              <a:solidFill>
+                                <a:srgbClr val="92D050"/>
+                              </a:solidFill>
+                              <a:latin typeface="Cambria Math" panose="02040503050406030204" pitchFamily="18" charset="0"/>
+                            </a:rPr>
+                          </m:ctrlPr>
+                        </m:sSubPr>
+                        <m:e>
+                          <m:r>
+                            <a:rPr lang="en-US" sz="2400" b="1" i="1">
+                              <a:solidFill>
+                                <a:srgbClr val="92D050"/>
+                              </a:solidFill>
+                              <a:latin typeface="Cambria Math" panose="02040503050406030204" pitchFamily="18" charset="0"/>
+                            </a:rPr>
+                            <m:t>𝒘</m:t>
+                          </m:r>
+                        </m:e>
+                        <m:sub>
+                          <m:r>
+                            <a:rPr lang="en-US" sz="2400" b="1" i="1" smtClean="0">
+                              <a:solidFill>
+                                <a:srgbClr val="92D050"/>
+                              </a:solidFill>
+                              <a:latin typeface="Cambria Math" panose="02040503050406030204" pitchFamily="18" charset="0"/>
+                            </a:rPr>
+                            <m:t>𝟑</m:t>
+                          </m:r>
+                        </m:sub>
+                      </m:sSub>
+                      <m:r>
+                        <a:rPr lang="en-US" sz="2400" b="1" i="0" smtClean="0">
+                          <a:solidFill>
+                            <a:schemeClr val="tx1"/>
+                          </a:solidFill>
+                          <a:latin typeface="Cambria Math" panose="02040503050406030204" pitchFamily="18" charset="0"/>
+                        </a:rPr>
+                        <m:t>,</m:t>
+                      </m:r>
+                      <m:sSub>
+                        <m:sSubPr>
+                          <m:ctrlPr>
+                            <a:rPr lang="en-PH" sz="2400" b="1" i="1" smtClean="0">
+                              <a:solidFill>
+                                <a:srgbClr val="92D050"/>
+                              </a:solidFill>
+                              <a:latin typeface="Cambria Math" panose="02040503050406030204" pitchFamily="18" charset="0"/>
+                            </a:rPr>
+                          </m:ctrlPr>
+                        </m:sSubPr>
+                        <m:e>
+                          <m:r>
+                            <a:rPr lang="en-US" sz="2400" b="1" i="1">
+                              <a:solidFill>
+                                <a:srgbClr val="92D050"/>
+                              </a:solidFill>
+                              <a:latin typeface="Cambria Math" panose="02040503050406030204" pitchFamily="18" charset="0"/>
+                            </a:rPr>
+                            <m:t>𝒘</m:t>
+                          </m:r>
+                        </m:e>
+                        <m:sub>
+                          <m:r>
+                            <a:rPr lang="en-US" sz="2400" b="1" i="1" smtClean="0">
+                              <a:solidFill>
+                                <a:srgbClr val="92D050"/>
+                              </a:solidFill>
+                              <a:latin typeface="Cambria Math" panose="02040503050406030204" pitchFamily="18" charset="0"/>
+                            </a:rPr>
+                            <m:t>𝟒</m:t>
+                          </m:r>
+                        </m:sub>
+                      </m:sSub>
                     </m:oMath>
                   </m:oMathPara>
                 </a14:m>
@@ -6993,10 +7078,10 @@
         <mc:Fallback>
           <p:sp>
             <p:nvSpPr>
-              <p:cNvPr id="13" name="TextBox 12">
+              <p:cNvPr id="15" name="TextBox 14">
                 <a:extLst>
                   <a:ext uri="{FF2B5EF4-FFF2-40B4-BE49-F238E27FC236}">
-                    <a16:creationId xmlns:a16="http://schemas.microsoft.com/office/drawing/2014/main" id="{90F52D15-41CB-05C7-475C-5D1DC735564F}"/>
+                    <a16:creationId xmlns:a16="http://schemas.microsoft.com/office/drawing/2014/main" id="{B265529A-4578-CA82-610A-DE26F7540CD7}"/>
                   </a:ext>
                 </a:extLst>
               </p:cNvPr>
@@ -7007,8 +7092,8 @@
             </p:nvSpPr>
             <p:spPr>
               <a:xfrm>
-                <a:off x="8093082" y="1057055"/>
-                <a:ext cx="3398354" cy="461665"/>
+                <a:off x="7010400" y="476395"/>
+                <a:ext cx="4025687" cy="461665"/>
               </a:xfrm>
               <a:prstGeom prst="rect">
                 <a:avLst/>
@@ -7016,7 +7101,7 @@
               <a:blipFill>
                 <a:blip r:embed="rId10"/>
                 <a:stretch>
-                  <a:fillRect l="-1616" r="-20646" b="-18421"/>
+                  <a:fillRect l="-1364" r="-26515" b="-18421"/>
                 </a:stretch>
               </a:blipFill>
             </p:spPr>
@@ -7035,6 +7120,283 @@
           </p:sp>
         </mc:Fallback>
       </mc:AlternateContent>
+      <p:grpSp>
+        <p:nvGrpSpPr>
+          <p:cNvPr id="19" name="Group 18">
+            <a:extLst>
+              <a:ext uri="{FF2B5EF4-FFF2-40B4-BE49-F238E27FC236}">
+                <a16:creationId xmlns:a16="http://schemas.microsoft.com/office/drawing/2014/main" id="{26BDA758-4BD2-5C76-7842-4BC36C65D09E}"/>
+              </a:ext>
+            </a:extLst>
+          </p:cNvPr>
+          <p:cNvGrpSpPr/>
+          <p:nvPr/>
+        </p:nvGrpSpPr>
+        <p:grpSpPr>
+          <a:xfrm>
+            <a:off x="7178681" y="1762783"/>
+            <a:ext cx="529248" cy="2233367"/>
+            <a:chOff x="7178681" y="1762783"/>
+            <a:chExt cx="529248" cy="2233367"/>
+          </a:xfrm>
+        </p:grpSpPr>
+        <mc:AlternateContent xmlns:mc="http://schemas.openxmlformats.org/markup-compatibility/2006">
+          <mc:Choice xmlns:a14="http://schemas.microsoft.com/office/drawing/2010/main" Requires="a14">
+            <p:sp>
+              <p:nvSpPr>
+                <p:cNvPr id="17" name="TextBox 16">
+                  <a:extLst>
+                    <a:ext uri="{FF2B5EF4-FFF2-40B4-BE49-F238E27FC236}">
+                      <a16:creationId xmlns:a16="http://schemas.microsoft.com/office/drawing/2014/main" id="{045D14B3-5BDF-B571-D8B5-09F761F00D44}"/>
+                    </a:ext>
+                  </a:extLst>
+                </p:cNvPr>
+                <p:cNvSpPr txBox="1"/>
+                <p:nvPr/>
+              </p:nvSpPr>
+              <p:spPr>
+                <a:xfrm>
+                  <a:off x="7178682" y="1762783"/>
+                  <a:ext cx="529247" cy="369332"/>
+                </a:xfrm>
+                <a:prstGeom prst="rect">
+                  <a:avLst/>
+                </a:prstGeom>
+                <a:noFill/>
+              </p:spPr>
+              <p:txBody>
+                <a:bodyPr wrap="none" rtlCol="0">
+                  <a:spAutoFit/>
+                </a:bodyPr>
+                <a:lstStyle/>
+                <a:p>
+                  <a:pPr/>
+                  <a14:m>
+                    <m:oMathPara xmlns:m="http://schemas.openxmlformats.org/officeDocument/2006/math">
+                      <m:oMathParaPr>
+                        <m:jc m:val="centerGroup"/>
+                      </m:oMathParaPr>
+                      <m:oMath xmlns:m="http://schemas.openxmlformats.org/officeDocument/2006/math">
+                        <m:sSub>
+                          <m:sSubPr>
+                            <m:ctrlPr>
+                              <a:rPr lang="en-PH" b="1" i="1" smtClean="0">
+                                <a:solidFill>
+                                  <a:srgbClr val="92D050"/>
+                                </a:solidFill>
+                                <a:latin typeface="Cambria Math" panose="02040503050406030204" pitchFamily="18" charset="0"/>
+                              </a:rPr>
+                            </m:ctrlPr>
+                          </m:sSubPr>
+                          <m:e>
+                            <m:r>
+                              <a:rPr lang="en-US" b="1" i="1" smtClean="0">
+                                <a:solidFill>
+                                  <a:srgbClr val="92D050"/>
+                                </a:solidFill>
+                                <a:latin typeface="Cambria Math" panose="02040503050406030204" pitchFamily="18" charset="0"/>
+                              </a:rPr>
+                              <m:t>𝒘</m:t>
+                            </m:r>
+                          </m:e>
+                          <m:sub>
+                            <m:r>
+                              <a:rPr lang="en-US" b="1" i="1" smtClean="0">
+                                <a:solidFill>
+                                  <a:srgbClr val="92D050"/>
+                                </a:solidFill>
+                                <a:latin typeface="Cambria Math" panose="02040503050406030204" pitchFamily="18" charset="0"/>
+                              </a:rPr>
+                              <m:t>𝟑</m:t>
+                            </m:r>
+                          </m:sub>
+                        </m:sSub>
+                      </m:oMath>
+                    </m:oMathPara>
+                  </a14:m>
+                  <a:endParaRPr lang="en-PH" b="1" dirty="0">
+                    <a:solidFill>
+                      <a:srgbClr val="92D050"/>
+                    </a:solidFill>
+                  </a:endParaRPr>
+                </a:p>
+              </p:txBody>
+            </p:sp>
+          </mc:Choice>
+          <mc:Fallback>
+            <p:sp>
+              <p:nvSpPr>
+                <p:cNvPr id="17" name="TextBox 16">
+                  <a:extLst>
+                    <a:ext uri="{FF2B5EF4-FFF2-40B4-BE49-F238E27FC236}">
+                      <a16:creationId xmlns:a16="http://schemas.microsoft.com/office/drawing/2014/main" id="{045D14B3-5BDF-B571-D8B5-09F761F00D44}"/>
+                    </a:ext>
+                  </a:extLst>
+                </p:cNvPr>
+                <p:cNvSpPr txBox="1">
+                  <a:spLocks noRot="1" noChangeAspect="1" noMove="1" noResize="1" noEditPoints="1" noAdjustHandles="1" noChangeArrowheads="1" noChangeShapeType="1" noTextEdit="1"/>
+                </p:cNvSpPr>
+                <p:nvPr/>
+              </p:nvSpPr>
+              <p:spPr>
+                <a:xfrm>
+                  <a:off x="7178682" y="1762783"/>
+                  <a:ext cx="529247" cy="369332"/>
+                </a:xfrm>
+                <a:prstGeom prst="rect">
+                  <a:avLst/>
+                </a:prstGeom>
+                <a:blipFill>
+                  <a:blip r:embed="rId11"/>
+                  <a:stretch>
+                    <a:fillRect/>
+                  </a:stretch>
+                </a:blipFill>
+              </p:spPr>
+              <p:txBody>
+                <a:bodyPr/>
+                <a:lstStyle/>
+                <a:p>
+                  <a:r>
+                    <a:rPr lang="en-PH">
+                      <a:noFill/>
+                    </a:rPr>
+                    <a:t> </a:t>
+                  </a:r>
+                </a:p>
+              </p:txBody>
+            </p:sp>
+          </mc:Fallback>
+        </mc:AlternateContent>
+        <mc:AlternateContent xmlns:mc="http://schemas.openxmlformats.org/markup-compatibility/2006">
+          <mc:Choice xmlns:a14="http://schemas.microsoft.com/office/drawing/2010/main" Requires="a14">
+            <p:sp>
+              <p:nvSpPr>
+                <p:cNvPr id="18" name="TextBox 17">
+                  <a:extLst>
+                    <a:ext uri="{FF2B5EF4-FFF2-40B4-BE49-F238E27FC236}">
+                      <a16:creationId xmlns:a16="http://schemas.microsoft.com/office/drawing/2014/main" id="{51D6B9FD-6E7F-111A-0493-A5FC94E37237}"/>
+                    </a:ext>
+                  </a:extLst>
+                </p:cNvPr>
+                <p:cNvSpPr txBox="1"/>
+                <p:nvPr/>
+              </p:nvSpPr>
+              <p:spPr>
+                <a:xfrm>
+                  <a:off x="7178681" y="3626818"/>
+                  <a:ext cx="529247" cy="369332"/>
+                </a:xfrm>
+                <a:prstGeom prst="rect">
+                  <a:avLst/>
+                </a:prstGeom>
+                <a:noFill/>
+              </p:spPr>
+              <p:txBody>
+                <a:bodyPr wrap="none" rtlCol="0">
+                  <a:spAutoFit/>
+                </a:bodyPr>
+                <a:lstStyle/>
+                <a:p>
+                  <a:pPr/>
+                  <a14:m>
+                    <m:oMathPara xmlns:m="http://schemas.openxmlformats.org/officeDocument/2006/math">
+                      <m:oMathParaPr>
+                        <m:jc m:val="centerGroup"/>
+                      </m:oMathParaPr>
+                      <m:oMath xmlns:m="http://schemas.openxmlformats.org/officeDocument/2006/math">
+                        <m:sSub>
+                          <m:sSubPr>
+                            <m:ctrlPr>
+                              <a:rPr lang="en-PH" b="1" i="1" smtClean="0">
+                                <a:solidFill>
+                                  <a:srgbClr val="92D050"/>
+                                </a:solidFill>
+                                <a:latin typeface="Cambria Math" panose="02040503050406030204" pitchFamily="18" charset="0"/>
+                              </a:rPr>
+                            </m:ctrlPr>
+                          </m:sSubPr>
+                          <m:e>
+                            <m:r>
+                              <a:rPr lang="en-US" b="1" i="1" smtClean="0">
+                                <a:solidFill>
+                                  <a:srgbClr val="92D050"/>
+                                </a:solidFill>
+                                <a:latin typeface="Cambria Math" panose="02040503050406030204" pitchFamily="18" charset="0"/>
+                              </a:rPr>
+                              <m:t>𝒘</m:t>
+                            </m:r>
+                          </m:e>
+                          <m:sub>
+                            <m:r>
+                              <a:rPr lang="en-US" b="1" i="1" smtClean="0">
+                                <a:solidFill>
+                                  <a:srgbClr val="92D050"/>
+                                </a:solidFill>
+                                <a:latin typeface="Cambria Math" panose="02040503050406030204" pitchFamily="18" charset="0"/>
+                              </a:rPr>
+                              <m:t>𝟒</m:t>
+                            </m:r>
+                          </m:sub>
+                        </m:sSub>
+                      </m:oMath>
+                    </m:oMathPara>
+                  </a14:m>
+                  <a:endParaRPr lang="en-PH" b="1" dirty="0">
+                    <a:solidFill>
+                      <a:srgbClr val="92D050"/>
+                    </a:solidFill>
+                  </a:endParaRPr>
+                </a:p>
+              </p:txBody>
+            </p:sp>
+          </mc:Choice>
+          <mc:Fallback>
+            <p:sp>
+              <p:nvSpPr>
+                <p:cNvPr id="18" name="TextBox 17">
+                  <a:extLst>
+                    <a:ext uri="{FF2B5EF4-FFF2-40B4-BE49-F238E27FC236}">
+                      <a16:creationId xmlns:a16="http://schemas.microsoft.com/office/drawing/2014/main" id="{51D6B9FD-6E7F-111A-0493-A5FC94E37237}"/>
+                    </a:ext>
+                  </a:extLst>
+                </p:cNvPr>
+                <p:cNvSpPr txBox="1">
+                  <a:spLocks noRot="1" noChangeAspect="1" noMove="1" noResize="1" noEditPoints="1" noAdjustHandles="1" noChangeArrowheads="1" noChangeShapeType="1" noTextEdit="1"/>
+                </p:cNvSpPr>
+                <p:nvPr/>
+              </p:nvSpPr>
+              <p:spPr>
+                <a:xfrm>
+                  <a:off x="7178681" y="3626818"/>
+                  <a:ext cx="529247" cy="369332"/>
+                </a:xfrm>
+                <a:prstGeom prst="rect">
+                  <a:avLst/>
+                </a:prstGeom>
+                <a:blipFill>
+                  <a:blip r:embed="rId12"/>
+                  <a:stretch>
+                    <a:fillRect/>
+                  </a:stretch>
+                </a:blipFill>
+              </p:spPr>
+              <p:txBody>
+                <a:bodyPr/>
+                <a:lstStyle/>
+                <a:p>
+                  <a:r>
+                    <a:rPr lang="en-PH">
+                      <a:noFill/>
+                    </a:rPr>
+                    <a:t> </a:t>
+                  </a:r>
+                </a:p>
+              </p:txBody>
+            </p:sp>
+          </mc:Fallback>
+        </mc:AlternateContent>
+      </p:grpSp>
     </p:spTree>
     <p:extLst>
       <p:ext uri="{BB962C8B-B14F-4D97-AF65-F5344CB8AC3E}">
@@ -7242,7 +7604,7 @@
                             </p:stCondLst>
                             <p:childTnLst>
                               <p:par>
-                                <p:cTn id="21" presetID="10" presetClass="entr" presetSubtype="0" fill="hold" grpId="0" nodeType="clickEffect">
+                                <p:cTn id="21" presetID="10" presetClass="entr" presetSubtype="0" fill="hold" nodeType="clickEffect">
                                   <p:stCondLst>
                                     <p:cond delay="0"/>
                                   </p:stCondLst>
@@ -7255,7 +7617,7 @@
                                           </p:stCondLst>
                                         </p:cTn>
                                         <p:tgtEl>
-                                          <p:spTgt spid="13"/>
+                                          <p:spTgt spid="19"/>
                                         </p:tgtEl>
                                         <p:attrNameLst>
                                           <p:attrName>style.visibility</p:attrName>
@@ -7269,7 +7631,7 @@
                                       <p:cBhvr>
                                         <p:cTn id="23" dur="500"/>
                                         <p:tgtEl>
-                                          <p:spTgt spid="13"/>
+                                          <p:spTgt spid="19"/>
                                         </p:tgtEl>
                                       </p:cBhvr>
                                     </p:animEffect>
@@ -7308,7 +7670,6 @@
       <p:bldP spid="8" grpId="0"/>
       <p:bldP spid="10" grpId="0"/>
       <p:bldP spid="11" grpId="0"/>
-      <p:bldP spid="13" grpId="0"/>
     </p:bldLst>
   </p:timing>
 </p:sld>
@@ -7392,8 +7753,8 @@
           </a:p>
         </p:txBody>
       </p:sp>
-      <mc:AlternateContent xmlns:mc="http://schemas.openxmlformats.org/markup-compatibility/2006">
-        <mc:Choice xmlns:a14="http://schemas.microsoft.com/office/drawing/2010/main" Requires="a14">
+      <mc:AlternateContent xmlns:mc="http://schemas.openxmlformats.org/markup-compatibility/2006" xmlns:a14="http://schemas.microsoft.com/office/drawing/2010/main">
+        <mc:Choice Requires="a14">
           <p:sp>
             <p:nvSpPr>
               <p:cNvPr id="5" name="Oval 4">
@@ -7479,7 +7840,7 @@
             </p:txBody>
           </p:sp>
         </mc:Choice>
-        <mc:Fallback>
+        <mc:Fallback xmlns="">
           <p:sp>
             <p:nvSpPr>
               <p:cNvPr id="5" name="Oval 4">
@@ -7952,8 +8313,8 @@
           </a:p>
         </p:txBody>
       </p:sp>
-      <mc:AlternateContent xmlns:mc="http://schemas.openxmlformats.org/markup-compatibility/2006">
-        <mc:Choice xmlns:a14="http://schemas.microsoft.com/office/drawing/2010/main" Requires="a14">
+      <mc:AlternateContent xmlns:mc="http://schemas.openxmlformats.org/markup-compatibility/2006" xmlns:a14="http://schemas.microsoft.com/office/drawing/2010/main">
+        <mc:Choice Requires="a14">
           <p:sp>
             <p:nvSpPr>
               <p:cNvPr id="2" name="Oval 1">
@@ -8039,7 +8400,7 @@
             </p:txBody>
           </p:sp>
         </mc:Choice>
-        <mc:Fallback>
+        <mc:Fallback xmlns="">
           <p:sp>
             <p:nvSpPr>
               <p:cNvPr id="2" name="Oval 1">
@@ -8174,8 +8535,8 @@
           </a:fontRef>
         </p:style>
       </p:cxnSp>
-      <mc:AlternateContent xmlns:mc="http://schemas.openxmlformats.org/markup-compatibility/2006">
-        <mc:Choice xmlns:a14="http://schemas.microsoft.com/office/drawing/2010/main" Requires="a14">
+      <mc:AlternateContent xmlns:mc="http://schemas.openxmlformats.org/markup-compatibility/2006" xmlns:a14="http://schemas.microsoft.com/office/drawing/2010/main">
+        <mc:Choice Requires="a14">
           <p:sp>
             <p:nvSpPr>
               <p:cNvPr id="3" name="TextBox 2">
@@ -8257,7 +8618,7 @@
             </p:txBody>
           </p:sp>
         </mc:Choice>
-        <mc:Fallback>
+        <mc:Fallback xmlns="">
           <p:sp>
             <p:nvSpPr>
               <p:cNvPr id="3" name="TextBox 2">
@@ -8302,136 +8663,8 @@
           </p:sp>
         </mc:Fallback>
       </mc:AlternateContent>
-      <mc:AlternateContent xmlns:mc="http://schemas.openxmlformats.org/markup-compatibility/2006">
-        <mc:Choice xmlns:a14="http://schemas.microsoft.com/office/drawing/2010/main" Requires="a14">
-          <p:sp>
-            <p:nvSpPr>
-              <p:cNvPr id="8" name="TextBox 7">
-                <a:extLst>
-                  <a:ext uri="{FF2B5EF4-FFF2-40B4-BE49-F238E27FC236}">
-                    <a16:creationId xmlns:a16="http://schemas.microsoft.com/office/drawing/2014/main" id="{52454B19-46C1-19E4-806A-FD03E19EB26C}"/>
-                  </a:ext>
-                </a:extLst>
-              </p:cNvPr>
-              <p:cNvSpPr txBox="1"/>
-              <p:nvPr/>
-            </p:nvSpPr>
-            <p:spPr>
-              <a:xfrm>
-                <a:off x="3090402" y="595591"/>
-                <a:ext cx="487569" cy="369332"/>
-              </a:xfrm>
-              <a:prstGeom prst="rect">
-                <a:avLst/>
-              </a:prstGeom>
-              <a:noFill/>
-            </p:spPr>
-            <p:txBody>
-              <a:bodyPr wrap="none" rtlCol="0">
-                <a:spAutoFit/>
-              </a:bodyPr>
-              <a:lstStyle/>
-              <a:p>
-                <a:pPr/>
-                <a14:m>
-                  <m:oMathPara xmlns:m="http://schemas.openxmlformats.org/officeDocument/2006/math">
-                    <m:oMathParaPr>
-                      <m:jc m:val="centerGroup"/>
-                    </m:oMathParaPr>
-                    <m:oMath xmlns:m="http://schemas.openxmlformats.org/officeDocument/2006/math">
-                      <m:sSub>
-                        <m:sSubPr>
-                          <m:ctrlPr>
-                            <a:rPr lang="en-PH" b="1" i="1" smtClean="0">
-                              <a:solidFill>
-                                <a:srgbClr val="FF0000"/>
-                              </a:solidFill>
-                              <a:latin typeface="Cambria Math" panose="02040503050406030204" pitchFamily="18" charset="0"/>
-                            </a:rPr>
-                          </m:ctrlPr>
-                        </m:sSubPr>
-                        <m:e>
-                          <m:r>
-                            <a:rPr lang="en-US" b="1" i="1" smtClean="0">
-                              <a:solidFill>
-                                <a:srgbClr val="FF0000"/>
-                              </a:solidFill>
-                              <a:latin typeface="Cambria Math" panose="02040503050406030204" pitchFamily="18" charset="0"/>
-                            </a:rPr>
-                            <m:t>𝒃</m:t>
-                          </m:r>
-                        </m:e>
-                        <m:sub>
-                          <m:r>
-                            <a:rPr lang="en-US" b="1" i="1" smtClean="0">
-                              <a:solidFill>
-                                <a:srgbClr val="FF0000"/>
-                              </a:solidFill>
-                              <a:latin typeface="Cambria Math" panose="02040503050406030204" pitchFamily="18" charset="0"/>
-                            </a:rPr>
-                            <m:t>𝟐</m:t>
-                          </m:r>
-                        </m:sub>
-                      </m:sSub>
-                    </m:oMath>
-                  </m:oMathPara>
-                </a14:m>
-                <a:endParaRPr lang="en-PH" b="1" dirty="0">
-                  <a:solidFill>
-                    <a:srgbClr val="FF0000"/>
-                  </a:solidFill>
-                </a:endParaRPr>
-              </a:p>
-            </p:txBody>
-          </p:sp>
-        </mc:Choice>
-        <mc:Fallback>
-          <p:sp>
-            <p:nvSpPr>
-              <p:cNvPr id="8" name="TextBox 7">
-                <a:extLst>
-                  <a:ext uri="{FF2B5EF4-FFF2-40B4-BE49-F238E27FC236}">
-                    <a16:creationId xmlns:a16="http://schemas.microsoft.com/office/drawing/2014/main" id="{52454B19-46C1-19E4-806A-FD03E19EB26C}"/>
-                  </a:ext>
-                </a:extLst>
-              </p:cNvPr>
-              <p:cNvSpPr txBox="1">
-                <a:spLocks noRot="1" noChangeAspect="1" noMove="1" noResize="1" noEditPoints="1" noAdjustHandles="1" noChangeArrowheads="1" noChangeShapeType="1" noTextEdit="1"/>
-              </p:cNvSpPr>
-              <p:nvPr/>
-            </p:nvSpPr>
-            <p:spPr>
-              <a:xfrm>
-                <a:off x="3090402" y="595591"/>
-                <a:ext cx="487569" cy="369332"/>
-              </a:xfrm>
-              <a:prstGeom prst="rect">
-                <a:avLst/>
-              </a:prstGeom>
-              <a:blipFill>
-                <a:blip r:embed="rId7"/>
-                <a:stretch>
-                  <a:fillRect/>
-                </a:stretch>
-              </a:blipFill>
-            </p:spPr>
-            <p:txBody>
-              <a:bodyPr/>
-              <a:lstStyle/>
-              <a:p>
-                <a:r>
-                  <a:rPr lang="en-PH">
-                    <a:noFill/>
-                  </a:rPr>
-                  <a:t> </a:t>
-                </a:r>
-              </a:p>
-            </p:txBody>
-          </p:sp>
-        </mc:Fallback>
-      </mc:AlternateContent>
-      <mc:AlternateContent xmlns:mc="http://schemas.openxmlformats.org/markup-compatibility/2006">
-        <mc:Choice xmlns:a14="http://schemas.microsoft.com/office/drawing/2010/main" Requires="a14">
+      <mc:AlternateContent xmlns:mc="http://schemas.openxmlformats.org/markup-compatibility/2006" xmlns:a14="http://schemas.microsoft.com/office/drawing/2010/main">
+        <mc:Choice Requires="a14">
           <p:sp>
             <p:nvSpPr>
               <p:cNvPr id="10" name="TextBox 9">
@@ -8513,7 +8746,7 @@
             </p:txBody>
           </p:sp>
         </mc:Choice>
-        <mc:Fallback>
+        <mc:Fallback xmlns="">
           <p:sp>
             <p:nvSpPr>
               <p:cNvPr id="10" name="TextBox 9">
@@ -8558,8 +8791,8 @@
           </p:sp>
         </mc:Fallback>
       </mc:AlternateContent>
-      <mc:AlternateContent xmlns:mc="http://schemas.openxmlformats.org/markup-compatibility/2006">
-        <mc:Choice xmlns:a14="http://schemas.microsoft.com/office/drawing/2010/main" Requires="a14">
+      <mc:AlternateContent xmlns:mc="http://schemas.openxmlformats.org/markup-compatibility/2006" xmlns:a14="http://schemas.microsoft.com/office/drawing/2010/main">
+        <mc:Choice Requires="a14">
           <p:sp>
             <p:nvSpPr>
               <p:cNvPr id="11" name="TextBox 10">
@@ -8641,7 +8874,7 @@
             </p:txBody>
           </p:sp>
         </mc:Choice>
-        <mc:Fallback>
+        <mc:Fallback xmlns="">
           <p:sp>
             <p:nvSpPr>
               <p:cNvPr id="11" name="TextBox 10">
@@ -8686,478 +8919,499 @@
           </p:sp>
         </mc:Fallback>
       </mc:AlternateContent>
-      <mc:AlternateContent xmlns:mc="http://schemas.openxmlformats.org/markup-compatibility/2006">
-        <mc:Choice xmlns:a14="http://schemas.microsoft.com/office/drawing/2010/main" Requires="a14">
-          <p:sp>
-            <p:nvSpPr>
-              <p:cNvPr id="13" name="Oval 12">
-                <a:extLst>
-                  <a:ext uri="{FF2B5EF4-FFF2-40B4-BE49-F238E27FC236}">
-                    <a16:creationId xmlns:a16="http://schemas.microsoft.com/office/drawing/2014/main" id="{E161D7A7-C20D-0F38-4617-2662E161F02D}"/>
-                  </a:ext>
-                </a:extLst>
-              </p:cNvPr>
-              <p:cNvSpPr/>
-              <p:nvPr/>
-            </p:nvSpPr>
-            <p:spPr>
-              <a:xfrm>
-                <a:off x="2210492" y="21588"/>
-                <a:ext cx="630237" cy="605255"/>
-              </a:xfrm>
-              <a:prstGeom prst="ellipse">
-                <a:avLst/>
-              </a:prstGeom>
-              <a:solidFill>
-                <a:srgbClr val="7030A0"/>
-              </a:solidFill>
-              <a:ln>
+      <p:grpSp>
+        <p:nvGrpSpPr>
+          <p:cNvPr id="22" name="Group 21">
+            <a:extLst>
+              <a:ext uri="{FF2B5EF4-FFF2-40B4-BE49-F238E27FC236}">
+                <a16:creationId xmlns:a16="http://schemas.microsoft.com/office/drawing/2014/main" id="{FF3C49E0-A4EA-4074-7C1A-128403ABE864}"/>
+              </a:ext>
+            </a:extLst>
+          </p:cNvPr>
+          <p:cNvGrpSpPr/>
+          <p:nvPr/>
+        </p:nvGrpSpPr>
+        <p:grpSpPr>
+          <a:xfrm>
+            <a:off x="2210492" y="21588"/>
+            <a:ext cx="2971108" cy="4283624"/>
+            <a:chOff x="2210492" y="21588"/>
+            <a:chExt cx="2971108" cy="4283624"/>
+          </a:xfrm>
+        </p:grpSpPr>
+        <mc:AlternateContent xmlns:mc="http://schemas.openxmlformats.org/markup-compatibility/2006">
+          <mc:Choice xmlns:a14="http://schemas.microsoft.com/office/drawing/2010/main" Requires="a14">
+            <p:sp>
+              <p:nvSpPr>
+                <p:cNvPr id="8" name="TextBox 7">
+                  <a:extLst>
+                    <a:ext uri="{FF2B5EF4-FFF2-40B4-BE49-F238E27FC236}">
+                      <a16:creationId xmlns:a16="http://schemas.microsoft.com/office/drawing/2014/main" id="{52454B19-46C1-19E4-806A-FD03E19EB26C}"/>
+                    </a:ext>
+                  </a:extLst>
+                </p:cNvPr>
+                <p:cNvSpPr txBox="1"/>
+                <p:nvPr/>
+              </p:nvSpPr>
+              <p:spPr>
+                <a:xfrm>
+                  <a:off x="3090402" y="595591"/>
+                  <a:ext cx="487569" cy="369332"/>
+                </a:xfrm>
+                <a:prstGeom prst="rect">
+                  <a:avLst/>
+                </a:prstGeom>
+                <a:noFill/>
+              </p:spPr>
+              <p:txBody>
+                <a:bodyPr wrap="none" rtlCol="0">
+                  <a:spAutoFit/>
+                </a:bodyPr>
+                <a:lstStyle/>
+                <a:p>
+                  <a:pPr/>
+                  <a14:m>
+                    <m:oMathPara xmlns:m="http://schemas.openxmlformats.org/officeDocument/2006/math">
+                      <m:oMathParaPr>
+                        <m:jc m:val="centerGroup"/>
+                      </m:oMathParaPr>
+                      <m:oMath xmlns:m="http://schemas.openxmlformats.org/officeDocument/2006/math">
+                        <m:sSub>
+                          <m:sSubPr>
+                            <m:ctrlPr>
+                              <a:rPr lang="en-PH" b="1" i="1" smtClean="0">
+                                <a:solidFill>
+                                  <a:srgbClr val="FF0000"/>
+                                </a:solidFill>
+                                <a:latin typeface="Cambria Math" panose="02040503050406030204" pitchFamily="18" charset="0"/>
+                              </a:rPr>
+                            </m:ctrlPr>
+                          </m:sSubPr>
+                          <m:e>
+                            <m:r>
+                              <a:rPr lang="en-US" b="1" i="1" smtClean="0">
+                                <a:solidFill>
+                                  <a:srgbClr val="FF0000"/>
+                                </a:solidFill>
+                                <a:latin typeface="Cambria Math" panose="02040503050406030204" pitchFamily="18" charset="0"/>
+                              </a:rPr>
+                              <m:t>𝒃</m:t>
+                            </m:r>
+                          </m:e>
+                          <m:sub>
+                            <m:r>
+                              <a:rPr lang="en-US" b="1" i="1" smtClean="0">
+                                <a:solidFill>
+                                  <a:srgbClr val="FF0000"/>
+                                </a:solidFill>
+                                <a:latin typeface="Cambria Math" panose="02040503050406030204" pitchFamily="18" charset="0"/>
+                              </a:rPr>
+                              <m:t>𝟐</m:t>
+                            </m:r>
+                          </m:sub>
+                        </m:sSub>
+                      </m:oMath>
+                    </m:oMathPara>
+                  </a14:m>
+                  <a:endParaRPr lang="en-PH" b="1" dirty="0">
+                    <a:solidFill>
+                      <a:srgbClr val="FF0000"/>
+                    </a:solidFill>
+                  </a:endParaRPr>
+                </a:p>
+              </p:txBody>
+            </p:sp>
+          </mc:Choice>
+          <mc:Fallback>
+            <p:sp>
+              <p:nvSpPr>
+                <p:cNvPr id="8" name="TextBox 7">
+                  <a:extLst>
+                    <a:ext uri="{FF2B5EF4-FFF2-40B4-BE49-F238E27FC236}">
+                      <a16:creationId xmlns:a16="http://schemas.microsoft.com/office/drawing/2014/main" id="{52454B19-46C1-19E4-806A-FD03E19EB26C}"/>
+                    </a:ext>
+                  </a:extLst>
+                </p:cNvPr>
+                <p:cNvSpPr txBox="1">
+                  <a:spLocks noRot="1" noChangeAspect="1" noMove="1" noResize="1" noEditPoints="1" noAdjustHandles="1" noChangeArrowheads="1" noChangeShapeType="1" noTextEdit="1"/>
+                </p:cNvSpPr>
+                <p:nvPr/>
+              </p:nvSpPr>
+              <p:spPr>
+                <a:xfrm>
+                  <a:off x="3090402" y="595591"/>
+                  <a:ext cx="487569" cy="369332"/>
+                </a:xfrm>
+                <a:prstGeom prst="rect">
+                  <a:avLst/>
+                </a:prstGeom>
+                <a:blipFill>
+                  <a:blip r:embed="rId10"/>
+                  <a:stretch>
+                    <a:fillRect/>
+                  </a:stretch>
+                </a:blipFill>
+              </p:spPr>
+              <p:txBody>
+                <a:bodyPr/>
+                <a:lstStyle/>
+                <a:p>
+                  <a:r>
+                    <a:rPr lang="en-PH">
+                      <a:noFill/>
+                    </a:rPr>
+                    <a:t> </a:t>
+                  </a:r>
+                </a:p>
+              </p:txBody>
+            </p:sp>
+          </mc:Fallback>
+        </mc:AlternateContent>
+        <mc:AlternateContent xmlns:mc="http://schemas.openxmlformats.org/markup-compatibility/2006">
+          <mc:Choice xmlns:a14="http://schemas.microsoft.com/office/drawing/2010/main" Requires="a14">
+            <p:sp>
+              <p:nvSpPr>
+                <p:cNvPr id="13" name="Oval 12">
+                  <a:extLst>
+                    <a:ext uri="{FF2B5EF4-FFF2-40B4-BE49-F238E27FC236}">
+                      <a16:creationId xmlns:a16="http://schemas.microsoft.com/office/drawing/2014/main" id="{E161D7A7-C20D-0F38-4617-2662E161F02D}"/>
+                    </a:ext>
+                  </a:extLst>
+                </p:cNvPr>
+                <p:cNvSpPr/>
+                <p:nvPr/>
+              </p:nvSpPr>
+              <p:spPr>
+                <a:xfrm>
+                  <a:off x="2210492" y="21588"/>
+                  <a:ext cx="630237" cy="605255"/>
+                </a:xfrm>
+                <a:prstGeom prst="ellipse">
+                  <a:avLst/>
+                </a:prstGeom>
                 <a:solidFill>
                   <a:srgbClr val="7030A0"/>
                 </a:solidFill>
-              </a:ln>
-            </p:spPr>
-            <p:style>
-              <a:lnRef idx="1">
-                <a:schemeClr val="accent1"/>
-              </a:lnRef>
-              <a:fillRef idx="3">
-                <a:schemeClr val="accent1"/>
-              </a:fillRef>
-              <a:effectRef idx="2">
-                <a:schemeClr val="accent1"/>
-              </a:effectRef>
-              <a:fontRef idx="minor">
-                <a:schemeClr val="lt1"/>
-              </a:fontRef>
-            </p:style>
-            <p:txBody>
-              <a:bodyPr rtlCol="0" anchor="ctr"/>
-              <a:lstStyle/>
-              <a:p>
-                <a:pPr algn="ctr"/>
-                <a14:m>
-                  <m:oMathPara xmlns:m="http://schemas.openxmlformats.org/officeDocument/2006/math">
-                    <m:oMathParaPr>
-                      <m:jc m:val="centerGroup"/>
-                    </m:oMathParaPr>
-                    <m:oMath xmlns:m="http://schemas.openxmlformats.org/officeDocument/2006/math">
-                      <m:r>
-                        <a:rPr lang="en-US" sz="2500" b="0" i="1" smtClean="0">
-                          <a:latin typeface="Cambria Math" panose="02040503050406030204" pitchFamily="18" charset="0"/>
-                        </a:rPr>
-                        <m:t> </m:t>
-                      </m:r>
-                      <m:r>
-                        <a:rPr lang="en-US" sz="2500" i="1" smtClean="0">
-                          <a:latin typeface="Cambria Math" panose="02040503050406030204" pitchFamily="18" charset="0"/>
-                        </a:rPr>
-                        <m:t>𝑏</m:t>
-                      </m:r>
-                    </m:oMath>
-                  </m:oMathPara>
-                </a14:m>
-                <a:endParaRPr lang="en-PH" sz="2500" dirty="0"/>
-              </a:p>
-            </p:txBody>
-          </p:sp>
-        </mc:Choice>
-        <mc:Fallback>
-          <p:sp>
-            <p:nvSpPr>
-              <p:cNvPr id="13" name="Oval 12">
-                <a:extLst>
-                  <a:ext uri="{FF2B5EF4-FFF2-40B4-BE49-F238E27FC236}">
-                    <a16:creationId xmlns:a16="http://schemas.microsoft.com/office/drawing/2014/main" id="{E161D7A7-C20D-0F38-4617-2662E161F02D}"/>
-                  </a:ext>
-                </a:extLst>
-              </p:cNvPr>
-              <p:cNvSpPr>
-                <a:spLocks noRot="1" noChangeAspect="1" noMove="1" noResize="1" noEditPoints="1" noAdjustHandles="1" noChangeArrowheads="1" noChangeShapeType="1" noTextEdit="1"/>
-              </p:cNvSpPr>
-              <p:nvPr/>
-            </p:nvSpPr>
-            <p:spPr>
-              <a:xfrm>
-                <a:off x="2210492" y="21588"/>
-                <a:ext cx="630237" cy="605255"/>
-              </a:xfrm>
-              <a:prstGeom prst="ellipse">
-                <a:avLst/>
-              </a:prstGeom>
-              <a:blipFill>
-                <a:blip r:embed="rId10"/>
-                <a:stretch>
-                  <a:fillRect/>
-                </a:stretch>
-              </a:blipFill>
-              <a:ln>
-                <a:solidFill>
-                  <a:srgbClr val="7030A0"/>
-                </a:solidFill>
-              </a:ln>
-            </p:spPr>
-            <p:txBody>
-              <a:bodyPr/>
-              <a:lstStyle/>
-              <a:p>
-                <a:r>
-                  <a:rPr lang="en-PH">
-                    <a:noFill/>
-                  </a:rPr>
-                  <a:t> </a:t>
-                </a:r>
-              </a:p>
-            </p:txBody>
-          </p:sp>
-        </mc:Fallback>
-      </mc:AlternateContent>
-      <p:cxnSp>
-        <p:nvCxnSpPr>
-          <p:cNvPr id="15" name="Straight Connector 14">
-            <a:extLst>
-              <a:ext uri="{FF2B5EF4-FFF2-40B4-BE49-F238E27FC236}">
-                <a16:creationId xmlns:a16="http://schemas.microsoft.com/office/drawing/2014/main" id="{4A2061FB-7198-13D3-BD9E-56B5989CB07B}"/>
-              </a:ext>
-            </a:extLst>
-          </p:cNvPr>
-          <p:cNvCxnSpPr>
-            <a:cxnSpLocks/>
-            <a:stCxn id="13" idx="6"/>
-            <a:endCxn id="6" idx="2"/>
-          </p:cNvCxnSpPr>
-          <p:nvPr/>
-        </p:nvCxnSpPr>
-        <p:spPr>
-          <a:xfrm>
-            <a:off x="2840729" y="324216"/>
-            <a:ext cx="2340871" cy="968215"/>
-          </a:xfrm>
-          <a:prstGeom prst="line">
-            <a:avLst/>
-          </a:prstGeom>
-          <a:ln>
-            <a:solidFill>
-              <a:srgbClr val="00B0F0"/>
-            </a:solidFill>
-          </a:ln>
-        </p:spPr>
-        <p:style>
-          <a:lnRef idx="3">
-            <a:schemeClr val="dk1"/>
-          </a:lnRef>
-          <a:fillRef idx="0">
-            <a:schemeClr val="dk1"/>
-          </a:fillRef>
-          <a:effectRef idx="2">
-            <a:schemeClr val="dk1"/>
-          </a:effectRef>
-          <a:fontRef idx="minor">
-            <a:schemeClr val="tx1"/>
-          </a:fontRef>
-        </p:style>
-      </p:cxnSp>
-      <p:cxnSp>
-        <p:nvCxnSpPr>
-          <p:cNvPr id="21" name="Straight Connector 20">
-            <a:extLst>
-              <a:ext uri="{FF2B5EF4-FFF2-40B4-BE49-F238E27FC236}">
-                <a16:creationId xmlns:a16="http://schemas.microsoft.com/office/drawing/2014/main" id="{07DCD27D-22D8-1296-20D8-E689AC567759}"/>
-              </a:ext>
-            </a:extLst>
-          </p:cNvPr>
-          <p:cNvCxnSpPr>
-            <a:cxnSpLocks/>
-            <a:stCxn id="13" idx="6"/>
-            <a:endCxn id="7" idx="2"/>
-          </p:cNvCxnSpPr>
-          <p:nvPr/>
-        </p:nvCxnSpPr>
-        <p:spPr>
-          <a:xfrm>
-            <a:off x="2840729" y="324216"/>
-            <a:ext cx="2340871" cy="3980996"/>
-          </a:xfrm>
-          <a:prstGeom prst="line">
-            <a:avLst/>
-          </a:prstGeom>
-          <a:ln>
-            <a:solidFill>
-              <a:srgbClr val="FF0000"/>
-            </a:solidFill>
-          </a:ln>
-        </p:spPr>
-        <p:style>
-          <a:lnRef idx="3">
-            <a:schemeClr val="dk1"/>
-          </a:lnRef>
-          <a:fillRef idx="0">
-            <a:schemeClr val="dk1"/>
-          </a:fillRef>
-          <a:effectRef idx="2">
-            <a:schemeClr val="dk1"/>
-          </a:effectRef>
-          <a:fontRef idx="minor">
-            <a:schemeClr val="tx1"/>
-          </a:fontRef>
-        </p:style>
-      </p:cxnSp>
-      <mc:AlternateContent xmlns:mc="http://schemas.openxmlformats.org/markup-compatibility/2006">
-        <mc:Choice xmlns:a14="http://schemas.microsoft.com/office/drawing/2010/main" Requires="a14">
-          <p:sp>
-            <p:nvSpPr>
-              <p:cNvPr id="30" name="TextBox 29">
-                <a:extLst>
-                  <a:ext uri="{FF2B5EF4-FFF2-40B4-BE49-F238E27FC236}">
-                    <a16:creationId xmlns:a16="http://schemas.microsoft.com/office/drawing/2014/main" id="{BA7B5B74-D980-03EC-FD4F-E1EE0CE3F984}"/>
-                  </a:ext>
-                </a:extLst>
-              </p:cNvPr>
-              <p:cNvSpPr txBox="1"/>
-              <p:nvPr/>
-            </p:nvSpPr>
-            <p:spPr>
-              <a:xfrm>
-                <a:off x="3693434" y="376074"/>
-                <a:ext cx="487569" cy="369332"/>
-              </a:xfrm>
-              <a:prstGeom prst="rect">
-                <a:avLst/>
-              </a:prstGeom>
-              <a:noFill/>
-            </p:spPr>
-            <p:txBody>
-              <a:bodyPr wrap="none" rtlCol="0">
-                <a:spAutoFit/>
-              </a:bodyPr>
-              <a:lstStyle/>
-              <a:p>
-                <a:pPr/>
-                <a14:m>
-                  <m:oMathPara xmlns:m="http://schemas.openxmlformats.org/officeDocument/2006/math">
-                    <m:oMathParaPr>
-                      <m:jc m:val="centerGroup"/>
-                    </m:oMathParaPr>
-                    <m:oMath xmlns:m="http://schemas.openxmlformats.org/officeDocument/2006/math">
-                      <m:sSub>
-                        <m:sSubPr>
-                          <m:ctrlPr>
-                            <a:rPr lang="en-PH" b="1" i="1" smtClean="0">
-                              <a:solidFill>
-                                <a:srgbClr val="00B0F0"/>
-                              </a:solidFill>
-                              <a:latin typeface="Cambria Math" panose="02040503050406030204" pitchFamily="18" charset="0"/>
-                            </a:rPr>
-                          </m:ctrlPr>
-                        </m:sSubPr>
-                        <m:e>
-                          <m:r>
-                            <a:rPr lang="en-US" b="1" i="1" smtClean="0">
-                              <a:solidFill>
-                                <a:srgbClr val="00B0F0"/>
-                              </a:solidFill>
-                              <a:latin typeface="Cambria Math" panose="02040503050406030204" pitchFamily="18" charset="0"/>
-                            </a:rPr>
-                            <m:t>𝒃</m:t>
-                          </m:r>
-                        </m:e>
-                        <m:sub>
-                          <m:r>
-                            <a:rPr lang="en-US" b="1" i="1" smtClean="0">
-                              <a:solidFill>
-                                <a:srgbClr val="00B0F0"/>
-                              </a:solidFill>
-                              <a:latin typeface="Cambria Math" panose="02040503050406030204" pitchFamily="18" charset="0"/>
-                            </a:rPr>
-                            <m:t>𝟏</m:t>
-                          </m:r>
-                        </m:sub>
-                      </m:sSub>
-                    </m:oMath>
-                  </m:oMathPara>
-                </a14:m>
-                <a:endParaRPr lang="en-PH" b="1" dirty="0">
+                <a:ln>
                   <a:solidFill>
-                    <a:srgbClr val="00B0F0"/>
+                    <a:srgbClr val="7030A0"/>
                   </a:solidFill>
-                </a:endParaRPr>
-              </a:p>
-            </p:txBody>
-          </p:sp>
-        </mc:Choice>
-        <mc:Fallback>
-          <p:sp>
-            <p:nvSpPr>
-              <p:cNvPr id="30" name="TextBox 29">
-                <a:extLst>
-                  <a:ext uri="{FF2B5EF4-FFF2-40B4-BE49-F238E27FC236}">
-                    <a16:creationId xmlns:a16="http://schemas.microsoft.com/office/drawing/2014/main" id="{BA7B5B74-D980-03EC-FD4F-E1EE0CE3F984}"/>
-                  </a:ext>
-                </a:extLst>
-              </p:cNvPr>
-              <p:cNvSpPr txBox="1">
-                <a:spLocks noRot="1" noChangeAspect="1" noMove="1" noResize="1" noEditPoints="1" noAdjustHandles="1" noChangeArrowheads="1" noChangeShapeType="1" noTextEdit="1"/>
-              </p:cNvSpPr>
-              <p:nvPr/>
-            </p:nvSpPr>
-            <p:spPr>
-              <a:xfrm>
-                <a:off x="3693434" y="376074"/>
-                <a:ext cx="487569" cy="369332"/>
-              </a:xfrm>
-              <a:prstGeom prst="rect">
-                <a:avLst/>
-              </a:prstGeom>
-              <a:blipFill>
-                <a:blip r:embed="rId11"/>
-                <a:stretch>
-                  <a:fillRect/>
-                </a:stretch>
-              </a:blipFill>
-            </p:spPr>
-            <p:txBody>
-              <a:bodyPr/>
-              <a:lstStyle/>
-              <a:p>
-                <a:r>
-                  <a:rPr lang="en-PH">
-                    <a:noFill/>
-                  </a:rPr>
-                  <a:t> </a:t>
-                </a:r>
-              </a:p>
-            </p:txBody>
-          </p:sp>
-        </mc:Fallback>
-      </mc:AlternateContent>
-      <mc:AlternateContent xmlns:mc="http://schemas.openxmlformats.org/markup-compatibility/2006">
-        <mc:Choice xmlns:a14="http://schemas.microsoft.com/office/drawing/2010/main" Requires="a14">
-          <p:sp>
-            <p:nvSpPr>
-              <p:cNvPr id="31" name="TextBox 30">
-                <a:extLst>
-                  <a:ext uri="{FF2B5EF4-FFF2-40B4-BE49-F238E27FC236}">
-                    <a16:creationId xmlns:a16="http://schemas.microsoft.com/office/drawing/2014/main" id="{2BBF5A1E-1A4A-DB73-A86E-7E07D7BD8F66}"/>
-                  </a:ext>
-                </a:extLst>
-              </p:cNvPr>
-              <p:cNvSpPr txBox="1"/>
-              <p:nvPr/>
-            </p:nvSpPr>
-            <p:spPr>
-              <a:xfrm>
-                <a:off x="3767086" y="4353689"/>
-                <a:ext cx="630237" cy="369332"/>
-              </a:xfrm>
-              <a:prstGeom prst="rect">
-                <a:avLst/>
-              </a:prstGeom>
-              <a:noFill/>
-            </p:spPr>
-            <p:txBody>
-              <a:bodyPr wrap="none" rtlCol="0">
-                <a:spAutoFit/>
-              </a:bodyPr>
-              <a:lstStyle/>
-              <a:p>
-                <a:pPr/>
-                <a14:m>
-                  <m:oMathPara xmlns:m="http://schemas.openxmlformats.org/officeDocument/2006/math">
-                    <m:oMathParaPr>
-                      <m:jc m:val="centerGroup"/>
-                    </m:oMathParaPr>
-                    <m:oMath xmlns:m="http://schemas.openxmlformats.org/officeDocument/2006/math">
-                      <m:sSub>
-                        <m:sSubPr>
-                          <m:ctrlPr>
-                            <a:rPr lang="en-PH" b="1" i="1" smtClean="0">
-                              <a:solidFill>
-                                <a:srgbClr val="FF0000"/>
-                              </a:solidFill>
-                              <a:latin typeface="Cambria Math" panose="02040503050406030204" pitchFamily="18" charset="0"/>
-                            </a:rPr>
-                          </m:ctrlPr>
-                        </m:sSubPr>
-                        <m:e>
-                          <m:r>
-                            <a:rPr lang="en-US" b="1" i="1" smtClean="0">
-                              <a:solidFill>
-                                <a:srgbClr val="FF0000"/>
-                              </a:solidFill>
-                              <a:latin typeface="Cambria Math" panose="02040503050406030204" pitchFamily="18" charset="0"/>
-                            </a:rPr>
-                            <m:t>𝒘</m:t>
-                          </m:r>
-                        </m:e>
-                        <m:sub>
-                          <m:r>
-                            <a:rPr lang="en-US" b="1" i="1" smtClean="0">
-                              <a:solidFill>
-                                <a:srgbClr val="FF0000"/>
-                              </a:solidFill>
-                              <a:latin typeface="Cambria Math" panose="02040503050406030204" pitchFamily="18" charset="0"/>
-                            </a:rPr>
-                            <m:t>𝟐𝟐</m:t>
-                          </m:r>
-                        </m:sub>
-                      </m:sSub>
-                    </m:oMath>
-                  </m:oMathPara>
-                </a14:m>
-                <a:endParaRPr lang="en-PH" b="1" dirty="0">
+                </a:ln>
+              </p:spPr>
+              <p:style>
+                <a:lnRef idx="1">
+                  <a:schemeClr val="accent1"/>
+                </a:lnRef>
+                <a:fillRef idx="3">
+                  <a:schemeClr val="accent1"/>
+                </a:fillRef>
+                <a:effectRef idx="2">
+                  <a:schemeClr val="accent1"/>
+                </a:effectRef>
+                <a:fontRef idx="minor">
+                  <a:schemeClr val="lt1"/>
+                </a:fontRef>
+              </p:style>
+              <p:txBody>
+                <a:bodyPr rtlCol="0" anchor="ctr"/>
+                <a:lstStyle/>
+                <a:p>
+                  <a:pPr algn="ctr"/>
+                  <a14:m>
+                    <m:oMathPara xmlns:m="http://schemas.openxmlformats.org/officeDocument/2006/math">
+                      <m:oMathParaPr>
+                        <m:jc m:val="centerGroup"/>
+                      </m:oMathParaPr>
+                      <m:oMath xmlns:m="http://schemas.openxmlformats.org/officeDocument/2006/math">
+                        <m:r>
+                          <a:rPr lang="en-US" sz="2500" b="0" i="1" smtClean="0">
+                            <a:latin typeface="Cambria Math" panose="02040503050406030204" pitchFamily="18" charset="0"/>
+                          </a:rPr>
+                          <m:t> </m:t>
+                        </m:r>
+                        <m:r>
+                          <a:rPr lang="en-US" sz="2500" i="1" smtClean="0">
+                            <a:latin typeface="Cambria Math" panose="02040503050406030204" pitchFamily="18" charset="0"/>
+                          </a:rPr>
+                          <m:t>𝑏</m:t>
+                        </m:r>
+                      </m:oMath>
+                    </m:oMathPara>
+                  </a14:m>
+                  <a:endParaRPr lang="en-PH" sz="2500" dirty="0"/>
+                </a:p>
+              </p:txBody>
+            </p:sp>
+          </mc:Choice>
+          <mc:Fallback>
+            <p:sp>
+              <p:nvSpPr>
+                <p:cNvPr id="13" name="Oval 12">
+                  <a:extLst>
+                    <a:ext uri="{FF2B5EF4-FFF2-40B4-BE49-F238E27FC236}">
+                      <a16:creationId xmlns:a16="http://schemas.microsoft.com/office/drawing/2014/main" id="{E161D7A7-C20D-0F38-4617-2662E161F02D}"/>
+                    </a:ext>
+                  </a:extLst>
+                </p:cNvPr>
+                <p:cNvSpPr>
+                  <a:spLocks noRot="1" noChangeAspect="1" noMove="1" noResize="1" noEditPoints="1" noAdjustHandles="1" noChangeArrowheads="1" noChangeShapeType="1" noTextEdit="1"/>
+                </p:cNvSpPr>
+                <p:nvPr/>
+              </p:nvSpPr>
+              <p:spPr>
+                <a:xfrm>
+                  <a:off x="2210492" y="21588"/>
+                  <a:ext cx="630237" cy="605255"/>
+                </a:xfrm>
+                <a:prstGeom prst="ellipse">
+                  <a:avLst/>
+                </a:prstGeom>
+                <a:blipFill>
+                  <a:blip r:embed="rId11"/>
+                  <a:stretch>
+                    <a:fillRect/>
+                  </a:stretch>
+                </a:blipFill>
+                <a:ln>
                   <a:solidFill>
-                    <a:srgbClr val="FF0000"/>
+                    <a:srgbClr val="7030A0"/>
                   </a:solidFill>
-                </a:endParaRPr>
-              </a:p>
-            </p:txBody>
-          </p:sp>
-        </mc:Choice>
-        <mc:Fallback>
-          <p:sp>
-            <p:nvSpPr>
-              <p:cNvPr id="31" name="TextBox 30">
-                <a:extLst>
-                  <a:ext uri="{FF2B5EF4-FFF2-40B4-BE49-F238E27FC236}">
-                    <a16:creationId xmlns:a16="http://schemas.microsoft.com/office/drawing/2014/main" id="{2BBF5A1E-1A4A-DB73-A86E-7E07D7BD8F66}"/>
-                  </a:ext>
-                </a:extLst>
-              </p:cNvPr>
-              <p:cNvSpPr txBox="1">
-                <a:spLocks noRot="1" noChangeAspect="1" noMove="1" noResize="1" noEditPoints="1" noAdjustHandles="1" noChangeArrowheads="1" noChangeShapeType="1" noTextEdit="1"/>
-              </p:cNvSpPr>
-              <p:nvPr/>
-            </p:nvSpPr>
-            <p:spPr>
-              <a:xfrm>
-                <a:off x="3767086" y="4353689"/>
-                <a:ext cx="630237" cy="369332"/>
-              </a:xfrm>
-              <a:prstGeom prst="rect">
-                <a:avLst/>
-              </a:prstGeom>
-              <a:blipFill>
-                <a:blip r:embed="rId12"/>
-                <a:stretch>
-                  <a:fillRect/>
-                </a:stretch>
-              </a:blipFill>
-            </p:spPr>
-            <p:txBody>
-              <a:bodyPr/>
-              <a:lstStyle/>
-              <a:p>
-                <a:r>
-                  <a:rPr lang="en-PH">
-                    <a:noFill/>
-                  </a:rPr>
-                  <a:t> </a:t>
-                </a:r>
-              </a:p>
-            </p:txBody>
-          </p:sp>
-        </mc:Fallback>
-      </mc:AlternateContent>
+                </a:ln>
+              </p:spPr>
+              <p:txBody>
+                <a:bodyPr/>
+                <a:lstStyle/>
+                <a:p>
+                  <a:r>
+                    <a:rPr lang="en-PH">
+                      <a:noFill/>
+                    </a:rPr>
+                    <a:t> </a:t>
+                  </a:r>
+                </a:p>
+              </p:txBody>
+            </p:sp>
+          </mc:Fallback>
+        </mc:AlternateContent>
+        <p:cxnSp>
+          <p:nvCxnSpPr>
+            <p:cNvPr id="15" name="Straight Connector 14">
+              <a:extLst>
+                <a:ext uri="{FF2B5EF4-FFF2-40B4-BE49-F238E27FC236}">
+                  <a16:creationId xmlns:a16="http://schemas.microsoft.com/office/drawing/2014/main" id="{4A2061FB-7198-13D3-BD9E-56B5989CB07B}"/>
+                </a:ext>
+              </a:extLst>
+            </p:cNvPr>
+            <p:cNvCxnSpPr>
+              <a:cxnSpLocks/>
+              <a:stCxn id="13" idx="6"/>
+              <a:endCxn id="6" idx="2"/>
+            </p:cNvCxnSpPr>
+            <p:nvPr/>
+          </p:nvCxnSpPr>
+          <p:spPr>
+            <a:xfrm>
+              <a:off x="2840729" y="324216"/>
+              <a:ext cx="2340871" cy="968215"/>
+            </a:xfrm>
+            <a:prstGeom prst="line">
+              <a:avLst/>
+            </a:prstGeom>
+            <a:ln>
+              <a:solidFill>
+                <a:srgbClr val="00B0F0"/>
+              </a:solidFill>
+            </a:ln>
+          </p:spPr>
+          <p:style>
+            <a:lnRef idx="3">
+              <a:schemeClr val="dk1"/>
+            </a:lnRef>
+            <a:fillRef idx="0">
+              <a:schemeClr val="dk1"/>
+            </a:fillRef>
+            <a:effectRef idx="2">
+              <a:schemeClr val="dk1"/>
+            </a:effectRef>
+            <a:fontRef idx="minor">
+              <a:schemeClr val="tx1"/>
+            </a:fontRef>
+          </p:style>
+        </p:cxnSp>
+        <p:cxnSp>
+          <p:nvCxnSpPr>
+            <p:cNvPr id="21" name="Straight Connector 20">
+              <a:extLst>
+                <a:ext uri="{FF2B5EF4-FFF2-40B4-BE49-F238E27FC236}">
+                  <a16:creationId xmlns:a16="http://schemas.microsoft.com/office/drawing/2014/main" id="{07DCD27D-22D8-1296-20D8-E689AC567759}"/>
+                </a:ext>
+              </a:extLst>
+            </p:cNvPr>
+            <p:cNvCxnSpPr>
+              <a:cxnSpLocks/>
+              <a:stCxn id="13" idx="6"/>
+              <a:endCxn id="7" idx="2"/>
+            </p:cNvCxnSpPr>
+            <p:nvPr/>
+          </p:nvCxnSpPr>
+          <p:spPr>
+            <a:xfrm>
+              <a:off x="2840729" y="324216"/>
+              <a:ext cx="2340871" cy="3980996"/>
+            </a:xfrm>
+            <a:prstGeom prst="line">
+              <a:avLst/>
+            </a:prstGeom>
+            <a:ln>
+              <a:solidFill>
+                <a:srgbClr val="FF0000"/>
+              </a:solidFill>
+            </a:ln>
+          </p:spPr>
+          <p:style>
+            <a:lnRef idx="3">
+              <a:schemeClr val="dk1"/>
+            </a:lnRef>
+            <a:fillRef idx="0">
+              <a:schemeClr val="dk1"/>
+            </a:fillRef>
+            <a:effectRef idx="2">
+              <a:schemeClr val="dk1"/>
+            </a:effectRef>
+            <a:fontRef idx="minor">
+              <a:schemeClr val="tx1"/>
+            </a:fontRef>
+          </p:style>
+        </p:cxnSp>
+        <mc:AlternateContent xmlns:mc="http://schemas.openxmlformats.org/markup-compatibility/2006">
+          <mc:Choice xmlns:a14="http://schemas.microsoft.com/office/drawing/2010/main" Requires="a14">
+            <p:sp>
+              <p:nvSpPr>
+                <p:cNvPr id="30" name="TextBox 29">
+                  <a:extLst>
+                    <a:ext uri="{FF2B5EF4-FFF2-40B4-BE49-F238E27FC236}">
+                      <a16:creationId xmlns:a16="http://schemas.microsoft.com/office/drawing/2014/main" id="{BA7B5B74-D980-03EC-FD4F-E1EE0CE3F984}"/>
+                    </a:ext>
+                  </a:extLst>
+                </p:cNvPr>
+                <p:cNvSpPr txBox="1"/>
+                <p:nvPr/>
+              </p:nvSpPr>
+              <p:spPr>
+                <a:xfrm>
+                  <a:off x="3693434" y="376074"/>
+                  <a:ext cx="487569" cy="369332"/>
+                </a:xfrm>
+                <a:prstGeom prst="rect">
+                  <a:avLst/>
+                </a:prstGeom>
+                <a:noFill/>
+              </p:spPr>
+              <p:txBody>
+                <a:bodyPr wrap="none" rtlCol="0">
+                  <a:spAutoFit/>
+                </a:bodyPr>
+                <a:lstStyle/>
+                <a:p>
+                  <a:pPr/>
+                  <a14:m>
+                    <m:oMathPara xmlns:m="http://schemas.openxmlformats.org/officeDocument/2006/math">
+                      <m:oMathParaPr>
+                        <m:jc m:val="centerGroup"/>
+                      </m:oMathParaPr>
+                      <m:oMath xmlns:m="http://schemas.openxmlformats.org/officeDocument/2006/math">
+                        <m:sSub>
+                          <m:sSubPr>
+                            <m:ctrlPr>
+                              <a:rPr lang="en-PH" b="1" i="1" smtClean="0">
+                                <a:solidFill>
+                                  <a:srgbClr val="00B0F0"/>
+                                </a:solidFill>
+                                <a:latin typeface="Cambria Math" panose="02040503050406030204" pitchFamily="18" charset="0"/>
+                              </a:rPr>
+                            </m:ctrlPr>
+                          </m:sSubPr>
+                          <m:e>
+                            <m:r>
+                              <a:rPr lang="en-US" b="1" i="1" smtClean="0">
+                                <a:solidFill>
+                                  <a:srgbClr val="00B0F0"/>
+                                </a:solidFill>
+                                <a:latin typeface="Cambria Math" panose="02040503050406030204" pitchFamily="18" charset="0"/>
+                              </a:rPr>
+                              <m:t>𝒃</m:t>
+                            </m:r>
+                          </m:e>
+                          <m:sub>
+                            <m:r>
+                              <a:rPr lang="en-US" b="1" i="1" smtClean="0">
+                                <a:solidFill>
+                                  <a:srgbClr val="00B0F0"/>
+                                </a:solidFill>
+                                <a:latin typeface="Cambria Math" panose="02040503050406030204" pitchFamily="18" charset="0"/>
+                              </a:rPr>
+                              <m:t>𝟏</m:t>
+                            </m:r>
+                          </m:sub>
+                        </m:sSub>
+                      </m:oMath>
+                    </m:oMathPara>
+                  </a14:m>
+                  <a:endParaRPr lang="en-PH" b="1" dirty="0">
+                    <a:solidFill>
+                      <a:srgbClr val="00B0F0"/>
+                    </a:solidFill>
+                  </a:endParaRPr>
+                </a:p>
+              </p:txBody>
+            </p:sp>
+          </mc:Choice>
+          <mc:Fallback>
+            <p:sp>
+              <p:nvSpPr>
+                <p:cNvPr id="30" name="TextBox 29">
+                  <a:extLst>
+                    <a:ext uri="{FF2B5EF4-FFF2-40B4-BE49-F238E27FC236}">
+                      <a16:creationId xmlns:a16="http://schemas.microsoft.com/office/drawing/2014/main" id="{BA7B5B74-D980-03EC-FD4F-E1EE0CE3F984}"/>
+                    </a:ext>
+                  </a:extLst>
+                </p:cNvPr>
+                <p:cNvSpPr txBox="1">
+                  <a:spLocks noRot="1" noChangeAspect="1" noMove="1" noResize="1" noEditPoints="1" noAdjustHandles="1" noChangeArrowheads="1" noChangeShapeType="1" noTextEdit="1"/>
+                </p:cNvSpPr>
+                <p:nvPr/>
+              </p:nvSpPr>
+              <p:spPr>
+                <a:xfrm>
+                  <a:off x="3693434" y="376074"/>
+                  <a:ext cx="487569" cy="369332"/>
+                </a:xfrm>
+                <a:prstGeom prst="rect">
+                  <a:avLst/>
+                </a:prstGeom>
+                <a:blipFill>
+                  <a:blip r:embed="rId12"/>
+                  <a:stretch>
+                    <a:fillRect/>
+                  </a:stretch>
+                </a:blipFill>
+              </p:spPr>
+              <p:txBody>
+                <a:bodyPr/>
+                <a:lstStyle/>
+                <a:p>
+                  <a:r>
+                    <a:rPr lang="en-PH">
+                      <a:noFill/>
+                    </a:rPr>
+                    <a:t> </a:t>
+                  </a:r>
+                </a:p>
+              </p:txBody>
+            </p:sp>
+          </mc:Fallback>
+        </mc:AlternateContent>
+      </p:grpSp>
       <mc:AlternateContent xmlns:mc="http://schemas.openxmlformats.org/markup-compatibility/2006">
         <mc:Choice xmlns:a14="http://schemas.microsoft.com/office/drawing/2010/main" Requires="a14">
           <p:sp>
@@ -9174,7 +9428,7 @@
             </p:nvSpPr>
             <p:spPr>
               <a:xfrm>
-                <a:off x="8093082" y="1057055"/>
+                <a:off x="7010400" y="476395"/>
                 <a:ext cx="4025687" cy="461665"/>
               </a:xfrm>
               <a:prstGeom prst="rect">
@@ -9188,6 +9442,7 @@
               </a:bodyPr>
               <a:lstStyle/>
               <a:p>
+                <a:pPr/>
                 <a14:m>
                   <m:oMathPara xmlns:m="http://schemas.openxmlformats.org/officeDocument/2006/math">
                     <m:oMathParaPr>
@@ -9387,6 +9642,92 @@
                               <a:latin typeface="Cambria Math" panose="02040503050406030204" pitchFamily="18" charset="0"/>
                             </a:rPr>
                             <m:t>𝟐</m:t>
+                          </m:r>
+                        </m:sub>
+                      </m:sSub>
+                      <m:r>
+                        <a:rPr lang="en-US" sz="2400" b="1" i="1" smtClean="0">
+                          <a:solidFill>
+                            <a:srgbClr val="FF0000"/>
+                          </a:solidFill>
+                          <a:latin typeface="Cambria Math" panose="02040503050406030204" pitchFamily="18" charset="0"/>
+                        </a:rPr>
+                        <m:t>,</m:t>
+                      </m:r>
+                      <m:sSub>
+                        <m:sSubPr>
+                          <m:ctrlPr>
+                            <a:rPr lang="en-PH" sz="2400" b="1" i="1" smtClean="0">
+                              <a:solidFill>
+                                <a:srgbClr val="92D050"/>
+                              </a:solidFill>
+                              <a:latin typeface="Cambria Math" panose="02040503050406030204" pitchFamily="18" charset="0"/>
+                            </a:rPr>
+                          </m:ctrlPr>
+                        </m:sSubPr>
+                        <m:e>
+                          <m:r>
+                            <a:rPr lang="en-US" sz="2400" b="1" i="1">
+                              <a:solidFill>
+                                <a:srgbClr val="92D050"/>
+                              </a:solidFill>
+                              <a:latin typeface="Cambria Math" panose="02040503050406030204" pitchFamily="18" charset="0"/>
+                            </a:rPr>
+                            <m:t>𝒘</m:t>
+                          </m:r>
+                        </m:e>
+                        <m:sub>
+                          <m:r>
+                            <a:rPr lang="en-US" sz="2400" b="1" i="1" smtClean="0">
+                              <a:solidFill>
+                                <a:srgbClr val="92D050"/>
+                              </a:solidFill>
+                              <a:latin typeface="Cambria Math" panose="02040503050406030204" pitchFamily="18" charset="0"/>
+                            </a:rPr>
+                            <m:t>𝟑</m:t>
+                          </m:r>
+                        </m:sub>
+                      </m:sSub>
+                      <m:r>
+                        <a:rPr lang="en-US" sz="2400" b="1" i="0" smtClean="0">
+                          <a:solidFill>
+                            <a:schemeClr val="tx1"/>
+                          </a:solidFill>
+                          <a:latin typeface="Cambria Math" panose="02040503050406030204" pitchFamily="18" charset="0"/>
+                        </a:rPr>
+                        <m:t>,</m:t>
+                      </m:r>
+                      <m:sSub>
+                        <m:sSubPr>
+                          <m:ctrlPr>
+                            <a:rPr lang="en-PH" sz="2400" b="1" i="1" smtClean="0">
+                              <a:solidFill>
+                                <a:srgbClr val="92D050"/>
+                              </a:solidFill>
+                              <a:latin typeface="Cambria Math" panose="02040503050406030204" pitchFamily="18" charset="0"/>
+                            </a:rPr>
+                          </m:ctrlPr>
+                        </m:sSubPr>
+                        <m:e>
+                          <m:r>
+                            <a:rPr lang="en-US" sz="2400" b="1" i="1">
+                              <a:solidFill>
+                                <a:srgbClr val="92D050"/>
+                              </a:solidFill>
+                              <a:latin typeface="Cambria Math" panose="02040503050406030204" pitchFamily="18" charset="0"/>
+                            </a:rPr>
+                            <m:t>𝒘</m:t>
+                          </m:r>
+                        </m:e>
+                        <m:sub>
+                          <m:r>
+                            <a:rPr lang="en-US" sz="2400" b="1" i="1" smtClean="0">
+                              <a:solidFill>
+                                <a:srgbClr val="92D050"/>
+                              </a:solidFill>
+                              <a:latin typeface="Cambria Math" panose="02040503050406030204" pitchFamily="18" charset="0"/>
+                            </a:rPr>
+                            <m:t>𝟒</m:t>
                           </m:r>
                         </m:sub>
                       </m:sSub>
@@ -9415,7 +9756,7 @@
             </p:nvSpPr>
             <p:spPr>
               <a:xfrm>
-                <a:off x="8093082" y="1057055"/>
+                <a:off x="7010400" y="476395"/>
                 <a:ext cx="4025687" cy="461665"/>
               </a:xfrm>
               <a:prstGeom prst="rect">
@@ -9424,7 +9765,7 @@
               <a:blipFill>
                 <a:blip r:embed="rId13"/>
                 <a:stretch>
-                  <a:fillRect l="-1364" r="-1818" b="-18421"/>
+                  <a:fillRect l="-1364" r="-26515" b="-18421"/>
                 </a:stretch>
               </a:blipFill>
             </p:spPr>
@@ -9459,7 +9800,7 @@
             </p:nvSpPr>
             <p:spPr>
               <a:xfrm>
-                <a:off x="8093082" y="1518798"/>
+                <a:off x="7010400" y="958312"/>
                 <a:ext cx="1810939" cy="461665"/>
               </a:xfrm>
               <a:prstGeom prst="rect">
@@ -9479,7 +9820,13 @@
                       <a:rPr lang="en-US" sz="2400" b="1" i="1" smtClean="0">
                         <a:latin typeface="Cambria Math" panose="02040503050406030204" pitchFamily="18" charset="0"/>
                       </a:rPr>
-                      <m:t>𝒃𝒊𝒂𝒔</m:t>
+                      <m:t>𝑩</m:t>
+                    </m:r>
+                    <m:r>
+                      <a:rPr lang="en-US" sz="2400" b="1" i="1" smtClean="0">
+                        <a:latin typeface="Cambria Math" panose="02040503050406030204" pitchFamily="18" charset="0"/>
+                      </a:rPr>
+                      <m:t>𝒊𝒂𝒔</m:t>
                     </m:r>
                   </m:oMath>
                 </a14:m>
@@ -9601,7 +9948,7 @@
             </p:nvSpPr>
             <p:spPr>
               <a:xfrm>
-                <a:off x="8093082" y="1518798"/>
+                <a:off x="7010400" y="958312"/>
                 <a:ext cx="1810939" cy="461665"/>
               </a:xfrm>
               <a:prstGeom prst="rect">
@@ -9610,7 +9957,391 @@
               <a:blipFill>
                 <a:blip r:embed="rId14"/>
                 <a:stretch>
-                  <a:fillRect l="-1347" t="-13158" b="-26316"/>
+                  <a:fillRect l="-673" t="-13158" b="-26316"/>
+                </a:stretch>
+              </a:blipFill>
+            </p:spPr>
+            <p:txBody>
+              <a:bodyPr/>
+              <a:lstStyle/>
+              <a:p>
+                <a:r>
+                  <a:rPr lang="en-PH">
+                    <a:noFill/>
+                  </a:rPr>
+                  <a:t> </a:t>
+                </a:r>
+              </a:p>
+            </p:txBody>
+          </p:sp>
+        </mc:Fallback>
+      </mc:AlternateContent>
+      <mc:AlternateContent xmlns:mc="http://schemas.openxmlformats.org/markup-compatibility/2006">
+        <mc:Choice xmlns:a14="http://schemas.microsoft.com/office/drawing/2010/main" Requires="a14">
+          <p:sp>
+            <p:nvSpPr>
+              <p:cNvPr id="17" name="TextBox 16">
+                <a:extLst>
+                  <a:ext uri="{FF2B5EF4-FFF2-40B4-BE49-F238E27FC236}">
+                    <a16:creationId xmlns:a16="http://schemas.microsoft.com/office/drawing/2014/main" id="{6755C289-23BB-BE20-32D9-525BA53E9A4C}"/>
+                  </a:ext>
+                </a:extLst>
+              </p:cNvPr>
+              <p:cNvSpPr txBox="1"/>
+              <p:nvPr/>
+            </p:nvSpPr>
+            <p:spPr>
+              <a:xfrm>
+                <a:off x="7178682" y="1762783"/>
+                <a:ext cx="529247" cy="369332"/>
+              </a:xfrm>
+              <a:prstGeom prst="rect">
+                <a:avLst/>
+              </a:prstGeom>
+              <a:noFill/>
+            </p:spPr>
+            <p:txBody>
+              <a:bodyPr wrap="none" rtlCol="0">
+                <a:spAutoFit/>
+              </a:bodyPr>
+              <a:lstStyle/>
+              <a:p>
+                <a:pPr/>
+                <a14:m>
+                  <m:oMathPara xmlns:m="http://schemas.openxmlformats.org/officeDocument/2006/math">
+                    <m:oMathParaPr>
+                      <m:jc m:val="centerGroup"/>
+                    </m:oMathParaPr>
+                    <m:oMath xmlns:m="http://schemas.openxmlformats.org/officeDocument/2006/math">
+                      <m:sSub>
+                        <m:sSubPr>
+                          <m:ctrlPr>
+                            <a:rPr lang="en-PH" b="1" i="1" smtClean="0">
+                              <a:solidFill>
+                                <a:srgbClr val="92D050"/>
+                              </a:solidFill>
+                              <a:latin typeface="Cambria Math" panose="02040503050406030204" pitchFamily="18" charset="0"/>
+                            </a:rPr>
+                          </m:ctrlPr>
+                        </m:sSubPr>
+                        <m:e>
+                          <m:r>
+                            <a:rPr lang="en-US" b="1" i="1" smtClean="0">
+                              <a:solidFill>
+                                <a:srgbClr val="92D050"/>
+                              </a:solidFill>
+                              <a:latin typeface="Cambria Math" panose="02040503050406030204" pitchFamily="18" charset="0"/>
+                            </a:rPr>
+                            <m:t>𝒘</m:t>
+                          </m:r>
+                        </m:e>
+                        <m:sub>
+                          <m:r>
+                            <a:rPr lang="en-US" b="1" i="1" smtClean="0">
+                              <a:solidFill>
+                                <a:srgbClr val="92D050"/>
+                              </a:solidFill>
+                              <a:latin typeface="Cambria Math" panose="02040503050406030204" pitchFamily="18" charset="0"/>
+                            </a:rPr>
+                            <m:t>𝟑</m:t>
+                          </m:r>
+                        </m:sub>
+                      </m:sSub>
+                    </m:oMath>
+                  </m:oMathPara>
+                </a14:m>
+                <a:endParaRPr lang="en-PH" b="1" dirty="0">
+                  <a:solidFill>
+                    <a:srgbClr val="92D050"/>
+                  </a:solidFill>
+                </a:endParaRPr>
+              </a:p>
+            </p:txBody>
+          </p:sp>
+        </mc:Choice>
+        <mc:Fallback>
+          <p:sp>
+            <p:nvSpPr>
+              <p:cNvPr id="17" name="TextBox 16">
+                <a:extLst>
+                  <a:ext uri="{FF2B5EF4-FFF2-40B4-BE49-F238E27FC236}">
+                    <a16:creationId xmlns:a16="http://schemas.microsoft.com/office/drawing/2014/main" id="{6755C289-23BB-BE20-32D9-525BA53E9A4C}"/>
+                  </a:ext>
+                </a:extLst>
+              </p:cNvPr>
+              <p:cNvSpPr txBox="1">
+                <a:spLocks noRot="1" noChangeAspect="1" noMove="1" noResize="1" noEditPoints="1" noAdjustHandles="1" noChangeArrowheads="1" noChangeShapeType="1" noTextEdit="1"/>
+              </p:cNvSpPr>
+              <p:nvPr/>
+            </p:nvSpPr>
+            <p:spPr>
+              <a:xfrm>
+                <a:off x="7178682" y="1762783"/>
+                <a:ext cx="529247" cy="369332"/>
+              </a:xfrm>
+              <a:prstGeom prst="rect">
+                <a:avLst/>
+              </a:prstGeom>
+              <a:blipFill>
+                <a:blip r:embed="rId15"/>
+                <a:stretch>
+                  <a:fillRect/>
+                </a:stretch>
+              </a:blipFill>
+            </p:spPr>
+            <p:txBody>
+              <a:bodyPr/>
+              <a:lstStyle/>
+              <a:p>
+                <a:r>
+                  <a:rPr lang="en-PH">
+                    <a:noFill/>
+                  </a:rPr>
+                  <a:t> </a:t>
+                </a:r>
+              </a:p>
+            </p:txBody>
+          </p:sp>
+        </mc:Fallback>
+      </mc:AlternateContent>
+      <mc:AlternateContent xmlns:mc="http://schemas.openxmlformats.org/markup-compatibility/2006">
+        <mc:Choice xmlns:a14="http://schemas.microsoft.com/office/drawing/2010/main" Requires="a14">
+          <p:sp>
+            <p:nvSpPr>
+              <p:cNvPr id="18" name="TextBox 17">
+                <a:extLst>
+                  <a:ext uri="{FF2B5EF4-FFF2-40B4-BE49-F238E27FC236}">
+                    <a16:creationId xmlns:a16="http://schemas.microsoft.com/office/drawing/2014/main" id="{CEA7390D-9E3E-C70B-FF4C-A45A5E4A5FD8}"/>
+                  </a:ext>
+                </a:extLst>
+              </p:cNvPr>
+              <p:cNvSpPr txBox="1"/>
+              <p:nvPr/>
+            </p:nvSpPr>
+            <p:spPr>
+              <a:xfrm>
+                <a:off x="7178681" y="3626818"/>
+                <a:ext cx="529247" cy="369332"/>
+              </a:xfrm>
+              <a:prstGeom prst="rect">
+                <a:avLst/>
+              </a:prstGeom>
+              <a:noFill/>
+            </p:spPr>
+            <p:txBody>
+              <a:bodyPr wrap="none" rtlCol="0">
+                <a:spAutoFit/>
+              </a:bodyPr>
+              <a:lstStyle/>
+              <a:p>
+                <a:pPr/>
+                <a14:m>
+                  <m:oMathPara xmlns:m="http://schemas.openxmlformats.org/officeDocument/2006/math">
+                    <m:oMathParaPr>
+                      <m:jc m:val="centerGroup"/>
+                    </m:oMathParaPr>
+                    <m:oMath xmlns:m="http://schemas.openxmlformats.org/officeDocument/2006/math">
+                      <m:sSub>
+                        <m:sSubPr>
+                          <m:ctrlPr>
+                            <a:rPr lang="en-PH" b="1" i="1" smtClean="0">
+                              <a:solidFill>
+                                <a:srgbClr val="92D050"/>
+                              </a:solidFill>
+                              <a:latin typeface="Cambria Math" panose="02040503050406030204" pitchFamily="18" charset="0"/>
+                            </a:rPr>
+                          </m:ctrlPr>
+                        </m:sSubPr>
+                        <m:e>
+                          <m:r>
+                            <a:rPr lang="en-US" b="1" i="1" smtClean="0">
+                              <a:solidFill>
+                                <a:srgbClr val="92D050"/>
+                              </a:solidFill>
+                              <a:latin typeface="Cambria Math" panose="02040503050406030204" pitchFamily="18" charset="0"/>
+                            </a:rPr>
+                            <m:t>𝒘</m:t>
+                          </m:r>
+                        </m:e>
+                        <m:sub>
+                          <m:r>
+                            <a:rPr lang="en-US" b="1" i="1" smtClean="0">
+                              <a:solidFill>
+                                <a:srgbClr val="92D050"/>
+                              </a:solidFill>
+                              <a:latin typeface="Cambria Math" panose="02040503050406030204" pitchFamily="18" charset="0"/>
+                            </a:rPr>
+                            <m:t>𝟒</m:t>
+                          </m:r>
+                        </m:sub>
+                      </m:sSub>
+                    </m:oMath>
+                  </m:oMathPara>
+                </a14:m>
+                <a:endParaRPr lang="en-PH" b="1" dirty="0">
+                  <a:solidFill>
+                    <a:srgbClr val="92D050"/>
+                  </a:solidFill>
+                </a:endParaRPr>
+              </a:p>
+            </p:txBody>
+          </p:sp>
+        </mc:Choice>
+        <mc:Fallback>
+          <p:sp>
+            <p:nvSpPr>
+              <p:cNvPr id="18" name="TextBox 17">
+                <a:extLst>
+                  <a:ext uri="{FF2B5EF4-FFF2-40B4-BE49-F238E27FC236}">
+                    <a16:creationId xmlns:a16="http://schemas.microsoft.com/office/drawing/2014/main" id="{CEA7390D-9E3E-C70B-FF4C-A45A5E4A5FD8}"/>
+                  </a:ext>
+                </a:extLst>
+              </p:cNvPr>
+              <p:cNvSpPr txBox="1">
+                <a:spLocks noRot="1" noChangeAspect="1" noMove="1" noResize="1" noEditPoints="1" noAdjustHandles="1" noChangeArrowheads="1" noChangeShapeType="1" noTextEdit="1"/>
+              </p:cNvSpPr>
+              <p:nvPr/>
+            </p:nvSpPr>
+            <p:spPr>
+              <a:xfrm>
+                <a:off x="7178681" y="3626818"/>
+                <a:ext cx="529247" cy="369332"/>
+              </a:xfrm>
+              <a:prstGeom prst="rect">
+                <a:avLst/>
+              </a:prstGeom>
+              <a:blipFill>
+                <a:blip r:embed="rId16"/>
+                <a:stretch>
+                  <a:fillRect/>
+                </a:stretch>
+              </a:blipFill>
+            </p:spPr>
+            <p:txBody>
+              <a:bodyPr/>
+              <a:lstStyle/>
+              <a:p>
+                <a:r>
+                  <a:rPr lang="en-PH">
+                    <a:noFill/>
+                  </a:rPr>
+                  <a:t> </a:t>
+                </a:r>
+              </a:p>
+            </p:txBody>
+          </p:sp>
+        </mc:Fallback>
+      </mc:AlternateContent>
+      <mc:AlternateContent xmlns:mc="http://schemas.openxmlformats.org/markup-compatibility/2006">
+        <mc:Choice xmlns:a14="http://schemas.microsoft.com/office/drawing/2010/main" Requires="a14">
+          <p:sp>
+            <p:nvSpPr>
+              <p:cNvPr id="23" name="TextBox 22">
+                <a:extLst>
+                  <a:ext uri="{FF2B5EF4-FFF2-40B4-BE49-F238E27FC236}">
+                    <a16:creationId xmlns:a16="http://schemas.microsoft.com/office/drawing/2014/main" id="{A1F3A01D-C1C1-9DE8-09E1-854F77B82E8A}"/>
+                  </a:ext>
+                </a:extLst>
+              </p:cNvPr>
+              <p:cNvSpPr txBox="1"/>
+              <p:nvPr/>
+            </p:nvSpPr>
+            <p:spPr>
+              <a:xfrm>
+                <a:off x="3767087" y="3910363"/>
+                <a:ext cx="630237" cy="369332"/>
+              </a:xfrm>
+              <a:prstGeom prst="rect">
+                <a:avLst/>
+              </a:prstGeom>
+              <a:noFill/>
+            </p:spPr>
+            <p:txBody>
+              <a:bodyPr wrap="none" rtlCol="0">
+                <a:spAutoFit/>
+              </a:bodyPr>
+              <a:lstStyle/>
+              <a:p>
+                <a:pPr/>
+                <a14:m>
+                  <m:oMathPara xmlns:m="http://schemas.openxmlformats.org/officeDocument/2006/math">
+                    <m:oMathParaPr>
+                      <m:jc m:val="centerGroup"/>
+                    </m:oMathParaPr>
+                    <m:oMath xmlns:m="http://schemas.openxmlformats.org/officeDocument/2006/math">
+                      <m:sSub>
+                        <m:sSubPr>
+                          <m:ctrlPr>
+                            <a:rPr lang="en-PH" b="1" i="1" smtClean="0">
+                              <a:solidFill>
+                                <a:srgbClr val="FF0000"/>
+                              </a:solidFill>
+                              <a:latin typeface="Cambria Math" panose="02040503050406030204" pitchFamily="18" charset="0"/>
+                            </a:rPr>
+                          </m:ctrlPr>
+                        </m:sSubPr>
+                        <m:e>
+                          <m:r>
+                            <a:rPr lang="en-US" b="1" i="1" smtClean="0">
+                              <a:solidFill>
+                                <a:srgbClr val="FF0000"/>
+                              </a:solidFill>
+                              <a:latin typeface="Cambria Math" panose="02040503050406030204" pitchFamily="18" charset="0"/>
+                            </a:rPr>
+                            <m:t>𝒘</m:t>
+                          </m:r>
+                        </m:e>
+                        <m:sub>
+                          <m:r>
+                            <a:rPr lang="en-US" b="1" i="1" smtClean="0">
+                              <a:solidFill>
+                                <a:srgbClr val="FF0000"/>
+                              </a:solidFill>
+                              <a:latin typeface="Cambria Math" panose="02040503050406030204" pitchFamily="18" charset="0"/>
+                            </a:rPr>
+                            <m:t>𝟐𝟐</m:t>
+                          </m:r>
+                        </m:sub>
+                      </m:sSub>
+                    </m:oMath>
+                  </m:oMathPara>
+                </a14:m>
+                <a:endParaRPr lang="en-PH" b="1" dirty="0">
+                  <a:solidFill>
+                    <a:srgbClr val="FF0000"/>
+                  </a:solidFill>
+                </a:endParaRPr>
+              </a:p>
+            </p:txBody>
+          </p:sp>
+        </mc:Choice>
+        <mc:Fallback>
+          <p:sp>
+            <p:nvSpPr>
+              <p:cNvPr id="23" name="TextBox 22">
+                <a:extLst>
+                  <a:ext uri="{FF2B5EF4-FFF2-40B4-BE49-F238E27FC236}">
+                    <a16:creationId xmlns:a16="http://schemas.microsoft.com/office/drawing/2014/main" id="{A1F3A01D-C1C1-9DE8-09E1-854F77B82E8A}"/>
+                  </a:ext>
+                </a:extLst>
+              </p:cNvPr>
+              <p:cNvSpPr txBox="1">
+                <a:spLocks noRot="1" noChangeAspect="1" noMove="1" noResize="1" noEditPoints="1" noAdjustHandles="1" noChangeArrowheads="1" noChangeShapeType="1" noTextEdit="1"/>
+              </p:cNvSpPr>
+              <p:nvPr/>
+            </p:nvSpPr>
+            <p:spPr>
+              <a:xfrm>
+                <a:off x="3767087" y="3910363"/>
+                <a:ext cx="630237" cy="369332"/>
+              </a:xfrm>
+              <a:prstGeom prst="rect">
+                <a:avLst/>
+              </a:prstGeom>
+              <a:blipFill>
+                <a:blip r:embed="rId17"/>
+                <a:stretch>
+                  <a:fillRect/>
                 </a:stretch>
               </a:blipFill>
             </p:spPr>
@@ -9688,6 +10419,59 @@
                                         <p:cTn id="7" dur="500"/>
                                         <p:tgtEl>
                                           <p:spTgt spid="34"/>
+                                        </p:tgtEl>
+                                      </p:cBhvr>
+                                    </p:animEffect>
+                                  </p:childTnLst>
+                                </p:cTn>
+                              </p:par>
+                            </p:childTnLst>
+                          </p:cTn>
+                        </p:par>
+                      </p:childTnLst>
+                    </p:cTn>
+                  </p:par>
+                  <p:par>
+                    <p:cTn id="8" fill="hold">
+                      <p:stCondLst>
+                        <p:cond delay="indefinite"/>
+                      </p:stCondLst>
+                      <p:childTnLst>
+                        <p:par>
+                          <p:cTn id="9" fill="hold">
+                            <p:stCondLst>
+                              <p:cond delay="0"/>
+                            </p:stCondLst>
+                            <p:childTnLst>
+                              <p:par>
+                                <p:cTn id="10" presetID="14" presetClass="entr" presetSubtype="10" fill="hold" nodeType="clickEffect">
+                                  <p:stCondLst>
+                                    <p:cond delay="0"/>
+                                  </p:stCondLst>
+                                  <p:childTnLst>
+                                    <p:set>
+                                      <p:cBhvr>
+                                        <p:cTn id="11" dur="1" fill="hold">
+                                          <p:stCondLst>
+                                            <p:cond delay="0"/>
+                                          </p:stCondLst>
+                                        </p:cTn>
+                                        <p:tgtEl>
+                                          <p:spTgt spid="22"/>
+                                        </p:tgtEl>
+                                        <p:attrNameLst>
+                                          <p:attrName>style.visibility</p:attrName>
+                                        </p:attrNameLst>
+                                      </p:cBhvr>
+                                      <p:to>
+                                        <p:strVal val="visible"/>
+                                      </p:to>
+                                    </p:set>
+                                    <p:animEffect transition="in" filter="randombar(horizontal)">
+                                      <p:cBhvr>
+                                        <p:cTn id="12" dur="500"/>
+                                        <p:tgtEl>
+                                          <p:spTgt spid="22"/>
                                         </p:tgtEl>
                                       </p:cBhvr>
                                     </p:animEffect>
@@ -10088,8 +10872,8 @@
           </a:p>
         </p:txBody>
       </p:sp>
-      <mc:AlternateContent xmlns:mc="http://schemas.openxmlformats.org/markup-compatibility/2006">
-        <mc:Choice xmlns:a14="http://schemas.microsoft.com/office/drawing/2010/main" Requires="a14">
+      <mc:AlternateContent xmlns:mc="http://schemas.openxmlformats.org/markup-compatibility/2006" xmlns:a14="http://schemas.microsoft.com/office/drawing/2010/main">
+        <mc:Choice Requires="a14">
           <p:sp>
             <p:nvSpPr>
               <p:cNvPr id="5" name="Oval 4">
@@ -10175,7 +10959,7 @@
             </p:txBody>
           </p:sp>
         </mc:Choice>
-        <mc:Fallback>
+        <mc:Fallback xmlns="">
           <p:sp>
             <p:nvSpPr>
               <p:cNvPr id="5" name="Oval 4">
@@ -10648,8 +11432,8 @@
           </a:p>
         </p:txBody>
       </p:sp>
-      <mc:AlternateContent xmlns:mc="http://schemas.openxmlformats.org/markup-compatibility/2006">
-        <mc:Choice xmlns:a14="http://schemas.microsoft.com/office/drawing/2010/main" Requires="a14">
+      <mc:AlternateContent xmlns:mc="http://schemas.openxmlformats.org/markup-compatibility/2006" xmlns:a14="http://schemas.microsoft.com/office/drawing/2010/main">
+        <mc:Choice Requires="a14">
           <p:sp>
             <p:nvSpPr>
               <p:cNvPr id="2" name="Oval 1">
@@ -10735,7 +11519,7 @@
             </p:txBody>
           </p:sp>
         </mc:Choice>
-        <mc:Fallback>
+        <mc:Fallback xmlns="">
           <p:sp>
             <p:nvSpPr>
               <p:cNvPr id="2" name="Oval 1">
@@ -10870,8 +11654,8 @@
           </a:fontRef>
         </p:style>
       </p:cxnSp>
-      <mc:AlternateContent xmlns:mc="http://schemas.openxmlformats.org/markup-compatibility/2006">
-        <mc:Choice xmlns:a14="http://schemas.microsoft.com/office/drawing/2010/main" Requires="a14">
+      <mc:AlternateContent xmlns:mc="http://schemas.openxmlformats.org/markup-compatibility/2006" xmlns:a14="http://schemas.microsoft.com/office/drawing/2010/main">
+        <mc:Choice Requires="a14">
           <p:sp>
             <p:nvSpPr>
               <p:cNvPr id="3" name="TextBox 2">
@@ -10953,7 +11737,7 @@
             </p:txBody>
           </p:sp>
         </mc:Choice>
-        <mc:Fallback>
+        <mc:Fallback xmlns="">
           <p:sp>
             <p:nvSpPr>
               <p:cNvPr id="3" name="TextBox 2">
@@ -10998,8 +11782,8 @@
           </p:sp>
         </mc:Fallback>
       </mc:AlternateContent>
-      <mc:AlternateContent xmlns:mc="http://schemas.openxmlformats.org/markup-compatibility/2006">
-        <mc:Choice xmlns:a14="http://schemas.microsoft.com/office/drawing/2010/main" Requires="a14">
+      <mc:AlternateContent xmlns:mc="http://schemas.openxmlformats.org/markup-compatibility/2006" xmlns:a14="http://schemas.microsoft.com/office/drawing/2010/main">
+        <mc:Choice Requires="a14">
           <p:sp>
             <p:nvSpPr>
               <p:cNvPr id="11" name="TextBox 10">
@@ -11081,7 +11865,7 @@
             </p:txBody>
           </p:sp>
         </mc:Choice>
-        <mc:Fallback>
+        <mc:Fallback xmlns="">
           <p:sp>
             <p:nvSpPr>
               <p:cNvPr id="11" name="TextBox 10">
@@ -11126,8 +11910,8 @@
           </p:sp>
         </mc:Fallback>
       </mc:AlternateContent>
-      <mc:AlternateContent xmlns:mc="http://schemas.openxmlformats.org/markup-compatibility/2006">
-        <mc:Choice xmlns:a14="http://schemas.microsoft.com/office/drawing/2010/main" Requires="a14">
+      <mc:AlternateContent xmlns:mc="http://schemas.openxmlformats.org/markup-compatibility/2006" xmlns:a14="http://schemas.microsoft.com/office/drawing/2010/main">
+        <mc:Choice Requires="a14">
           <p:sp>
             <p:nvSpPr>
               <p:cNvPr id="13" name="Oval 12">
@@ -11202,7 +11986,7 @@
             </p:txBody>
           </p:sp>
         </mc:Choice>
-        <mc:Fallback>
+        <mc:Fallback xmlns="">
           <p:sp>
             <p:nvSpPr>
               <p:cNvPr id="13" name="Oval 12">
@@ -11342,8 +12126,8 @@
           </a:fontRef>
         </p:style>
       </p:cxnSp>
-      <mc:AlternateContent xmlns:mc="http://schemas.openxmlformats.org/markup-compatibility/2006">
-        <mc:Choice xmlns:a14="http://schemas.microsoft.com/office/drawing/2010/main" Requires="a14">
+      <mc:AlternateContent xmlns:mc="http://schemas.openxmlformats.org/markup-compatibility/2006" xmlns:a14="http://schemas.microsoft.com/office/drawing/2010/main">
+        <mc:Choice Requires="a14">
           <p:sp>
             <p:nvSpPr>
               <p:cNvPr id="30" name="TextBox 29">
@@ -11425,7 +12209,7 @@
             </p:txBody>
           </p:sp>
         </mc:Choice>
-        <mc:Fallback>
+        <mc:Fallback xmlns="">
           <p:sp>
             <p:nvSpPr>
               <p:cNvPr id="30" name="TextBox 29">
@@ -11470,8 +12254,8 @@
           </p:sp>
         </mc:Fallback>
       </mc:AlternateContent>
-      <mc:AlternateContent xmlns:mc="http://schemas.openxmlformats.org/markup-compatibility/2006">
-        <mc:Choice xmlns:a14="http://schemas.microsoft.com/office/drawing/2010/main" Requires="a14">
+      <mc:AlternateContent xmlns:mc="http://schemas.openxmlformats.org/markup-compatibility/2006" xmlns:a14="http://schemas.microsoft.com/office/drawing/2010/main">
+        <mc:Choice Requires="a14">
           <p:sp>
             <p:nvSpPr>
               <p:cNvPr id="32" name="TextBox 31">
@@ -11731,7 +12515,7 @@
             </p:txBody>
           </p:sp>
         </mc:Choice>
-        <mc:Fallback>
+        <mc:Fallback xmlns="">
           <p:sp>
             <p:nvSpPr>
               <p:cNvPr id="32" name="TextBox 31">
@@ -11776,8 +12560,8 @@
           </p:sp>
         </mc:Fallback>
       </mc:AlternateContent>
-      <mc:AlternateContent xmlns:mc="http://schemas.openxmlformats.org/markup-compatibility/2006">
-        <mc:Choice xmlns:a14="http://schemas.microsoft.com/office/drawing/2010/main" Requires="a14">
+      <mc:AlternateContent xmlns:mc="http://schemas.openxmlformats.org/markup-compatibility/2006" xmlns:a14="http://schemas.microsoft.com/office/drawing/2010/main">
+        <mc:Choice Requires="a14">
           <p:sp>
             <p:nvSpPr>
               <p:cNvPr id="17" name="TextBox 16">
@@ -11859,7 +12643,7 @@
             </p:txBody>
           </p:sp>
         </mc:Choice>
-        <mc:Fallback>
+        <mc:Fallback xmlns="">
           <p:sp>
             <p:nvSpPr>
               <p:cNvPr id="17" name="TextBox 16">
@@ -12117,8 +12901,8 @@
           </a:p>
         </p:txBody>
       </p:sp>
-      <mc:AlternateContent xmlns:mc="http://schemas.openxmlformats.org/markup-compatibility/2006">
-        <mc:Choice xmlns:a14="http://schemas.microsoft.com/office/drawing/2010/main" Requires="a14">
+      <mc:AlternateContent xmlns:mc="http://schemas.openxmlformats.org/markup-compatibility/2006" xmlns:a14="http://schemas.microsoft.com/office/drawing/2010/main">
+        <mc:Choice Requires="a14">
           <p:sp>
             <p:nvSpPr>
               <p:cNvPr id="5" name="Oval 4">
@@ -12204,7 +12988,7 @@
             </p:txBody>
           </p:sp>
         </mc:Choice>
-        <mc:Fallback>
+        <mc:Fallback xmlns="">
           <p:sp>
             <p:nvSpPr>
               <p:cNvPr id="5" name="Oval 4">
@@ -12677,8 +13461,8 @@
           </a:p>
         </p:txBody>
       </p:sp>
-      <mc:AlternateContent xmlns:mc="http://schemas.openxmlformats.org/markup-compatibility/2006">
-        <mc:Choice xmlns:a14="http://schemas.microsoft.com/office/drawing/2010/main" Requires="a14">
+      <mc:AlternateContent xmlns:mc="http://schemas.openxmlformats.org/markup-compatibility/2006" xmlns:a14="http://schemas.microsoft.com/office/drawing/2010/main">
+        <mc:Choice Requires="a14">
           <p:sp>
             <p:nvSpPr>
               <p:cNvPr id="2" name="Oval 1">
@@ -12764,7 +13548,7 @@
             </p:txBody>
           </p:sp>
         </mc:Choice>
-        <mc:Fallback>
+        <mc:Fallback xmlns="">
           <p:sp>
             <p:nvSpPr>
               <p:cNvPr id="2" name="Oval 1">
@@ -12899,8 +13683,8 @@
           </a:fontRef>
         </p:style>
       </p:cxnSp>
-      <mc:AlternateContent xmlns:mc="http://schemas.openxmlformats.org/markup-compatibility/2006">
-        <mc:Choice xmlns:a14="http://schemas.microsoft.com/office/drawing/2010/main" Requires="a14">
+      <mc:AlternateContent xmlns:mc="http://schemas.openxmlformats.org/markup-compatibility/2006" xmlns:a14="http://schemas.microsoft.com/office/drawing/2010/main">
+        <mc:Choice Requires="a14">
           <p:sp>
             <p:nvSpPr>
               <p:cNvPr id="8" name="TextBox 7">
@@ -12982,7 +13766,7 @@
             </p:txBody>
           </p:sp>
         </mc:Choice>
-        <mc:Fallback>
+        <mc:Fallback xmlns="">
           <p:sp>
             <p:nvSpPr>
               <p:cNvPr id="8" name="TextBox 7">
@@ -13027,8 +13811,8 @@
           </p:sp>
         </mc:Fallback>
       </mc:AlternateContent>
-      <mc:AlternateContent xmlns:mc="http://schemas.openxmlformats.org/markup-compatibility/2006">
-        <mc:Choice xmlns:a14="http://schemas.microsoft.com/office/drawing/2010/main" Requires="a14">
+      <mc:AlternateContent xmlns:mc="http://schemas.openxmlformats.org/markup-compatibility/2006" xmlns:a14="http://schemas.microsoft.com/office/drawing/2010/main">
+        <mc:Choice Requires="a14">
           <p:sp>
             <p:nvSpPr>
               <p:cNvPr id="10" name="TextBox 9">
@@ -13110,7 +13894,7 @@
             </p:txBody>
           </p:sp>
         </mc:Choice>
-        <mc:Fallback>
+        <mc:Fallback xmlns="">
           <p:sp>
             <p:nvSpPr>
               <p:cNvPr id="10" name="TextBox 9">
@@ -13155,8 +13939,8 @@
           </p:sp>
         </mc:Fallback>
       </mc:AlternateContent>
-      <mc:AlternateContent xmlns:mc="http://schemas.openxmlformats.org/markup-compatibility/2006">
-        <mc:Choice xmlns:a14="http://schemas.microsoft.com/office/drawing/2010/main" Requires="a14">
+      <mc:AlternateContent xmlns:mc="http://schemas.openxmlformats.org/markup-compatibility/2006" xmlns:a14="http://schemas.microsoft.com/office/drawing/2010/main">
+        <mc:Choice Requires="a14">
           <p:sp>
             <p:nvSpPr>
               <p:cNvPr id="13" name="Oval 12">
@@ -13231,7 +14015,7 @@
             </p:txBody>
           </p:sp>
         </mc:Choice>
-        <mc:Fallback>
+        <mc:Fallback xmlns="">
           <p:sp>
             <p:nvSpPr>
               <p:cNvPr id="13" name="Oval 12">
@@ -13371,8 +14155,8 @@
           </a:fontRef>
         </p:style>
       </p:cxnSp>
-      <mc:AlternateContent xmlns:mc="http://schemas.openxmlformats.org/markup-compatibility/2006">
-        <mc:Choice xmlns:a14="http://schemas.microsoft.com/office/drawing/2010/main" Requires="a14">
+      <mc:AlternateContent xmlns:mc="http://schemas.openxmlformats.org/markup-compatibility/2006" xmlns:a14="http://schemas.microsoft.com/office/drawing/2010/main">
+        <mc:Choice Requires="a14">
           <p:sp>
             <p:nvSpPr>
               <p:cNvPr id="31" name="TextBox 30">
@@ -13454,7 +14238,7 @@
             </p:txBody>
           </p:sp>
         </mc:Choice>
-        <mc:Fallback>
+        <mc:Fallback xmlns="">
           <p:sp>
             <p:nvSpPr>
               <p:cNvPr id="31" name="TextBox 30">
@@ -13499,8 +14283,8 @@
           </p:sp>
         </mc:Fallback>
       </mc:AlternateContent>
-      <mc:AlternateContent xmlns:mc="http://schemas.openxmlformats.org/markup-compatibility/2006">
-        <mc:Choice xmlns:a14="http://schemas.microsoft.com/office/drawing/2010/main" Requires="a14">
+      <mc:AlternateContent xmlns:mc="http://schemas.openxmlformats.org/markup-compatibility/2006" xmlns:a14="http://schemas.microsoft.com/office/drawing/2010/main">
+        <mc:Choice Requires="a14">
           <p:sp>
             <p:nvSpPr>
               <p:cNvPr id="32" name="TextBox 31">
@@ -13597,16 +14381,7 @@
                               </a:solidFill>
                               <a:latin typeface="Cambria Math" panose="02040503050406030204" pitchFamily="18" charset="0"/>
                             </a:rPr>
-                            <m:t>𝟏</m:t>
-                          </m:r>
-                          <m:r>
-                            <a:rPr lang="en-US" sz="2400" b="1" i="1" smtClean="0">
-                              <a:solidFill>
-                                <a:srgbClr val="FF0000"/>
-                              </a:solidFill>
-                              <a:latin typeface="Cambria Math" panose="02040503050406030204" pitchFamily="18" charset="0"/>
-                            </a:rPr>
-                            <m:t>𝟐</m:t>
+                            <m:t>𝟏𝟐</m:t>
                           </m:r>
                         </m:sub>
                       </m:sSub>
@@ -13760,7 +14535,7 @@
             </p:txBody>
           </p:sp>
         </mc:Choice>
-        <mc:Fallback>
+        <mc:Fallback xmlns="">
           <p:sp>
             <p:nvSpPr>
               <p:cNvPr id="32" name="TextBox 31">
@@ -13805,8 +14580,8 @@
           </p:sp>
         </mc:Fallback>
       </mc:AlternateContent>
-      <mc:AlternateContent xmlns:mc="http://schemas.openxmlformats.org/markup-compatibility/2006">
-        <mc:Choice xmlns:a14="http://schemas.microsoft.com/office/drawing/2010/main" Requires="a14">
+      <mc:AlternateContent xmlns:mc="http://schemas.openxmlformats.org/markup-compatibility/2006" xmlns:a14="http://schemas.microsoft.com/office/drawing/2010/main">
+        <mc:Choice Requires="a14">
           <p:sp>
             <p:nvSpPr>
               <p:cNvPr id="17" name="TextBox 16">
@@ -13888,7 +14663,7 @@
             </p:txBody>
           </p:sp>
         </mc:Choice>
-        <mc:Fallback>
+        <mc:Fallback xmlns="">
           <p:sp>
             <p:nvSpPr>
               <p:cNvPr id="17" name="TextBox 16">
@@ -13933,8 +14708,8 @@
           </p:sp>
         </mc:Fallback>
       </mc:AlternateContent>
-      <mc:AlternateContent xmlns:mc="http://schemas.openxmlformats.org/markup-compatibility/2006">
-        <mc:Choice xmlns:a14="http://schemas.microsoft.com/office/drawing/2010/main" Requires="a14">
+      <mc:AlternateContent xmlns:mc="http://schemas.openxmlformats.org/markup-compatibility/2006" xmlns:a14="http://schemas.microsoft.com/office/drawing/2010/main">
+        <mc:Choice Requires="a14">
           <p:sp>
             <p:nvSpPr>
               <p:cNvPr id="18" name="TextBox 17">
@@ -14016,7 +14791,7 @@
             </p:txBody>
           </p:sp>
         </mc:Choice>
-        <mc:Fallback>
+        <mc:Fallback xmlns="">
           <p:sp>
             <p:nvSpPr>
               <p:cNvPr id="18" name="TextBox 17">
@@ -14548,8 +15323,8 @@
           </a:p>
         </p:txBody>
       </p:sp>
-      <mc:AlternateContent xmlns:mc="http://schemas.openxmlformats.org/markup-compatibility/2006">
-        <mc:Choice xmlns:a14="http://schemas.microsoft.com/office/drawing/2010/main" Requires="a14">
+      <mc:AlternateContent xmlns:mc="http://schemas.openxmlformats.org/markup-compatibility/2006" xmlns:a14="http://schemas.microsoft.com/office/drawing/2010/main">
+        <mc:Choice Requires="a14">
           <p:sp>
             <p:nvSpPr>
               <p:cNvPr id="5" name="Oval 4">
@@ -14635,7 +15410,7 @@
             </p:txBody>
           </p:sp>
         </mc:Choice>
-        <mc:Fallback>
+        <mc:Fallback xmlns="">
           <p:sp>
             <p:nvSpPr>
               <p:cNvPr id="5" name="Oval 4">
@@ -15108,8 +15883,8 @@
           </a:p>
         </p:txBody>
       </p:sp>
-      <mc:AlternateContent xmlns:mc="http://schemas.openxmlformats.org/markup-compatibility/2006">
-        <mc:Choice xmlns:a14="http://schemas.microsoft.com/office/drawing/2010/main" Requires="a14">
+      <mc:AlternateContent xmlns:mc="http://schemas.openxmlformats.org/markup-compatibility/2006" xmlns:a14="http://schemas.microsoft.com/office/drawing/2010/main">
+        <mc:Choice Requires="a14">
           <p:sp>
             <p:nvSpPr>
               <p:cNvPr id="2" name="Oval 1">
@@ -15195,7 +15970,7 @@
             </p:txBody>
           </p:sp>
         </mc:Choice>
-        <mc:Fallback>
+        <mc:Fallback xmlns="">
           <p:sp>
             <p:nvSpPr>
               <p:cNvPr id="2" name="Oval 1">
@@ -15330,8 +16105,8 @@
           </a:fontRef>
         </p:style>
       </p:cxnSp>
-      <mc:AlternateContent xmlns:mc="http://schemas.openxmlformats.org/markup-compatibility/2006">
-        <mc:Choice xmlns:a14="http://schemas.microsoft.com/office/drawing/2010/main" Requires="a14">
+      <mc:AlternateContent xmlns:mc="http://schemas.openxmlformats.org/markup-compatibility/2006" xmlns:a14="http://schemas.microsoft.com/office/drawing/2010/main">
+        <mc:Choice Requires="a14">
           <p:sp>
             <p:nvSpPr>
               <p:cNvPr id="3" name="TextBox 2">
@@ -15413,7 +16188,7 @@
             </p:txBody>
           </p:sp>
         </mc:Choice>
-        <mc:Fallback>
+        <mc:Fallback xmlns="">
           <p:sp>
             <p:nvSpPr>
               <p:cNvPr id="3" name="TextBox 2">
@@ -15458,8 +16233,8 @@
           </p:sp>
         </mc:Fallback>
       </mc:AlternateContent>
-      <mc:AlternateContent xmlns:mc="http://schemas.openxmlformats.org/markup-compatibility/2006">
-        <mc:Choice xmlns:a14="http://schemas.microsoft.com/office/drawing/2010/main" Requires="a14">
+      <mc:AlternateContent xmlns:mc="http://schemas.openxmlformats.org/markup-compatibility/2006" xmlns:a14="http://schemas.microsoft.com/office/drawing/2010/main">
+        <mc:Choice Requires="a14">
           <p:sp>
             <p:nvSpPr>
               <p:cNvPr id="11" name="TextBox 10">
@@ -15541,7 +16316,7 @@
             </p:txBody>
           </p:sp>
         </mc:Choice>
-        <mc:Fallback>
+        <mc:Fallback xmlns="">
           <p:sp>
             <p:nvSpPr>
               <p:cNvPr id="11" name="TextBox 10">
@@ -15586,8 +16361,8 @@
           </p:sp>
         </mc:Fallback>
       </mc:AlternateContent>
-      <mc:AlternateContent xmlns:mc="http://schemas.openxmlformats.org/markup-compatibility/2006">
-        <mc:Choice xmlns:a14="http://schemas.microsoft.com/office/drawing/2010/main" Requires="a14">
+      <mc:AlternateContent xmlns:mc="http://schemas.openxmlformats.org/markup-compatibility/2006" xmlns:a14="http://schemas.microsoft.com/office/drawing/2010/main">
+        <mc:Choice Requires="a14">
           <p:sp>
             <p:nvSpPr>
               <p:cNvPr id="13" name="Oval 12">
@@ -15662,7 +16437,7 @@
             </p:txBody>
           </p:sp>
         </mc:Choice>
-        <mc:Fallback>
+        <mc:Fallback xmlns="">
           <p:sp>
             <p:nvSpPr>
               <p:cNvPr id="13" name="Oval 12">
@@ -15802,8 +16577,8 @@
           </a:fontRef>
         </p:style>
       </p:cxnSp>
-      <mc:AlternateContent xmlns:mc="http://schemas.openxmlformats.org/markup-compatibility/2006">
-        <mc:Choice xmlns:a14="http://schemas.microsoft.com/office/drawing/2010/main" Requires="a14">
+      <mc:AlternateContent xmlns:mc="http://schemas.openxmlformats.org/markup-compatibility/2006" xmlns:a14="http://schemas.microsoft.com/office/drawing/2010/main">
+        <mc:Choice Requires="a14">
           <p:sp>
             <p:nvSpPr>
               <p:cNvPr id="30" name="TextBox 29">
@@ -15885,7 +16660,7 @@
             </p:txBody>
           </p:sp>
         </mc:Choice>
-        <mc:Fallback>
+        <mc:Fallback xmlns="">
           <p:sp>
             <p:nvSpPr>
               <p:cNvPr id="30" name="TextBox 29">
@@ -15930,8 +16705,8 @@
           </p:sp>
         </mc:Fallback>
       </mc:AlternateContent>
-      <mc:AlternateContent xmlns:mc="http://schemas.openxmlformats.org/markup-compatibility/2006">
-        <mc:Choice xmlns:a14="http://schemas.microsoft.com/office/drawing/2010/main" Requires="a14">
+      <mc:AlternateContent xmlns:mc="http://schemas.openxmlformats.org/markup-compatibility/2006" xmlns:a14="http://schemas.microsoft.com/office/drawing/2010/main">
+        <mc:Choice Requires="a14">
           <p:sp>
             <p:nvSpPr>
               <p:cNvPr id="32" name="TextBox 31">
@@ -16049,7 +16824,7 @@
             </p:txBody>
           </p:sp>
         </mc:Choice>
-        <mc:Fallback>
+        <mc:Fallback xmlns="">
           <p:sp>
             <p:nvSpPr>
               <p:cNvPr id="32" name="TextBox 31">
@@ -16094,8 +16869,8 @@
           </p:sp>
         </mc:Fallback>
       </mc:AlternateContent>
-      <mc:AlternateContent xmlns:mc="http://schemas.openxmlformats.org/markup-compatibility/2006">
-        <mc:Choice xmlns:a14="http://schemas.microsoft.com/office/drawing/2010/main" Requires="a14">
+      <mc:AlternateContent xmlns:mc="http://schemas.openxmlformats.org/markup-compatibility/2006" xmlns:a14="http://schemas.microsoft.com/office/drawing/2010/main">
+        <mc:Choice Requires="a14">
           <p:sp>
             <p:nvSpPr>
               <p:cNvPr id="17" name="TextBox 16">
@@ -16177,7 +16952,7 @@
             </p:txBody>
           </p:sp>
         </mc:Choice>
-        <mc:Fallback>
+        <mc:Fallback xmlns="">
           <p:sp>
             <p:nvSpPr>
               <p:cNvPr id="17" name="TextBox 16">
@@ -16222,8 +16997,8 @@
           </p:sp>
         </mc:Fallback>
       </mc:AlternateContent>
-      <mc:AlternateContent xmlns:mc="http://schemas.openxmlformats.org/markup-compatibility/2006">
-        <mc:Choice xmlns:a14="http://schemas.microsoft.com/office/drawing/2010/main" Requires="a14">
+      <mc:AlternateContent xmlns:mc="http://schemas.openxmlformats.org/markup-compatibility/2006" xmlns:a14="http://schemas.microsoft.com/office/drawing/2010/main">
+        <mc:Choice Requires="a14">
           <p:sp>
             <p:nvSpPr>
               <p:cNvPr id="18" name="TextBox 17">
@@ -16305,7 +17080,7 @@
             </p:txBody>
           </p:sp>
         </mc:Choice>
-        <mc:Fallback>
+        <mc:Fallback xmlns="">
           <p:sp>
             <p:nvSpPr>
               <p:cNvPr id="18" name="TextBox 17">
@@ -16350,8 +17125,8 @@
           </p:sp>
         </mc:Fallback>
       </mc:AlternateContent>
-      <mc:AlternateContent xmlns:mc="http://schemas.openxmlformats.org/markup-compatibility/2006">
-        <mc:Choice xmlns:a14="http://schemas.microsoft.com/office/drawing/2010/main" Requires="a14">
+      <mc:AlternateContent xmlns:mc="http://schemas.openxmlformats.org/markup-compatibility/2006" xmlns:a14="http://schemas.microsoft.com/office/drawing/2010/main">
+        <mc:Choice Requires="a14">
           <p:sp>
             <p:nvSpPr>
               <p:cNvPr id="19" name="TextBox 18">
@@ -16433,7 +17208,7 @@
             </p:txBody>
           </p:sp>
         </mc:Choice>
-        <mc:Fallback>
+        <mc:Fallback xmlns="">
           <p:sp>
             <p:nvSpPr>
               <p:cNvPr id="19" name="TextBox 18">
@@ -16478,8 +17253,8 @@
           </p:sp>
         </mc:Fallback>
       </mc:AlternateContent>
-      <mc:AlternateContent xmlns:mc="http://schemas.openxmlformats.org/markup-compatibility/2006">
-        <mc:Choice xmlns:a14="http://schemas.microsoft.com/office/drawing/2010/main" Requires="a14">
+      <mc:AlternateContent xmlns:mc="http://schemas.openxmlformats.org/markup-compatibility/2006" xmlns:a14="http://schemas.microsoft.com/office/drawing/2010/main">
+        <mc:Choice Requires="a14">
           <p:sp>
             <p:nvSpPr>
               <p:cNvPr id="23" name="TextBox 22">
@@ -16561,7 +17336,7 @@
             </p:txBody>
           </p:sp>
         </mc:Choice>
-        <mc:Fallback>
+        <mc:Fallback xmlns="">
           <p:sp>
             <p:nvSpPr>
               <p:cNvPr id="23" name="TextBox 22">
@@ -16606,8 +17381,8 @@
           </p:sp>
         </mc:Fallback>
       </mc:AlternateContent>
-      <mc:AlternateContent xmlns:mc="http://schemas.openxmlformats.org/markup-compatibility/2006">
-        <mc:Choice xmlns:a14="http://schemas.microsoft.com/office/drawing/2010/main" Requires="a14">
+      <mc:AlternateContent xmlns:mc="http://schemas.openxmlformats.org/markup-compatibility/2006" xmlns:a14="http://schemas.microsoft.com/office/drawing/2010/main">
+        <mc:Choice Requires="a14">
           <p:sp>
             <p:nvSpPr>
               <p:cNvPr id="25" name="TextBox 24">
@@ -16689,7 +17464,7 @@
             </p:txBody>
           </p:sp>
         </mc:Choice>
-        <mc:Fallback>
+        <mc:Fallback xmlns="">
           <p:sp>
             <p:nvSpPr>
               <p:cNvPr id="25" name="TextBox 24">
@@ -16978,8 +17753,8 @@
           </a:p>
         </p:txBody>
       </p:sp>
-      <mc:AlternateContent xmlns:mc="http://schemas.openxmlformats.org/markup-compatibility/2006">
-        <mc:Choice xmlns:a14="http://schemas.microsoft.com/office/drawing/2010/main" Requires="a14">
+      <mc:AlternateContent xmlns:mc="http://schemas.openxmlformats.org/markup-compatibility/2006" xmlns:a14="http://schemas.microsoft.com/office/drawing/2010/main">
+        <mc:Choice Requires="a14">
           <p:sp>
             <p:nvSpPr>
               <p:cNvPr id="5" name="Oval 4">
@@ -17065,7 +17840,7 @@
             </p:txBody>
           </p:sp>
         </mc:Choice>
-        <mc:Fallback>
+        <mc:Fallback xmlns="">
           <p:sp>
             <p:nvSpPr>
               <p:cNvPr id="5" name="Oval 4">
@@ -17538,8 +18313,8 @@
           </a:p>
         </p:txBody>
       </p:sp>
-      <mc:AlternateContent xmlns:mc="http://schemas.openxmlformats.org/markup-compatibility/2006">
-        <mc:Choice xmlns:a14="http://schemas.microsoft.com/office/drawing/2010/main" Requires="a14">
+      <mc:AlternateContent xmlns:mc="http://schemas.openxmlformats.org/markup-compatibility/2006" xmlns:a14="http://schemas.microsoft.com/office/drawing/2010/main">
+        <mc:Choice Requires="a14">
           <p:sp>
             <p:nvSpPr>
               <p:cNvPr id="2" name="Oval 1">
@@ -17625,7 +18400,7 @@
             </p:txBody>
           </p:sp>
         </mc:Choice>
-        <mc:Fallback>
+        <mc:Fallback xmlns="">
           <p:sp>
             <p:nvSpPr>
               <p:cNvPr id="2" name="Oval 1">
@@ -17760,8 +18535,8 @@
           </a:fontRef>
         </p:style>
       </p:cxnSp>
-      <mc:AlternateContent xmlns:mc="http://schemas.openxmlformats.org/markup-compatibility/2006">
-        <mc:Choice xmlns:a14="http://schemas.microsoft.com/office/drawing/2010/main" Requires="a14">
+      <mc:AlternateContent xmlns:mc="http://schemas.openxmlformats.org/markup-compatibility/2006" xmlns:a14="http://schemas.microsoft.com/office/drawing/2010/main">
+        <mc:Choice Requires="a14">
           <p:sp>
             <p:nvSpPr>
               <p:cNvPr id="3" name="TextBox 2">
@@ -17843,7 +18618,7 @@
             </p:txBody>
           </p:sp>
         </mc:Choice>
-        <mc:Fallback>
+        <mc:Fallback xmlns="">
           <p:sp>
             <p:nvSpPr>
               <p:cNvPr id="3" name="TextBox 2">
@@ -17888,8 +18663,8 @@
           </p:sp>
         </mc:Fallback>
       </mc:AlternateContent>
-      <mc:AlternateContent xmlns:mc="http://schemas.openxmlformats.org/markup-compatibility/2006">
-        <mc:Choice xmlns:a14="http://schemas.microsoft.com/office/drawing/2010/main" Requires="a14">
+      <mc:AlternateContent xmlns:mc="http://schemas.openxmlformats.org/markup-compatibility/2006" xmlns:a14="http://schemas.microsoft.com/office/drawing/2010/main">
+        <mc:Choice Requires="a14">
           <p:sp>
             <p:nvSpPr>
               <p:cNvPr id="11" name="TextBox 10">
@@ -17971,7 +18746,7 @@
             </p:txBody>
           </p:sp>
         </mc:Choice>
-        <mc:Fallback>
+        <mc:Fallback xmlns="">
           <p:sp>
             <p:nvSpPr>
               <p:cNvPr id="11" name="TextBox 10">
@@ -18016,8 +18791,8 @@
           </p:sp>
         </mc:Fallback>
       </mc:AlternateContent>
-      <mc:AlternateContent xmlns:mc="http://schemas.openxmlformats.org/markup-compatibility/2006">
-        <mc:Choice xmlns:a14="http://schemas.microsoft.com/office/drawing/2010/main" Requires="a14">
+      <mc:AlternateContent xmlns:mc="http://schemas.openxmlformats.org/markup-compatibility/2006" xmlns:a14="http://schemas.microsoft.com/office/drawing/2010/main">
+        <mc:Choice Requires="a14">
           <p:sp>
             <p:nvSpPr>
               <p:cNvPr id="13" name="Oval 12">
@@ -18092,7 +18867,7 @@
             </p:txBody>
           </p:sp>
         </mc:Choice>
-        <mc:Fallback>
+        <mc:Fallback xmlns="">
           <p:sp>
             <p:nvSpPr>
               <p:cNvPr id="13" name="Oval 12">
@@ -18232,8 +19007,8 @@
           </a:fontRef>
         </p:style>
       </p:cxnSp>
-      <mc:AlternateContent xmlns:mc="http://schemas.openxmlformats.org/markup-compatibility/2006">
-        <mc:Choice xmlns:a14="http://schemas.microsoft.com/office/drawing/2010/main" Requires="a14">
+      <mc:AlternateContent xmlns:mc="http://schemas.openxmlformats.org/markup-compatibility/2006" xmlns:a14="http://schemas.microsoft.com/office/drawing/2010/main">
+        <mc:Choice Requires="a14">
           <p:sp>
             <p:nvSpPr>
               <p:cNvPr id="30" name="TextBox 29">
@@ -18315,7 +19090,7 @@
             </p:txBody>
           </p:sp>
         </mc:Choice>
-        <mc:Fallback>
+        <mc:Fallback xmlns="">
           <p:sp>
             <p:nvSpPr>
               <p:cNvPr id="30" name="TextBox 29">
@@ -18360,8 +19135,8 @@
           </p:sp>
         </mc:Fallback>
       </mc:AlternateContent>
-      <mc:AlternateContent xmlns:mc="http://schemas.openxmlformats.org/markup-compatibility/2006">
-        <mc:Choice xmlns:a14="http://schemas.microsoft.com/office/drawing/2010/main" Requires="a14">
+      <mc:AlternateContent xmlns:mc="http://schemas.openxmlformats.org/markup-compatibility/2006" xmlns:a14="http://schemas.microsoft.com/office/drawing/2010/main">
+        <mc:Choice Requires="a14">
           <p:sp>
             <p:nvSpPr>
               <p:cNvPr id="32" name="TextBox 31">
@@ -18479,7 +19254,7 @@
             </p:txBody>
           </p:sp>
         </mc:Choice>
-        <mc:Fallback>
+        <mc:Fallback xmlns="">
           <p:sp>
             <p:nvSpPr>
               <p:cNvPr id="32" name="TextBox 31">
@@ -18524,8 +19299,8 @@
           </p:sp>
         </mc:Fallback>
       </mc:AlternateContent>
-      <mc:AlternateContent xmlns:mc="http://schemas.openxmlformats.org/markup-compatibility/2006">
-        <mc:Choice xmlns:a14="http://schemas.microsoft.com/office/drawing/2010/main" Requires="a14">
+      <mc:AlternateContent xmlns:mc="http://schemas.openxmlformats.org/markup-compatibility/2006" xmlns:a14="http://schemas.microsoft.com/office/drawing/2010/main">
+        <mc:Choice Requires="a14">
           <p:sp>
             <p:nvSpPr>
               <p:cNvPr id="17" name="Oval 16">
@@ -18619,7 +19394,7 @@
             </p:txBody>
           </p:sp>
         </mc:Choice>
-        <mc:Fallback>
+        <mc:Fallback xmlns="">
           <p:sp>
             <p:nvSpPr>
               <p:cNvPr id="17" name="Oval 16">
@@ -18709,8 +19484,8 @@
           </a:fontRef>
         </p:style>
       </p:cxnSp>
-      <mc:AlternateContent xmlns:mc="http://schemas.openxmlformats.org/markup-compatibility/2006">
-        <mc:Choice xmlns:a14="http://schemas.microsoft.com/office/drawing/2010/main" Requires="a14">
+      <mc:AlternateContent xmlns:mc="http://schemas.openxmlformats.org/markup-compatibility/2006" xmlns:a14="http://schemas.microsoft.com/office/drawing/2010/main">
+        <mc:Choice Requires="a14">
           <p:sp>
             <p:nvSpPr>
               <p:cNvPr id="26" name="TextBox 25">
@@ -18792,7 +19567,7 @@
             </p:txBody>
           </p:sp>
         </mc:Choice>
-        <mc:Fallback>
+        <mc:Fallback xmlns="">
           <p:sp>
             <p:nvSpPr>
               <p:cNvPr id="26" name="TextBox 25">
@@ -18837,8 +19612,8 @@
           </p:sp>
         </mc:Fallback>
       </mc:AlternateContent>
-      <mc:AlternateContent xmlns:mc="http://schemas.openxmlformats.org/markup-compatibility/2006">
-        <mc:Choice xmlns:a14="http://schemas.microsoft.com/office/drawing/2010/main" Requires="a14">
+      <mc:AlternateContent xmlns:mc="http://schemas.openxmlformats.org/markup-compatibility/2006" xmlns:a14="http://schemas.microsoft.com/office/drawing/2010/main">
+        <mc:Choice Requires="a14">
           <p:sp>
             <p:nvSpPr>
               <p:cNvPr id="27" name="TextBox 26">
@@ -18920,7 +19695,7 @@
             </p:txBody>
           </p:sp>
         </mc:Choice>
-        <mc:Fallback>
+        <mc:Fallback xmlns="">
           <p:sp>
             <p:nvSpPr>
               <p:cNvPr id="27" name="TextBox 26">
@@ -18965,8 +19740,8 @@
           </p:sp>
         </mc:Fallback>
       </mc:AlternateContent>
-      <mc:AlternateContent xmlns:mc="http://schemas.openxmlformats.org/markup-compatibility/2006">
-        <mc:Choice xmlns:a14="http://schemas.microsoft.com/office/drawing/2010/main" Requires="a14">
+      <mc:AlternateContent xmlns:mc="http://schemas.openxmlformats.org/markup-compatibility/2006" xmlns:a14="http://schemas.microsoft.com/office/drawing/2010/main">
+        <mc:Choice Requires="a14">
           <p:sp>
             <p:nvSpPr>
               <p:cNvPr id="28" name="TextBox 27">
@@ -19048,7 +19823,7 @@
             </p:txBody>
           </p:sp>
         </mc:Choice>
-        <mc:Fallback>
+        <mc:Fallback xmlns="">
           <p:sp>
             <p:nvSpPr>
               <p:cNvPr id="28" name="TextBox 27">
@@ -19093,8 +19868,8 @@
           </p:sp>
         </mc:Fallback>
       </mc:AlternateContent>
-      <mc:AlternateContent xmlns:mc="http://schemas.openxmlformats.org/markup-compatibility/2006">
-        <mc:Choice xmlns:a14="http://schemas.microsoft.com/office/drawing/2010/main" Requires="a14">
+      <mc:AlternateContent xmlns:mc="http://schemas.openxmlformats.org/markup-compatibility/2006" xmlns:a14="http://schemas.microsoft.com/office/drawing/2010/main">
+        <mc:Choice Requires="a14">
           <p:sp>
             <p:nvSpPr>
               <p:cNvPr id="31" name="TextBox 30">
@@ -19176,7 +19951,7 @@
             </p:txBody>
           </p:sp>
         </mc:Choice>
-        <mc:Fallback>
+        <mc:Fallback xmlns="">
           <p:sp>
             <p:nvSpPr>
               <p:cNvPr id="31" name="TextBox 30">
@@ -19221,8 +19996,8 @@
           </p:sp>
         </mc:Fallback>
       </mc:AlternateContent>
-      <mc:AlternateContent xmlns:mc="http://schemas.openxmlformats.org/markup-compatibility/2006">
-        <mc:Choice xmlns:a14="http://schemas.microsoft.com/office/drawing/2010/main" Requires="a14">
+      <mc:AlternateContent xmlns:mc="http://schemas.openxmlformats.org/markup-compatibility/2006" xmlns:a14="http://schemas.microsoft.com/office/drawing/2010/main">
+        <mc:Choice Requires="a14">
           <p:sp>
             <p:nvSpPr>
               <p:cNvPr id="33" name="TextBox 32">
@@ -19304,7 +20079,7 @@
             </p:txBody>
           </p:sp>
         </mc:Choice>
-        <mc:Fallback>
+        <mc:Fallback xmlns="">
           <p:sp>
             <p:nvSpPr>
               <p:cNvPr id="33" name="TextBox 32">
@@ -19614,8 +20389,8 @@
           </a:p>
         </p:txBody>
       </p:sp>
-      <mc:AlternateContent xmlns:mc="http://schemas.openxmlformats.org/markup-compatibility/2006">
-        <mc:Choice xmlns:a14="http://schemas.microsoft.com/office/drawing/2010/main" Requires="a14">
+      <mc:AlternateContent xmlns:mc="http://schemas.openxmlformats.org/markup-compatibility/2006" xmlns:a14="http://schemas.microsoft.com/office/drawing/2010/main">
+        <mc:Choice Requires="a14">
           <p:sp>
             <p:nvSpPr>
               <p:cNvPr id="5" name="Oval 4">
@@ -19701,7 +20476,7 @@
             </p:txBody>
           </p:sp>
         </mc:Choice>
-        <mc:Fallback>
+        <mc:Fallback xmlns="">
           <p:sp>
             <p:nvSpPr>
               <p:cNvPr id="5" name="Oval 4">
@@ -20174,8 +20949,8 @@
           </a:p>
         </p:txBody>
       </p:sp>
-      <mc:AlternateContent xmlns:mc="http://schemas.openxmlformats.org/markup-compatibility/2006">
-        <mc:Choice xmlns:a14="http://schemas.microsoft.com/office/drawing/2010/main" Requires="a14">
+      <mc:AlternateContent xmlns:mc="http://schemas.openxmlformats.org/markup-compatibility/2006" xmlns:a14="http://schemas.microsoft.com/office/drawing/2010/main">
+        <mc:Choice Requires="a14">
           <p:sp>
             <p:nvSpPr>
               <p:cNvPr id="2" name="Oval 1">
@@ -20261,7 +21036,7 @@
             </p:txBody>
           </p:sp>
         </mc:Choice>
-        <mc:Fallback>
+        <mc:Fallback xmlns="">
           <p:sp>
             <p:nvSpPr>
               <p:cNvPr id="2" name="Oval 1">
@@ -20396,8 +21171,8 @@
           </a:fontRef>
         </p:style>
       </p:cxnSp>
-      <mc:AlternateContent xmlns:mc="http://schemas.openxmlformats.org/markup-compatibility/2006">
-        <mc:Choice xmlns:a14="http://schemas.microsoft.com/office/drawing/2010/main" Requires="a14">
+      <mc:AlternateContent xmlns:mc="http://schemas.openxmlformats.org/markup-compatibility/2006" xmlns:a14="http://schemas.microsoft.com/office/drawing/2010/main">
+        <mc:Choice Requires="a14">
           <p:sp>
             <p:nvSpPr>
               <p:cNvPr id="13" name="Oval 12">
@@ -20472,7 +21247,7 @@
             </p:txBody>
           </p:sp>
         </mc:Choice>
-        <mc:Fallback>
+        <mc:Fallback xmlns="">
           <p:sp>
             <p:nvSpPr>
               <p:cNvPr id="13" name="Oval 12">
@@ -20612,8 +21387,8 @@
           </a:fontRef>
         </p:style>
       </p:cxnSp>
-      <mc:AlternateContent xmlns:mc="http://schemas.openxmlformats.org/markup-compatibility/2006">
-        <mc:Choice xmlns:a14="http://schemas.microsoft.com/office/drawing/2010/main" Requires="a14">
+      <mc:AlternateContent xmlns:mc="http://schemas.openxmlformats.org/markup-compatibility/2006" xmlns:a14="http://schemas.microsoft.com/office/drawing/2010/main">
+        <mc:Choice Requires="a14">
           <p:sp>
             <p:nvSpPr>
               <p:cNvPr id="32" name="TextBox 31">
@@ -20731,7 +21506,7 @@
             </p:txBody>
           </p:sp>
         </mc:Choice>
-        <mc:Fallback>
+        <mc:Fallback xmlns="">
           <p:sp>
             <p:nvSpPr>
               <p:cNvPr id="32" name="TextBox 31">
@@ -20776,8 +21551,8 @@
           </p:sp>
         </mc:Fallback>
       </mc:AlternateContent>
-      <mc:AlternateContent xmlns:mc="http://schemas.openxmlformats.org/markup-compatibility/2006">
-        <mc:Choice xmlns:a14="http://schemas.microsoft.com/office/drawing/2010/main" Requires="a14">
+      <mc:AlternateContent xmlns:mc="http://schemas.openxmlformats.org/markup-compatibility/2006" xmlns:a14="http://schemas.microsoft.com/office/drawing/2010/main">
+        <mc:Choice Requires="a14">
           <p:sp>
             <p:nvSpPr>
               <p:cNvPr id="17" name="Oval 16">
@@ -20871,7 +21646,7 @@
             </p:txBody>
           </p:sp>
         </mc:Choice>
-        <mc:Fallback>
+        <mc:Fallback xmlns="">
           <p:sp>
             <p:nvSpPr>
               <p:cNvPr id="17" name="Oval 16">
@@ -20961,8 +21736,8 @@
           </a:fontRef>
         </p:style>
       </p:cxnSp>
-      <mc:AlternateContent xmlns:mc="http://schemas.openxmlformats.org/markup-compatibility/2006">
-        <mc:Choice xmlns:a14="http://schemas.microsoft.com/office/drawing/2010/main" Requires="a14">
+      <mc:AlternateContent xmlns:mc="http://schemas.openxmlformats.org/markup-compatibility/2006" xmlns:a14="http://schemas.microsoft.com/office/drawing/2010/main">
+        <mc:Choice Requires="a14">
           <p:sp>
             <p:nvSpPr>
               <p:cNvPr id="18" name="Oval 17">
@@ -21056,7 +21831,7 @@
             </p:txBody>
           </p:sp>
         </mc:Choice>
-        <mc:Fallback>
+        <mc:Fallback xmlns="">
           <p:sp>
             <p:nvSpPr>
               <p:cNvPr id="18" name="Oval 17">
@@ -21146,8 +21921,8 @@
           </a:fontRef>
         </p:style>
       </p:cxnSp>
-      <mc:AlternateContent xmlns:mc="http://schemas.openxmlformats.org/markup-compatibility/2006">
-        <mc:Choice xmlns:a14="http://schemas.microsoft.com/office/drawing/2010/main" Requires="a14">
+      <mc:AlternateContent xmlns:mc="http://schemas.openxmlformats.org/markup-compatibility/2006" xmlns:a14="http://schemas.microsoft.com/office/drawing/2010/main">
+        <mc:Choice Requires="a14">
           <p:sp>
             <p:nvSpPr>
               <p:cNvPr id="28" name="TextBox 27">
@@ -21229,7 +22004,7 @@
             </p:txBody>
           </p:sp>
         </mc:Choice>
-        <mc:Fallback>
+        <mc:Fallback xmlns="">
           <p:sp>
             <p:nvSpPr>
               <p:cNvPr id="28" name="TextBox 27">
@@ -21274,8 +22049,8 @@
           </p:sp>
         </mc:Fallback>
       </mc:AlternateContent>
-      <mc:AlternateContent xmlns:mc="http://schemas.openxmlformats.org/markup-compatibility/2006">
-        <mc:Choice xmlns:a14="http://schemas.microsoft.com/office/drawing/2010/main" Requires="a14">
+      <mc:AlternateContent xmlns:mc="http://schemas.openxmlformats.org/markup-compatibility/2006" xmlns:a14="http://schemas.microsoft.com/office/drawing/2010/main">
+        <mc:Choice Requires="a14">
           <p:sp>
             <p:nvSpPr>
               <p:cNvPr id="31" name="TextBox 30">
@@ -21357,7 +22132,7 @@
             </p:txBody>
           </p:sp>
         </mc:Choice>
-        <mc:Fallback>
+        <mc:Fallback xmlns="">
           <p:sp>
             <p:nvSpPr>
               <p:cNvPr id="31" name="TextBox 30">
@@ -21402,8 +22177,8 @@
           </p:sp>
         </mc:Fallback>
       </mc:AlternateContent>
-      <mc:AlternateContent xmlns:mc="http://schemas.openxmlformats.org/markup-compatibility/2006">
-        <mc:Choice xmlns:a14="http://schemas.microsoft.com/office/drawing/2010/main" Requires="a14">
+      <mc:AlternateContent xmlns:mc="http://schemas.openxmlformats.org/markup-compatibility/2006" xmlns:a14="http://schemas.microsoft.com/office/drawing/2010/main">
+        <mc:Choice Requires="a14">
           <p:sp>
             <p:nvSpPr>
               <p:cNvPr id="33" name="TextBox 32">
@@ -21485,7 +22260,7 @@
             </p:txBody>
           </p:sp>
         </mc:Choice>
-        <mc:Fallback>
+        <mc:Fallback xmlns="">
           <p:sp>
             <p:nvSpPr>
               <p:cNvPr id="33" name="TextBox 32">
@@ -21530,8 +22305,8 @@
           </p:sp>
         </mc:Fallback>
       </mc:AlternateContent>
-      <mc:AlternateContent xmlns:mc="http://schemas.openxmlformats.org/markup-compatibility/2006">
-        <mc:Choice xmlns:a14="http://schemas.microsoft.com/office/drawing/2010/main" Requires="a14">
+      <mc:AlternateContent xmlns:mc="http://schemas.openxmlformats.org/markup-compatibility/2006" xmlns:a14="http://schemas.microsoft.com/office/drawing/2010/main">
+        <mc:Choice Requires="a14">
           <p:sp>
             <p:nvSpPr>
               <p:cNvPr id="34" name="TextBox 33">
@@ -21613,7 +22388,7 @@
             </p:txBody>
           </p:sp>
         </mc:Choice>
-        <mc:Fallback>
+        <mc:Fallback xmlns="">
           <p:sp>
             <p:nvSpPr>
               <p:cNvPr id="34" name="TextBox 33">
@@ -21658,8 +22433,8 @@
           </p:sp>
         </mc:Fallback>
       </mc:AlternateContent>
-      <mc:AlternateContent xmlns:mc="http://schemas.openxmlformats.org/markup-compatibility/2006">
-        <mc:Choice xmlns:a14="http://schemas.microsoft.com/office/drawing/2010/main" Requires="a14">
+      <mc:AlternateContent xmlns:mc="http://schemas.openxmlformats.org/markup-compatibility/2006" xmlns:a14="http://schemas.microsoft.com/office/drawing/2010/main">
+        <mc:Choice Requires="a14">
           <p:sp>
             <p:nvSpPr>
               <p:cNvPr id="35" name="TextBox 34">
@@ -21741,7 +22516,7 @@
             </p:txBody>
           </p:sp>
         </mc:Choice>
-        <mc:Fallback>
+        <mc:Fallback xmlns="">
           <p:sp>
             <p:nvSpPr>
               <p:cNvPr id="35" name="TextBox 34">
@@ -21786,8 +22561,8 @@
           </p:sp>
         </mc:Fallback>
       </mc:AlternateContent>
-      <mc:AlternateContent xmlns:mc="http://schemas.openxmlformats.org/markup-compatibility/2006">
-        <mc:Choice xmlns:a14="http://schemas.microsoft.com/office/drawing/2010/main" Requires="a14">
+      <mc:AlternateContent xmlns:mc="http://schemas.openxmlformats.org/markup-compatibility/2006" xmlns:a14="http://schemas.microsoft.com/office/drawing/2010/main">
+        <mc:Choice Requires="a14">
           <p:sp>
             <p:nvSpPr>
               <p:cNvPr id="36" name="TextBox 35">
@@ -21869,7 +22644,7 @@
             </p:txBody>
           </p:sp>
         </mc:Choice>
-        <mc:Fallback>
+        <mc:Fallback xmlns="">
           <p:sp>
             <p:nvSpPr>
               <p:cNvPr id="36" name="TextBox 35">
@@ -21914,8 +22689,8 @@
           </p:sp>
         </mc:Fallback>
       </mc:AlternateContent>
-      <mc:AlternateContent xmlns:mc="http://schemas.openxmlformats.org/markup-compatibility/2006">
-        <mc:Choice xmlns:a14="http://schemas.microsoft.com/office/drawing/2010/main" Requires="a14">
+      <mc:AlternateContent xmlns:mc="http://schemas.openxmlformats.org/markup-compatibility/2006" xmlns:a14="http://schemas.microsoft.com/office/drawing/2010/main">
+        <mc:Choice Requires="a14">
           <p:sp>
             <p:nvSpPr>
               <p:cNvPr id="37" name="TextBox 36">
@@ -21997,7 +22772,7 @@
             </p:txBody>
           </p:sp>
         </mc:Choice>
-        <mc:Fallback>
+        <mc:Fallback xmlns="">
           <p:sp>
             <p:nvSpPr>
               <p:cNvPr id="37" name="TextBox 36">
@@ -22042,8 +22817,8 @@
           </p:sp>
         </mc:Fallback>
       </mc:AlternateContent>
-      <mc:AlternateContent xmlns:mc="http://schemas.openxmlformats.org/markup-compatibility/2006">
-        <mc:Choice xmlns:a14="http://schemas.microsoft.com/office/drawing/2010/main" Requires="a14">
+      <mc:AlternateContent xmlns:mc="http://schemas.openxmlformats.org/markup-compatibility/2006" xmlns:a14="http://schemas.microsoft.com/office/drawing/2010/main">
+        <mc:Choice Requires="a14">
           <p:sp>
             <p:nvSpPr>
               <p:cNvPr id="38" name="TextBox 37">
@@ -22125,7 +22900,7 @@
             </p:txBody>
           </p:sp>
         </mc:Choice>
-        <mc:Fallback>
+        <mc:Fallback xmlns="">
           <p:sp>
             <p:nvSpPr>
               <p:cNvPr id="38" name="TextBox 37">
@@ -22435,8 +23210,8 @@
           </a:p>
         </p:txBody>
       </p:sp>
-      <mc:AlternateContent xmlns:mc="http://schemas.openxmlformats.org/markup-compatibility/2006">
-        <mc:Choice xmlns:a14="http://schemas.microsoft.com/office/drawing/2010/main" Requires="a14">
+      <mc:AlternateContent xmlns:mc="http://schemas.openxmlformats.org/markup-compatibility/2006" xmlns:a14="http://schemas.microsoft.com/office/drawing/2010/main">
+        <mc:Choice Requires="a14">
           <p:sp>
             <p:nvSpPr>
               <p:cNvPr id="5" name="Oval 4">
@@ -22522,7 +23297,7 @@
             </p:txBody>
           </p:sp>
         </mc:Choice>
-        <mc:Fallback>
+        <mc:Fallback xmlns="">
           <p:sp>
             <p:nvSpPr>
               <p:cNvPr id="5" name="Oval 4">
@@ -22995,8 +23770,8 @@
           </a:p>
         </p:txBody>
       </p:sp>
-      <mc:AlternateContent xmlns:mc="http://schemas.openxmlformats.org/markup-compatibility/2006">
-        <mc:Choice xmlns:a14="http://schemas.microsoft.com/office/drawing/2010/main" Requires="a14">
+      <mc:AlternateContent xmlns:mc="http://schemas.openxmlformats.org/markup-compatibility/2006" xmlns:a14="http://schemas.microsoft.com/office/drawing/2010/main">
+        <mc:Choice Requires="a14">
           <p:sp>
             <p:nvSpPr>
               <p:cNvPr id="2" name="Oval 1">
@@ -23082,7 +23857,7 @@
             </p:txBody>
           </p:sp>
         </mc:Choice>
-        <mc:Fallback>
+        <mc:Fallback xmlns="">
           <p:sp>
             <p:nvSpPr>
               <p:cNvPr id="2" name="Oval 1">
@@ -23217,8 +23992,8 @@
           </a:fontRef>
         </p:style>
       </p:cxnSp>
-      <mc:AlternateContent xmlns:mc="http://schemas.openxmlformats.org/markup-compatibility/2006">
-        <mc:Choice xmlns:a14="http://schemas.microsoft.com/office/drawing/2010/main" Requires="a14">
+      <mc:AlternateContent xmlns:mc="http://schemas.openxmlformats.org/markup-compatibility/2006" xmlns:a14="http://schemas.microsoft.com/office/drawing/2010/main">
+        <mc:Choice Requires="a14">
           <p:sp>
             <p:nvSpPr>
               <p:cNvPr id="13" name="Oval 12">
@@ -23293,7 +24068,7 @@
             </p:txBody>
           </p:sp>
         </mc:Choice>
-        <mc:Fallback>
+        <mc:Fallback xmlns="">
           <p:sp>
             <p:nvSpPr>
               <p:cNvPr id="13" name="Oval 12">
@@ -23433,8 +24208,8 @@
           </a:fontRef>
         </p:style>
       </p:cxnSp>
-      <mc:AlternateContent xmlns:mc="http://schemas.openxmlformats.org/markup-compatibility/2006">
-        <mc:Choice xmlns:a14="http://schemas.microsoft.com/office/drawing/2010/main" Requires="a14">
+      <mc:AlternateContent xmlns:mc="http://schemas.openxmlformats.org/markup-compatibility/2006" xmlns:a14="http://schemas.microsoft.com/office/drawing/2010/main">
+        <mc:Choice Requires="a14">
           <p:sp>
             <p:nvSpPr>
               <p:cNvPr id="32" name="TextBox 31">
@@ -23685,7 +24460,7 @@
             </p:txBody>
           </p:sp>
         </mc:Choice>
-        <mc:Fallback>
+        <mc:Fallback xmlns="">
           <p:sp>
             <p:nvSpPr>
               <p:cNvPr id="32" name="TextBox 31">
@@ -23730,8 +24505,8 @@
           </p:sp>
         </mc:Fallback>
       </mc:AlternateContent>
-      <mc:AlternateContent xmlns:mc="http://schemas.openxmlformats.org/markup-compatibility/2006">
-        <mc:Choice xmlns:a14="http://schemas.microsoft.com/office/drawing/2010/main" Requires="a14">
+      <mc:AlternateContent xmlns:mc="http://schemas.openxmlformats.org/markup-compatibility/2006" xmlns:a14="http://schemas.microsoft.com/office/drawing/2010/main">
+        <mc:Choice Requires="a14">
           <p:sp>
             <p:nvSpPr>
               <p:cNvPr id="8" name="TextBox 7">
@@ -23813,7 +24588,7 @@
             </p:txBody>
           </p:sp>
         </mc:Choice>
-        <mc:Fallback>
+        <mc:Fallback xmlns="">
           <p:sp>
             <p:nvSpPr>
               <p:cNvPr id="8" name="TextBox 7">
@@ -23858,8 +24633,8 @@
           </p:sp>
         </mc:Fallback>
       </mc:AlternateContent>
-      <mc:AlternateContent xmlns:mc="http://schemas.openxmlformats.org/markup-compatibility/2006">
-        <mc:Choice xmlns:a14="http://schemas.microsoft.com/office/drawing/2010/main" Requires="a14">
+      <mc:AlternateContent xmlns:mc="http://schemas.openxmlformats.org/markup-compatibility/2006" xmlns:a14="http://schemas.microsoft.com/office/drawing/2010/main">
+        <mc:Choice Requires="a14">
           <p:sp>
             <p:nvSpPr>
               <p:cNvPr id="10" name="TextBox 9">
@@ -23941,7 +24716,7 @@
             </p:txBody>
           </p:sp>
         </mc:Choice>
-        <mc:Fallback>
+        <mc:Fallback xmlns="">
           <p:sp>
             <p:nvSpPr>
               <p:cNvPr id="10" name="TextBox 9">
@@ -23986,8 +24761,8 @@
           </p:sp>
         </mc:Fallback>
       </mc:AlternateContent>
-      <mc:AlternateContent xmlns:mc="http://schemas.openxmlformats.org/markup-compatibility/2006">
-        <mc:Choice xmlns:a14="http://schemas.microsoft.com/office/drawing/2010/main" Requires="a14">
+      <mc:AlternateContent xmlns:mc="http://schemas.openxmlformats.org/markup-compatibility/2006" xmlns:a14="http://schemas.microsoft.com/office/drawing/2010/main">
+        <mc:Choice Requires="a14">
           <p:sp>
             <p:nvSpPr>
               <p:cNvPr id="17" name="Oval 16">
@@ -24081,7 +24856,7 @@
             </p:txBody>
           </p:sp>
         </mc:Choice>
-        <mc:Fallback>
+        <mc:Fallback xmlns="">
           <p:sp>
             <p:nvSpPr>
               <p:cNvPr id="17" name="Oval 16">
@@ -24171,8 +24946,8 @@
           </a:fontRef>
         </p:style>
       </p:cxnSp>
-      <mc:AlternateContent xmlns:mc="http://schemas.openxmlformats.org/markup-compatibility/2006">
-        <mc:Choice xmlns:a14="http://schemas.microsoft.com/office/drawing/2010/main" Requires="a14">
+      <mc:AlternateContent xmlns:mc="http://schemas.openxmlformats.org/markup-compatibility/2006" xmlns:a14="http://schemas.microsoft.com/office/drawing/2010/main">
+        <mc:Choice Requires="a14">
           <p:sp>
             <p:nvSpPr>
               <p:cNvPr id="18" name="Oval 17">
@@ -24266,7 +25041,7 @@
             </p:txBody>
           </p:sp>
         </mc:Choice>
-        <mc:Fallback>
+        <mc:Fallback xmlns="">
           <p:sp>
             <p:nvSpPr>
               <p:cNvPr id="18" name="Oval 17">
@@ -24356,8 +25131,8 @@
           </a:fontRef>
         </p:style>
       </p:cxnSp>
-      <mc:AlternateContent xmlns:mc="http://schemas.openxmlformats.org/markup-compatibility/2006">
-        <mc:Choice xmlns:a14="http://schemas.microsoft.com/office/drawing/2010/main" Requires="a14">
+      <mc:AlternateContent xmlns:mc="http://schemas.openxmlformats.org/markup-compatibility/2006" xmlns:a14="http://schemas.microsoft.com/office/drawing/2010/main">
+        <mc:Choice Requires="a14">
           <p:sp>
             <p:nvSpPr>
               <p:cNvPr id="3" name="Oval 2">
@@ -24432,7 +25207,7 @@
             </p:txBody>
           </p:sp>
         </mc:Choice>
-        <mc:Fallback>
+        <mc:Fallback xmlns="">
           <p:sp>
             <p:nvSpPr>
               <p:cNvPr id="3" name="Oval 2">
@@ -24527,8 +25302,8 @@
           </a:fontRef>
         </p:style>
       </p:cxnSp>
-      <mc:AlternateContent xmlns:mc="http://schemas.openxmlformats.org/markup-compatibility/2006">
-        <mc:Choice xmlns:a14="http://schemas.microsoft.com/office/drawing/2010/main" Requires="a14">
+      <mc:AlternateContent xmlns:mc="http://schemas.openxmlformats.org/markup-compatibility/2006" xmlns:a14="http://schemas.microsoft.com/office/drawing/2010/main">
+        <mc:Choice Requires="a14">
           <p:sp>
             <p:nvSpPr>
               <p:cNvPr id="30" name="TextBox 29">
@@ -24610,7 +25385,7 @@
             </p:txBody>
           </p:sp>
         </mc:Choice>
-        <mc:Fallback>
+        <mc:Fallback xmlns="">
           <p:sp>
             <p:nvSpPr>
               <p:cNvPr id="30" name="TextBox 29">
@@ -24655,8 +25430,8 @@
           </p:sp>
         </mc:Fallback>
       </mc:AlternateContent>
-      <mc:AlternateContent xmlns:mc="http://schemas.openxmlformats.org/markup-compatibility/2006">
-        <mc:Choice xmlns:a14="http://schemas.microsoft.com/office/drawing/2010/main" Requires="a14">
+      <mc:AlternateContent xmlns:mc="http://schemas.openxmlformats.org/markup-compatibility/2006" xmlns:a14="http://schemas.microsoft.com/office/drawing/2010/main">
+        <mc:Choice Requires="a14">
           <p:sp>
             <p:nvSpPr>
               <p:cNvPr id="34" name="TextBox 33">
@@ -24738,7 +25513,7 @@
             </p:txBody>
           </p:sp>
         </mc:Choice>
-        <mc:Fallback>
+        <mc:Fallback xmlns="">
           <p:sp>
             <p:nvSpPr>
               <p:cNvPr id="34" name="TextBox 33">
@@ -24783,8 +25558,8 @@
           </p:sp>
         </mc:Fallback>
       </mc:AlternateContent>
-      <mc:AlternateContent xmlns:mc="http://schemas.openxmlformats.org/markup-compatibility/2006">
-        <mc:Choice xmlns:a14="http://schemas.microsoft.com/office/drawing/2010/main" Requires="a14">
+      <mc:AlternateContent xmlns:mc="http://schemas.openxmlformats.org/markup-compatibility/2006" xmlns:a14="http://schemas.microsoft.com/office/drawing/2010/main">
+        <mc:Choice Requires="a14">
           <p:sp>
             <p:nvSpPr>
               <p:cNvPr id="35" name="TextBox 34">
@@ -24866,7 +25641,7 @@
             </p:txBody>
           </p:sp>
         </mc:Choice>
-        <mc:Fallback>
+        <mc:Fallback xmlns="">
           <p:sp>
             <p:nvSpPr>
               <p:cNvPr id="35" name="TextBox 34">
@@ -24911,8 +25686,8 @@
           </p:sp>
         </mc:Fallback>
       </mc:AlternateContent>
-      <mc:AlternateContent xmlns:mc="http://schemas.openxmlformats.org/markup-compatibility/2006">
-        <mc:Choice xmlns:a14="http://schemas.microsoft.com/office/drawing/2010/main" Requires="a14">
+      <mc:AlternateContent xmlns:mc="http://schemas.openxmlformats.org/markup-compatibility/2006" xmlns:a14="http://schemas.microsoft.com/office/drawing/2010/main">
+        <mc:Choice Requires="a14">
           <p:sp>
             <p:nvSpPr>
               <p:cNvPr id="37" name="TextBox 36">
@@ -24994,7 +25769,7 @@
             </p:txBody>
           </p:sp>
         </mc:Choice>
-        <mc:Fallback>
+        <mc:Fallback xmlns="">
           <p:sp>
             <p:nvSpPr>
               <p:cNvPr id="37" name="TextBox 36">
@@ -25532,7 +26307,19 @@
           <a:p>
             <a:r>
               <a:rPr lang="en-US" sz="3000" dirty="0"/>
-              <a:t>Also known as artificial neural networks (ANNs) are a subset of machine learning and are at the heart of deep learning algorithms. </a:t>
+              <a:t>Also known as artificial neural networks (ANNs) are a subset of machine learning and are at the heart of </a:t>
+            </a:r>
+            <a:r>
+              <a:rPr lang="en-US" sz="3000" b="1" dirty="0">
+                <a:solidFill>
+                  <a:srgbClr val="00B0F0"/>
+                </a:solidFill>
+              </a:rPr>
+              <a:t>deep learning algorithms</a:t>
+            </a:r>
+            <a:r>
+              <a:rPr lang="en-US" sz="3000" dirty="0"/>
+              <a:t>. </a:t>
             </a:r>
           </a:p>
           <a:p>
@@ -25722,8 +26509,8 @@
           </a:p>
         </p:txBody>
       </p:sp>
-      <mc:AlternateContent xmlns:mc="http://schemas.openxmlformats.org/markup-compatibility/2006">
-        <mc:Choice xmlns:a14="http://schemas.microsoft.com/office/drawing/2010/main" Requires="a14">
+      <mc:AlternateContent xmlns:mc="http://schemas.openxmlformats.org/markup-compatibility/2006" xmlns:a14="http://schemas.microsoft.com/office/drawing/2010/main">
+        <mc:Choice Requires="a14">
           <p:sp>
             <p:nvSpPr>
               <p:cNvPr id="5" name="Oval 4">
@@ -25809,7 +26596,7 @@
             </p:txBody>
           </p:sp>
         </mc:Choice>
-        <mc:Fallback>
+        <mc:Fallback xmlns="">
           <p:sp>
             <p:nvSpPr>
               <p:cNvPr id="5" name="Oval 4">
@@ -26282,8 +27069,8 @@
           </a:p>
         </p:txBody>
       </p:sp>
-      <mc:AlternateContent xmlns:mc="http://schemas.openxmlformats.org/markup-compatibility/2006">
-        <mc:Choice xmlns:a14="http://schemas.microsoft.com/office/drawing/2010/main" Requires="a14">
+      <mc:AlternateContent xmlns:mc="http://schemas.openxmlformats.org/markup-compatibility/2006" xmlns:a14="http://schemas.microsoft.com/office/drawing/2010/main">
+        <mc:Choice Requires="a14">
           <p:sp>
             <p:nvSpPr>
               <p:cNvPr id="2" name="Oval 1">
@@ -26369,7 +27156,7 @@
             </p:txBody>
           </p:sp>
         </mc:Choice>
-        <mc:Fallback>
+        <mc:Fallback xmlns="">
           <p:sp>
             <p:nvSpPr>
               <p:cNvPr id="2" name="Oval 1">
@@ -26504,8 +27291,8 @@
           </a:fontRef>
         </p:style>
       </p:cxnSp>
-      <mc:AlternateContent xmlns:mc="http://schemas.openxmlformats.org/markup-compatibility/2006">
-        <mc:Choice xmlns:a14="http://schemas.microsoft.com/office/drawing/2010/main" Requires="a14">
+      <mc:AlternateContent xmlns:mc="http://schemas.openxmlformats.org/markup-compatibility/2006" xmlns:a14="http://schemas.microsoft.com/office/drawing/2010/main">
+        <mc:Choice Requires="a14">
           <p:sp>
             <p:nvSpPr>
               <p:cNvPr id="13" name="Oval 12">
@@ -26580,7 +27367,7 @@
             </p:txBody>
           </p:sp>
         </mc:Choice>
-        <mc:Fallback>
+        <mc:Fallback xmlns="">
           <p:sp>
             <p:nvSpPr>
               <p:cNvPr id="13" name="Oval 12">
@@ -26720,8 +27507,8 @@
           </a:fontRef>
         </p:style>
       </p:cxnSp>
-      <mc:AlternateContent xmlns:mc="http://schemas.openxmlformats.org/markup-compatibility/2006">
-        <mc:Choice xmlns:a14="http://schemas.microsoft.com/office/drawing/2010/main" Requires="a14">
+      <mc:AlternateContent xmlns:mc="http://schemas.openxmlformats.org/markup-compatibility/2006" xmlns:a14="http://schemas.microsoft.com/office/drawing/2010/main">
+        <mc:Choice Requires="a14">
           <p:sp>
             <p:nvSpPr>
               <p:cNvPr id="8" name="TextBox 7">
@@ -26803,7 +27590,7 @@
             </p:txBody>
           </p:sp>
         </mc:Choice>
-        <mc:Fallback>
+        <mc:Fallback xmlns="">
           <p:sp>
             <p:nvSpPr>
               <p:cNvPr id="8" name="TextBox 7">
@@ -26848,8 +27635,8 @@
           </p:sp>
         </mc:Fallback>
       </mc:AlternateContent>
-      <mc:AlternateContent xmlns:mc="http://schemas.openxmlformats.org/markup-compatibility/2006">
-        <mc:Choice xmlns:a14="http://schemas.microsoft.com/office/drawing/2010/main" Requires="a14">
+      <mc:AlternateContent xmlns:mc="http://schemas.openxmlformats.org/markup-compatibility/2006" xmlns:a14="http://schemas.microsoft.com/office/drawing/2010/main">
+        <mc:Choice Requires="a14">
           <p:sp>
             <p:nvSpPr>
               <p:cNvPr id="10" name="TextBox 9">
@@ -26931,7 +27718,7 @@
             </p:txBody>
           </p:sp>
         </mc:Choice>
-        <mc:Fallback>
+        <mc:Fallback xmlns="">
           <p:sp>
             <p:nvSpPr>
               <p:cNvPr id="10" name="TextBox 9">
@@ -26976,8 +27763,8 @@
           </p:sp>
         </mc:Fallback>
       </mc:AlternateContent>
-      <mc:AlternateContent xmlns:mc="http://schemas.openxmlformats.org/markup-compatibility/2006">
-        <mc:Choice xmlns:a14="http://schemas.microsoft.com/office/drawing/2010/main" Requires="a14">
+      <mc:AlternateContent xmlns:mc="http://schemas.openxmlformats.org/markup-compatibility/2006" xmlns:a14="http://schemas.microsoft.com/office/drawing/2010/main">
+        <mc:Choice Requires="a14">
           <p:sp>
             <p:nvSpPr>
               <p:cNvPr id="17" name="Oval 16">
@@ -27071,7 +27858,7 @@
             </p:txBody>
           </p:sp>
         </mc:Choice>
-        <mc:Fallback>
+        <mc:Fallback xmlns="">
           <p:sp>
             <p:nvSpPr>
               <p:cNvPr id="17" name="Oval 16">
@@ -27161,8 +27948,8 @@
           </a:fontRef>
         </p:style>
       </p:cxnSp>
-      <mc:AlternateContent xmlns:mc="http://schemas.openxmlformats.org/markup-compatibility/2006">
-        <mc:Choice xmlns:a14="http://schemas.microsoft.com/office/drawing/2010/main" Requires="a14">
+      <mc:AlternateContent xmlns:mc="http://schemas.openxmlformats.org/markup-compatibility/2006" xmlns:a14="http://schemas.microsoft.com/office/drawing/2010/main">
+        <mc:Choice Requires="a14">
           <p:sp>
             <p:nvSpPr>
               <p:cNvPr id="18" name="Oval 17">
@@ -27256,7 +28043,7 @@
             </p:txBody>
           </p:sp>
         </mc:Choice>
-        <mc:Fallback>
+        <mc:Fallback xmlns="">
           <p:sp>
             <p:nvSpPr>
               <p:cNvPr id="18" name="Oval 17">
@@ -27346,8 +28133,8 @@
           </a:fontRef>
         </p:style>
       </p:cxnSp>
-      <mc:AlternateContent xmlns:mc="http://schemas.openxmlformats.org/markup-compatibility/2006">
-        <mc:Choice xmlns:a14="http://schemas.microsoft.com/office/drawing/2010/main" Requires="a14">
+      <mc:AlternateContent xmlns:mc="http://schemas.openxmlformats.org/markup-compatibility/2006" xmlns:a14="http://schemas.microsoft.com/office/drawing/2010/main">
+        <mc:Choice Requires="a14">
           <p:sp>
             <p:nvSpPr>
               <p:cNvPr id="3" name="Oval 2">
@@ -27422,7 +28209,7 @@
             </p:txBody>
           </p:sp>
         </mc:Choice>
-        <mc:Fallback>
+        <mc:Fallback xmlns="">
           <p:sp>
             <p:nvSpPr>
               <p:cNvPr id="3" name="Oval 2">
@@ -27517,8 +28304,8 @@
           </a:fontRef>
         </p:style>
       </p:cxnSp>
-      <mc:AlternateContent xmlns:mc="http://schemas.openxmlformats.org/markup-compatibility/2006">
-        <mc:Choice xmlns:a14="http://schemas.microsoft.com/office/drawing/2010/main" Requires="a14">
+      <mc:AlternateContent xmlns:mc="http://schemas.openxmlformats.org/markup-compatibility/2006" xmlns:a14="http://schemas.microsoft.com/office/drawing/2010/main">
+        <mc:Choice Requires="a14">
           <p:sp>
             <p:nvSpPr>
               <p:cNvPr id="30" name="TextBox 29">
@@ -27600,7 +28387,7 @@
             </p:txBody>
           </p:sp>
         </mc:Choice>
-        <mc:Fallback>
+        <mc:Fallback xmlns="">
           <p:sp>
             <p:nvSpPr>
               <p:cNvPr id="30" name="TextBox 29">
@@ -27665,8 +28452,8 @@
             <a:chExt cx="7102014" cy="2821953"/>
           </a:xfrm>
         </p:grpSpPr>
-        <mc:AlternateContent xmlns:mc="http://schemas.openxmlformats.org/markup-compatibility/2006">
-          <mc:Choice xmlns:a14="http://schemas.microsoft.com/office/drawing/2010/main" Requires="a14">
+        <mc:AlternateContent xmlns:mc="http://schemas.openxmlformats.org/markup-compatibility/2006" xmlns:a14="http://schemas.microsoft.com/office/drawing/2010/main">
+          <mc:Choice Requires="a14">
             <p:sp>
               <p:nvSpPr>
                 <p:cNvPr id="32" name="TextBox 31">
@@ -27777,7 +28564,7 @@
               </p:txBody>
             </p:sp>
           </mc:Choice>
-          <mc:Fallback>
+          <mc:Fallback xmlns="">
             <p:sp>
               <p:nvSpPr>
                 <p:cNvPr id="32" name="TextBox 31">
@@ -27822,8 +28609,8 @@
             </p:sp>
           </mc:Fallback>
         </mc:AlternateContent>
-        <mc:AlternateContent xmlns:mc="http://schemas.openxmlformats.org/markup-compatibility/2006">
-          <mc:Choice xmlns:a14="http://schemas.microsoft.com/office/drawing/2010/main" Requires="a14">
+        <mc:AlternateContent xmlns:mc="http://schemas.openxmlformats.org/markup-compatibility/2006" xmlns:a14="http://schemas.microsoft.com/office/drawing/2010/main">
+          <mc:Choice Requires="a14">
             <p:sp>
               <p:nvSpPr>
                 <p:cNvPr id="19" name="Oval 18">
@@ -27904,7 +28691,7 @@
               </p:txBody>
             </p:sp>
           </mc:Choice>
-          <mc:Fallback>
+          <mc:Fallback xmlns="">
             <p:sp>
               <p:nvSpPr>
                 <p:cNvPr id="19" name="Oval 18">
@@ -27995,8 +28782,8 @@
           </p:style>
         </p:cxnSp>
       </p:grpSp>
-      <mc:AlternateContent xmlns:mc="http://schemas.openxmlformats.org/markup-compatibility/2006">
-        <mc:Choice xmlns:a14="http://schemas.microsoft.com/office/drawing/2010/main" Requires="a14">
+      <mc:AlternateContent xmlns:mc="http://schemas.openxmlformats.org/markup-compatibility/2006" xmlns:a14="http://schemas.microsoft.com/office/drawing/2010/main">
+        <mc:Choice Requires="a14">
           <p:sp>
             <p:nvSpPr>
               <p:cNvPr id="28" name="TextBox 27">
@@ -28078,7 +28865,7 @@
             </p:txBody>
           </p:sp>
         </mc:Choice>
-        <mc:Fallback>
+        <mc:Fallback xmlns="">
           <p:sp>
             <p:nvSpPr>
               <p:cNvPr id="28" name="TextBox 27">
@@ -28123,8 +28910,8 @@
           </p:sp>
         </mc:Fallback>
       </mc:AlternateContent>
-      <mc:AlternateContent xmlns:mc="http://schemas.openxmlformats.org/markup-compatibility/2006">
-        <mc:Choice xmlns:a14="http://schemas.microsoft.com/office/drawing/2010/main" Requires="a14">
+      <mc:AlternateContent xmlns:mc="http://schemas.openxmlformats.org/markup-compatibility/2006" xmlns:a14="http://schemas.microsoft.com/office/drawing/2010/main">
+        <mc:Choice Requires="a14">
           <p:sp>
             <p:nvSpPr>
               <p:cNvPr id="31" name="TextBox 30">
@@ -28206,7 +28993,7 @@
             </p:txBody>
           </p:sp>
         </mc:Choice>
-        <mc:Fallback>
+        <mc:Fallback xmlns="">
           <p:sp>
             <p:nvSpPr>
               <p:cNvPr id="31" name="TextBox 30">
@@ -28251,8 +29038,8 @@
           </p:sp>
         </mc:Fallback>
       </mc:AlternateContent>
-      <mc:AlternateContent xmlns:mc="http://schemas.openxmlformats.org/markup-compatibility/2006">
-        <mc:Choice xmlns:a14="http://schemas.microsoft.com/office/drawing/2010/main" Requires="a14">
+      <mc:AlternateContent xmlns:mc="http://schemas.openxmlformats.org/markup-compatibility/2006" xmlns:a14="http://schemas.microsoft.com/office/drawing/2010/main">
+        <mc:Choice Requires="a14">
           <p:sp>
             <p:nvSpPr>
               <p:cNvPr id="33" name="TextBox 32">
@@ -28334,7 +29121,7 @@
             </p:txBody>
           </p:sp>
         </mc:Choice>
-        <mc:Fallback>
+        <mc:Fallback xmlns="">
           <p:sp>
             <p:nvSpPr>
               <p:cNvPr id="33" name="TextBox 32">
@@ -28568,7 +29355,7 @@
           <a:p>
             <a:r>
               <a:rPr lang="en-PH" sz="5000" b="1" dirty="0"/>
-              <a:t>Example</a:t>
+              <a:t>How do train a Neural Network?</a:t>
             </a:r>
           </a:p>
         </p:txBody>
@@ -28630,7 +29417,7 @@
     </p:spTree>
     <p:extLst>
       <p:ext uri="{BB962C8B-B14F-4D97-AF65-F5344CB8AC3E}">
-        <p14:creationId xmlns:p14="http://schemas.microsoft.com/office/powerpoint/2010/main" val="722632"/>
+        <p14:creationId xmlns:p14="http://schemas.microsoft.com/office/powerpoint/2010/main" val="3077406766"/>
       </p:ext>
     </p:extLst>
   </p:cSld>
@@ -28718,2756 +29505,105 @@
           </a:p>
         </p:txBody>
       </p:sp>
-      <mc:AlternateContent xmlns:mc="http://schemas.openxmlformats.org/markup-compatibility/2006">
-        <mc:Choice xmlns:a14="http://schemas.microsoft.com/office/drawing/2010/main" Requires="a14">
-          <p:sp>
-            <p:nvSpPr>
-              <p:cNvPr id="5" name="Oval 4">
-                <a:extLst>
-                  <a:ext uri="{FF2B5EF4-FFF2-40B4-BE49-F238E27FC236}">
-                    <a16:creationId xmlns:a16="http://schemas.microsoft.com/office/drawing/2014/main" id="{7C476479-EBF8-FEDE-177F-E19A87A4D7B3}"/>
-                  </a:ext>
-                </a:extLst>
-              </p:cNvPr>
-              <p:cNvSpPr/>
-              <p:nvPr/>
-            </p:nvSpPr>
-            <p:spPr>
-              <a:xfrm>
-                <a:off x="2068411" y="835231"/>
-                <a:ext cx="914400" cy="914400"/>
-              </a:xfrm>
-              <a:prstGeom prst="ellipse">
-                <a:avLst/>
-              </a:prstGeom>
-            </p:spPr>
-            <p:style>
-              <a:lnRef idx="1">
-                <a:schemeClr val="accent1"/>
-              </a:lnRef>
-              <a:fillRef idx="3">
-                <a:schemeClr val="accent1"/>
-              </a:fillRef>
-              <a:effectRef idx="2">
-                <a:schemeClr val="accent1"/>
-              </a:effectRef>
-              <a:fontRef idx="minor">
-                <a:schemeClr val="lt1"/>
-              </a:fontRef>
-            </p:style>
-            <p:txBody>
-              <a:bodyPr rtlCol="0" anchor="ctr"/>
-              <a:lstStyle/>
-              <a:p>
-                <a:pPr algn="ctr"/>
-                <a14:m>
-                  <m:oMathPara xmlns:m="http://schemas.openxmlformats.org/officeDocument/2006/math">
-                    <m:oMathParaPr>
-                      <m:jc m:val="centerGroup"/>
-                    </m:oMathParaPr>
-                    <m:oMath xmlns:m="http://schemas.openxmlformats.org/officeDocument/2006/math">
-                      <m:sSub>
-                        <m:sSubPr>
-                          <m:ctrlPr>
-                            <a:rPr lang="en-PH" sz="2500" i="1" smtClean="0">
-                              <a:latin typeface="Cambria Math" panose="02040503050406030204" pitchFamily="18" charset="0"/>
-                            </a:rPr>
-                          </m:ctrlPr>
-                        </m:sSubPr>
-                        <m:e>
-                          <m:r>
-                            <a:rPr lang="en-US" sz="2500" b="0" i="1" smtClean="0">
-                              <a:latin typeface="Cambria Math" panose="02040503050406030204" pitchFamily="18" charset="0"/>
-                            </a:rPr>
-                            <m:t> </m:t>
-                          </m:r>
-                          <m:r>
-                            <a:rPr lang="en-US" sz="2500" b="0" i="1" smtClean="0">
-                              <a:latin typeface="Cambria Math" panose="02040503050406030204" pitchFamily="18" charset="0"/>
-                            </a:rPr>
-                            <m:t>𝑥</m:t>
-                          </m:r>
-                        </m:e>
-                        <m:sub>
-                          <m:r>
-                            <a:rPr lang="en-US" sz="2500" b="0" i="1" smtClean="0">
-                              <a:latin typeface="Cambria Math" panose="02040503050406030204" pitchFamily="18" charset="0"/>
-                            </a:rPr>
-                            <m:t>1</m:t>
-                          </m:r>
-                        </m:sub>
-                      </m:sSub>
-                    </m:oMath>
-                  </m:oMathPara>
-                </a14:m>
-                <a:endParaRPr lang="en-PH" sz="2500" dirty="0"/>
-              </a:p>
-            </p:txBody>
-          </p:sp>
-        </mc:Choice>
-        <mc:Fallback>
-          <p:sp>
-            <p:nvSpPr>
-              <p:cNvPr id="5" name="Oval 4">
-                <a:extLst>
-                  <a:ext uri="{FF2B5EF4-FFF2-40B4-BE49-F238E27FC236}">
-                    <a16:creationId xmlns:a16="http://schemas.microsoft.com/office/drawing/2014/main" id="{7C476479-EBF8-FEDE-177F-E19A87A4D7B3}"/>
-                  </a:ext>
-                </a:extLst>
-              </p:cNvPr>
-              <p:cNvSpPr>
-                <a:spLocks noRot="1" noChangeAspect="1" noMove="1" noResize="1" noEditPoints="1" noAdjustHandles="1" noChangeArrowheads="1" noChangeShapeType="1" noTextEdit="1"/>
-              </p:cNvSpPr>
-              <p:nvPr/>
-            </p:nvSpPr>
-            <p:spPr>
-              <a:xfrm>
-                <a:off x="2068411" y="835231"/>
-                <a:ext cx="914400" cy="914400"/>
-              </a:xfrm>
-              <a:prstGeom prst="ellipse">
-                <a:avLst/>
-              </a:prstGeom>
-              <a:blipFill>
-                <a:blip r:embed="rId4"/>
-                <a:stretch>
-                  <a:fillRect/>
-                </a:stretch>
-              </a:blipFill>
-            </p:spPr>
-            <p:txBody>
-              <a:bodyPr/>
-              <a:lstStyle/>
-              <a:p>
-                <a:r>
-                  <a:rPr lang="en-PH">
-                    <a:noFill/>
-                  </a:rPr>
-                  <a:t> </a:t>
-                </a:r>
-              </a:p>
-            </p:txBody>
-          </p:sp>
-        </mc:Fallback>
-      </mc:AlternateContent>
       <p:sp>
         <p:nvSpPr>
-          <p:cNvPr id="6" name="Oval 5">
+          <p:cNvPr id="5" name="Title 1">
             <a:extLst>
               <a:ext uri="{FF2B5EF4-FFF2-40B4-BE49-F238E27FC236}">
-                <a16:creationId xmlns:a16="http://schemas.microsoft.com/office/drawing/2014/main" id="{C5BCFE37-2389-A586-8C02-247EA31C5742}"/>
+                <a16:creationId xmlns:a16="http://schemas.microsoft.com/office/drawing/2014/main" id="{2FC0FD6B-4817-4999-6E57-104507E162A9}"/>
               </a:ext>
             </a:extLst>
           </p:cNvPr>
-          <p:cNvSpPr/>
-          <p:nvPr/>
+          <p:cNvSpPr>
+            <a:spLocks noGrp="1"/>
+          </p:cNvSpPr>
+          <p:nvPr>
+            <p:ph type="ctrTitle"/>
+          </p:nvPr>
         </p:nvSpPr>
         <p:spPr>
           <a:xfrm>
-            <a:off x="5181600" y="835231"/>
-            <a:ext cx="914400" cy="914400"/>
+            <a:off x="1524000" y="336512"/>
+            <a:ext cx="9144000" cy="718459"/>
           </a:xfrm>
-          <a:prstGeom prst="ellipse">
-            <a:avLst/>
-          </a:prstGeom>
-          <a:solidFill>
-            <a:srgbClr val="00B0F0"/>
-          </a:solidFill>
         </p:spPr>
-        <p:style>
-          <a:lnRef idx="1">
-            <a:schemeClr val="accent2"/>
-          </a:lnRef>
-          <a:fillRef idx="3">
-            <a:schemeClr val="accent2"/>
-          </a:fillRef>
-          <a:effectRef idx="2">
-            <a:schemeClr val="accent2"/>
-          </a:effectRef>
-          <a:fontRef idx="minor">
-            <a:schemeClr val="lt1"/>
-          </a:fontRef>
-        </p:style>
         <p:txBody>
-          <a:bodyPr rtlCol="0" anchor="ctr"/>
+          <a:bodyPr>
+            <a:noAutofit/>
+          </a:bodyPr>
           <a:lstStyle/>
           <a:p>
-            <a:pPr algn="ctr"/>
             <a:r>
-              <a:rPr lang="en-US" sz="800" b="1" dirty="0"/>
-              <a:t>Activation function</a:t>
+              <a:rPr lang="en-PH" sz="5000" b="1" dirty="0"/>
+              <a:t>Backpropagation</a:t>
             </a:r>
-            <a:endParaRPr lang="en-PH" sz="800" b="1" dirty="0"/>
           </a:p>
         </p:txBody>
       </p:sp>
       <p:sp>
         <p:nvSpPr>
-          <p:cNvPr id="7" name="Oval 6">
+          <p:cNvPr id="6" name="Title 1">
             <a:extLst>
               <a:ext uri="{FF2B5EF4-FFF2-40B4-BE49-F238E27FC236}">
-                <a16:creationId xmlns:a16="http://schemas.microsoft.com/office/drawing/2014/main" id="{02837B2D-1A49-0174-D648-8FAF2A33DDC0}"/>
+                <a16:creationId xmlns:a16="http://schemas.microsoft.com/office/drawing/2014/main" id="{78303857-FEFC-374F-1765-AD332A3050E0}"/>
               </a:ext>
             </a:extLst>
           </p:cNvPr>
-          <p:cNvSpPr/>
+          <p:cNvSpPr txBox="1">
+            <a:spLocks/>
+          </p:cNvSpPr>
           <p:nvPr/>
         </p:nvSpPr>
         <p:spPr>
           <a:xfrm>
-            <a:off x="5181600" y="3848012"/>
-            <a:ext cx="914400" cy="914400"/>
-          </a:xfrm>
-          <a:prstGeom prst="ellipse">
-            <a:avLst/>
-          </a:prstGeom>
-          <a:solidFill>
-            <a:srgbClr val="FF0000"/>
-          </a:solidFill>
-        </p:spPr>
-        <p:style>
-          <a:lnRef idx="1">
-            <a:schemeClr val="accent2"/>
-          </a:lnRef>
-          <a:fillRef idx="3">
-            <a:schemeClr val="accent2"/>
-          </a:fillRef>
-          <a:effectRef idx="2">
-            <a:schemeClr val="accent2"/>
-          </a:effectRef>
-          <a:fontRef idx="minor">
-            <a:schemeClr val="lt1"/>
-          </a:fontRef>
-        </p:style>
-        <p:txBody>
-          <a:bodyPr rtlCol="0" anchor="ctr"/>
-          <a:lstStyle/>
-          <a:p>
-            <a:pPr algn="ctr"/>
-            <a:r>
-              <a:rPr lang="en-US" sz="800" b="1" dirty="0"/>
-              <a:t>Activation function</a:t>
-            </a:r>
-            <a:endParaRPr lang="en-PH" sz="800" b="1" dirty="0"/>
-          </a:p>
-        </p:txBody>
-      </p:sp>
-      <p:sp>
-        <p:nvSpPr>
-          <p:cNvPr id="14" name="Oval 13">
-            <a:extLst>
-              <a:ext uri="{FF2B5EF4-FFF2-40B4-BE49-F238E27FC236}">
-                <a16:creationId xmlns:a16="http://schemas.microsoft.com/office/drawing/2014/main" id="{B2DC0225-8551-99E7-20C0-6115C72216CE}"/>
-              </a:ext>
-            </a:extLst>
-          </p:cNvPr>
-          <p:cNvSpPr/>
-          <p:nvPr/>
-        </p:nvSpPr>
-        <p:spPr>
-          <a:xfrm>
-            <a:off x="8473044" y="2514600"/>
-            <a:ext cx="914400" cy="914400"/>
-          </a:xfrm>
-          <a:prstGeom prst="ellipse">
-            <a:avLst/>
-          </a:prstGeom>
-        </p:spPr>
-        <p:style>
-          <a:lnRef idx="1">
-            <a:schemeClr val="accent6"/>
-          </a:lnRef>
-          <a:fillRef idx="3">
-            <a:schemeClr val="accent6"/>
-          </a:fillRef>
-          <a:effectRef idx="2">
-            <a:schemeClr val="accent6"/>
-          </a:effectRef>
-          <a:fontRef idx="minor">
-            <a:schemeClr val="lt1"/>
-          </a:fontRef>
-        </p:style>
-        <p:txBody>
-          <a:bodyPr rtlCol="0" anchor="ctr"/>
-          <a:lstStyle/>
-          <a:p>
-            <a:pPr algn="ctr"/>
-            <a:r>
-              <a:rPr lang="en-US" sz="800" b="1" dirty="0"/>
-              <a:t>Activation function</a:t>
-            </a:r>
-            <a:endParaRPr lang="en-PH" sz="800" b="1" dirty="0"/>
-          </a:p>
-        </p:txBody>
-      </p:sp>
-      <p:cxnSp>
-        <p:nvCxnSpPr>
-          <p:cNvPr id="16" name="Straight Connector 15">
-            <a:extLst>
-              <a:ext uri="{FF2B5EF4-FFF2-40B4-BE49-F238E27FC236}">
-                <a16:creationId xmlns:a16="http://schemas.microsoft.com/office/drawing/2014/main" id="{3BBF531A-09F4-50F1-1804-F8F05FF29F8F}"/>
-              </a:ext>
-            </a:extLst>
-          </p:cNvPr>
-          <p:cNvCxnSpPr>
-            <a:cxnSpLocks/>
-            <a:stCxn id="5" idx="6"/>
-            <a:endCxn id="6" idx="2"/>
-          </p:cNvCxnSpPr>
-          <p:nvPr/>
-        </p:nvCxnSpPr>
-        <p:spPr>
-          <a:xfrm>
-            <a:off x="2982811" y="1292431"/>
-            <a:ext cx="2198789" cy="0"/>
-          </a:xfrm>
-          <a:prstGeom prst="line">
-            <a:avLst/>
-          </a:prstGeom>
-          <a:ln>
-            <a:solidFill>
-              <a:srgbClr val="00B0F0"/>
-            </a:solidFill>
-          </a:ln>
-        </p:spPr>
-        <p:style>
-          <a:lnRef idx="3">
-            <a:schemeClr val="dk1"/>
-          </a:lnRef>
-          <a:fillRef idx="0">
-            <a:schemeClr val="dk1"/>
-          </a:fillRef>
-          <a:effectRef idx="2">
-            <a:schemeClr val="dk1"/>
-          </a:effectRef>
-          <a:fontRef idx="minor">
-            <a:schemeClr val="tx1"/>
-          </a:fontRef>
-        </p:style>
-      </p:cxnSp>
-      <p:cxnSp>
-        <p:nvCxnSpPr>
-          <p:cNvPr id="20" name="Straight Connector 19">
-            <a:extLst>
-              <a:ext uri="{FF2B5EF4-FFF2-40B4-BE49-F238E27FC236}">
-                <a16:creationId xmlns:a16="http://schemas.microsoft.com/office/drawing/2014/main" id="{D38306E6-EAC5-AB78-2EA5-FC537A26FE64}"/>
-              </a:ext>
-            </a:extLst>
-          </p:cNvPr>
-          <p:cNvCxnSpPr>
-            <a:cxnSpLocks/>
-            <a:stCxn id="5" idx="6"/>
-            <a:endCxn id="7" idx="2"/>
-          </p:cNvCxnSpPr>
-          <p:nvPr/>
-        </p:nvCxnSpPr>
-        <p:spPr>
-          <a:xfrm>
-            <a:off x="2982811" y="1292431"/>
-            <a:ext cx="2198789" cy="3012781"/>
-          </a:xfrm>
-          <a:prstGeom prst="line">
-            <a:avLst/>
-          </a:prstGeom>
-          <a:ln>
-            <a:solidFill>
-              <a:srgbClr val="FF0000"/>
-            </a:solidFill>
-          </a:ln>
-        </p:spPr>
-        <p:style>
-          <a:lnRef idx="3">
-            <a:schemeClr val="dk1"/>
-          </a:lnRef>
-          <a:fillRef idx="0">
-            <a:schemeClr val="dk1"/>
-          </a:fillRef>
-          <a:effectRef idx="2">
-            <a:schemeClr val="dk1"/>
-          </a:effectRef>
-          <a:fontRef idx="minor">
-            <a:schemeClr val="tx1"/>
-          </a:fontRef>
-        </p:style>
-      </p:cxnSp>
-      <p:cxnSp>
-        <p:nvCxnSpPr>
-          <p:cNvPr id="24" name="Straight Connector 23">
-            <a:extLst>
-              <a:ext uri="{FF2B5EF4-FFF2-40B4-BE49-F238E27FC236}">
-                <a16:creationId xmlns:a16="http://schemas.microsoft.com/office/drawing/2014/main" id="{E99AB8BD-90B3-E597-9E2A-27E232EAB793}"/>
-              </a:ext>
-            </a:extLst>
-          </p:cNvPr>
-          <p:cNvCxnSpPr>
-            <a:cxnSpLocks/>
-            <a:stCxn id="6" idx="6"/>
-            <a:endCxn id="17" idx="2"/>
-          </p:cNvCxnSpPr>
-          <p:nvPr/>
-        </p:nvCxnSpPr>
-        <p:spPr>
-          <a:xfrm flipV="1">
-            <a:off x="6096000" y="1287888"/>
-            <a:ext cx="537061" cy="4543"/>
-          </a:xfrm>
-          <a:prstGeom prst="line">
-            <a:avLst/>
-          </a:prstGeom>
-        </p:spPr>
-        <p:style>
-          <a:lnRef idx="3">
-            <a:schemeClr val="dk1"/>
-          </a:lnRef>
-          <a:fillRef idx="0">
-            <a:schemeClr val="dk1"/>
-          </a:fillRef>
-          <a:effectRef idx="2">
-            <a:schemeClr val="dk1"/>
-          </a:effectRef>
-          <a:fontRef idx="minor">
-            <a:schemeClr val="tx1"/>
-          </a:fontRef>
-        </p:style>
-      </p:cxnSp>
-      <p:cxnSp>
-        <p:nvCxnSpPr>
-          <p:cNvPr id="29" name="Straight Connector 28">
-            <a:extLst>
-              <a:ext uri="{FF2B5EF4-FFF2-40B4-BE49-F238E27FC236}">
-                <a16:creationId xmlns:a16="http://schemas.microsoft.com/office/drawing/2014/main" id="{FDD54FB9-DF4F-9266-B389-C1D419225F76}"/>
-              </a:ext>
-            </a:extLst>
-          </p:cNvPr>
-          <p:cNvCxnSpPr>
-            <a:cxnSpLocks/>
-            <a:stCxn id="7" idx="6"/>
-            <a:endCxn id="18" idx="2"/>
-          </p:cNvCxnSpPr>
-          <p:nvPr/>
-        </p:nvCxnSpPr>
-        <p:spPr>
-          <a:xfrm flipV="1">
-            <a:off x="6096000" y="4301234"/>
-            <a:ext cx="538598" cy="3978"/>
-          </a:xfrm>
-          <a:prstGeom prst="line">
-            <a:avLst/>
-          </a:prstGeom>
-        </p:spPr>
-        <p:style>
-          <a:lnRef idx="3">
-            <a:schemeClr val="dk1"/>
-          </a:lnRef>
-          <a:fillRef idx="0">
-            <a:schemeClr val="dk1"/>
-          </a:fillRef>
-          <a:effectRef idx="2">
-            <a:schemeClr val="dk1"/>
-          </a:effectRef>
-          <a:fontRef idx="minor">
-            <a:schemeClr val="tx1"/>
-          </a:fontRef>
-        </p:style>
-      </p:cxnSp>
-      <p:sp>
-        <p:nvSpPr>
-          <p:cNvPr id="69" name="TextBox 68">
-            <a:extLst>
-              <a:ext uri="{FF2B5EF4-FFF2-40B4-BE49-F238E27FC236}">
-                <a16:creationId xmlns:a16="http://schemas.microsoft.com/office/drawing/2014/main" id="{35B59824-B965-8BDB-D1C2-02C2E99F55D7}"/>
-              </a:ext>
-            </a:extLst>
-          </p:cNvPr>
-          <p:cNvSpPr txBox="1"/>
-          <p:nvPr/>
-        </p:nvSpPr>
-        <p:spPr>
-          <a:xfrm>
-            <a:off x="1984169" y="5622162"/>
-            <a:ext cx="1257796" cy="369332"/>
+            <a:off x="511374" y="1054971"/>
+            <a:ext cx="11169252" cy="3138593"/>
           </a:xfrm>
           <a:prstGeom prst="rect">
             <a:avLst/>
           </a:prstGeom>
-          <a:noFill/>
         </p:spPr>
         <p:txBody>
-          <a:bodyPr wrap="square" rtlCol="0">
-            <a:spAutoFit/>
+          <a:bodyPr vert="horz" lIns="91440" tIns="45720" rIns="91440" bIns="45720" rtlCol="0" anchor="b">
+            <a:noAutofit/>
           </a:bodyPr>
-          <a:lstStyle/>
+          <a:lstStyle>
+            <a:lvl1pPr algn="ctr" defTabSz="914400" rtl="0" eaLnBrk="1" latinLnBrk="0" hangingPunct="1">
+              <a:lnSpc>
+                <a:spcPct val="90000"/>
+              </a:lnSpc>
+              <a:spcBef>
+                <a:spcPct val="0"/>
+              </a:spcBef>
+              <a:buNone/>
+              <a:defRPr sz="6000" kern="1200">
+                <a:solidFill>
+                  <a:schemeClr val="tx1"/>
+                </a:solidFill>
+                <a:latin typeface="+mj-lt"/>
+                <a:ea typeface="+mj-ea"/>
+                <a:cs typeface="+mj-cs"/>
+              </a:defRPr>
+            </a:lvl1pPr>
+          </a:lstStyle>
           <a:p>
-            <a:r>
-              <a:rPr lang="en-US" b="1" dirty="0"/>
-              <a:t>Input Layer</a:t>
-            </a:r>
-            <a:endParaRPr lang="en-PH" b="1" dirty="0"/>
+            <a:pPr algn="l"/>
+            <a:endParaRPr lang="en-US" sz="2400" dirty="0">
+              <a:latin typeface="Calibri (Body)"/>
+            </a:endParaRPr>
           </a:p>
         </p:txBody>
       </p:sp>
-      <p:sp>
-        <p:nvSpPr>
-          <p:cNvPr id="70" name="TextBox 69">
-            <a:extLst>
-              <a:ext uri="{FF2B5EF4-FFF2-40B4-BE49-F238E27FC236}">
-                <a16:creationId xmlns:a16="http://schemas.microsoft.com/office/drawing/2014/main" id="{F9028FA8-9B99-FEC1-5779-59E2ECE02716}"/>
-              </a:ext>
-            </a:extLst>
-          </p:cNvPr>
-          <p:cNvSpPr txBox="1"/>
-          <p:nvPr/>
-        </p:nvSpPr>
-        <p:spPr>
-          <a:xfrm>
-            <a:off x="4896097" y="5630667"/>
-            <a:ext cx="1485406" cy="369332"/>
-          </a:xfrm>
-          <a:prstGeom prst="rect">
-            <a:avLst/>
-          </a:prstGeom>
-          <a:noFill/>
-        </p:spPr>
-        <p:txBody>
-          <a:bodyPr wrap="square" rtlCol="0">
-            <a:spAutoFit/>
-          </a:bodyPr>
-          <a:lstStyle/>
-          <a:p>
-            <a:r>
-              <a:rPr lang="en-US" b="1" dirty="0"/>
-              <a:t>Hidden Layer</a:t>
-            </a:r>
-            <a:endParaRPr lang="en-PH" b="1" dirty="0"/>
-          </a:p>
-        </p:txBody>
-      </p:sp>
-      <p:sp>
-        <p:nvSpPr>
-          <p:cNvPr id="71" name="TextBox 70">
-            <a:extLst>
-              <a:ext uri="{FF2B5EF4-FFF2-40B4-BE49-F238E27FC236}">
-                <a16:creationId xmlns:a16="http://schemas.microsoft.com/office/drawing/2014/main" id="{194D479B-23CB-0772-78E4-F312B38E97A5}"/>
-              </a:ext>
-            </a:extLst>
-          </p:cNvPr>
-          <p:cNvSpPr txBox="1"/>
-          <p:nvPr/>
-        </p:nvSpPr>
-        <p:spPr>
-          <a:xfrm>
-            <a:off x="8306853" y="5630667"/>
-            <a:ext cx="1485406" cy="369332"/>
-          </a:xfrm>
-          <a:prstGeom prst="rect">
-            <a:avLst/>
-          </a:prstGeom>
-          <a:noFill/>
-        </p:spPr>
-        <p:txBody>
-          <a:bodyPr wrap="square" rtlCol="0">
-            <a:spAutoFit/>
-          </a:bodyPr>
-          <a:lstStyle/>
-          <a:p>
-            <a:r>
-              <a:rPr lang="en-US" b="1" dirty="0"/>
-              <a:t>Output Layer</a:t>
-            </a:r>
-            <a:endParaRPr lang="en-PH" b="1" dirty="0"/>
-          </a:p>
-        </p:txBody>
-      </p:sp>
-      <mc:AlternateContent xmlns:mc="http://schemas.openxmlformats.org/markup-compatibility/2006">
-        <mc:Choice xmlns:a14="http://schemas.microsoft.com/office/drawing/2010/main" Requires="a14">
-          <p:sp>
-            <p:nvSpPr>
-              <p:cNvPr id="2" name="Oval 1">
-                <a:extLst>
-                  <a:ext uri="{FF2B5EF4-FFF2-40B4-BE49-F238E27FC236}">
-                    <a16:creationId xmlns:a16="http://schemas.microsoft.com/office/drawing/2014/main" id="{6915AAC3-66D4-EDFA-D98C-0ACF8C868529}"/>
-                  </a:ext>
-                </a:extLst>
-              </p:cNvPr>
-              <p:cNvSpPr/>
-              <p:nvPr/>
-            </p:nvSpPr>
-            <p:spPr>
-              <a:xfrm>
-                <a:off x="2068411" y="3852555"/>
-                <a:ext cx="914400" cy="914400"/>
-              </a:xfrm>
-              <a:prstGeom prst="ellipse">
-                <a:avLst/>
-              </a:prstGeom>
-            </p:spPr>
-            <p:style>
-              <a:lnRef idx="1">
-                <a:schemeClr val="accent1"/>
-              </a:lnRef>
-              <a:fillRef idx="3">
-                <a:schemeClr val="accent1"/>
-              </a:fillRef>
-              <a:effectRef idx="2">
-                <a:schemeClr val="accent1"/>
-              </a:effectRef>
-              <a:fontRef idx="minor">
-                <a:schemeClr val="lt1"/>
-              </a:fontRef>
-            </p:style>
-            <p:txBody>
-              <a:bodyPr rtlCol="0" anchor="ctr"/>
-              <a:lstStyle/>
-              <a:p>
-                <a:pPr algn="ctr"/>
-                <a14:m>
-                  <m:oMathPara xmlns:m="http://schemas.openxmlformats.org/officeDocument/2006/math">
-                    <m:oMathParaPr>
-                      <m:jc m:val="center"/>
-                    </m:oMathParaPr>
-                    <m:oMath xmlns:m="http://schemas.openxmlformats.org/officeDocument/2006/math">
-                      <m:sSub>
-                        <m:sSubPr>
-                          <m:ctrlPr>
-                            <a:rPr lang="en-PH" sz="2500" i="1" smtClean="0">
-                              <a:latin typeface="Cambria Math" panose="02040503050406030204" pitchFamily="18" charset="0"/>
-                            </a:rPr>
-                          </m:ctrlPr>
-                        </m:sSubPr>
-                        <m:e>
-                          <m:r>
-                            <a:rPr lang="en-US" sz="2500" b="0" i="1" smtClean="0">
-                              <a:latin typeface="Cambria Math" panose="02040503050406030204" pitchFamily="18" charset="0"/>
-                            </a:rPr>
-                            <m:t> </m:t>
-                          </m:r>
-                          <m:r>
-                            <a:rPr lang="en-US" sz="2500" b="0" i="1" smtClean="0">
-                              <a:latin typeface="Cambria Math" panose="02040503050406030204" pitchFamily="18" charset="0"/>
-                            </a:rPr>
-                            <m:t>𝑥</m:t>
-                          </m:r>
-                        </m:e>
-                        <m:sub>
-                          <m:r>
-                            <a:rPr lang="en-US" sz="2500" b="0" i="1" smtClean="0">
-                              <a:latin typeface="Cambria Math" panose="02040503050406030204" pitchFamily="18" charset="0"/>
-                            </a:rPr>
-                            <m:t>2</m:t>
-                          </m:r>
-                        </m:sub>
-                      </m:sSub>
-                    </m:oMath>
-                  </m:oMathPara>
-                </a14:m>
-                <a:endParaRPr lang="en-PH" sz="2500" dirty="0"/>
-              </a:p>
-            </p:txBody>
-          </p:sp>
-        </mc:Choice>
-        <mc:Fallback>
-          <p:sp>
-            <p:nvSpPr>
-              <p:cNvPr id="2" name="Oval 1">
-                <a:extLst>
-                  <a:ext uri="{FF2B5EF4-FFF2-40B4-BE49-F238E27FC236}">
-                    <a16:creationId xmlns:a16="http://schemas.microsoft.com/office/drawing/2014/main" id="{6915AAC3-66D4-EDFA-D98C-0ACF8C868529}"/>
-                  </a:ext>
-                </a:extLst>
-              </p:cNvPr>
-              <p:cNvSpPr>
-                <a:spLocks noRot="1" noChangeAspect="1" noMove="1" noResize="1" noEditPoints="1" noAdjustHandles="1" noChangeArrowheads="1" noChangeShapeType="1" noTextEdit="1"/>
-              </p:cNvSpPr>
-              <p:nvPr/>
-            </p:nvSpPr>
-            <p:spPr>
-              <a:xfrm>
-                <a:off x="2068411" y="3852555"/>
-                <a:ext cx="914400" cy="914400"/>
-              </a:xfrm>
-              <a:prstGeom prst="ellipse">
-                <a:avLst/>
-              </a:prstGeom>
-              <a:blipFill>
-                <a:blip r:embed="rId5"/>
-                <a:stretch>
-                  <a:fillRect/>
-                </a:stretch>
-              </a:blipFill>
-            </p:spPr>
-            <p:txBody>
-              <a:bodyPr/>
-              <a:lstStyle/>
-              <a:p>
-                <a:r>
-                  <a:rPr lang="en-PH">
-                    <a:noFill/>
-                  </a:rPr>
-                  <a:t> </a:t>
-                </a:r>
-              </a:p>
-            </p:txBody>
-          </p:sp>
-        </mc:Fallback>
-      </mc:AlternateContent>
-      <p:cxnSp>
-        <p:nvCxnSpPr>
-          <p:cNvPr id="9" name="Straight Connector 8">
-            <a:extLst>
-              <a:ext uri="{FF2B5EF4-FFF2-40B4-BE49-F238E27FC236}">
-                <a16:creationId xmlns:a16="http://schemas.microsoft.com/office/drawing/2014/main" id="{A13198B2-8BF5-3BFE-F84B-08328FD4475F}"/>
-              </a:ext>
-            </a:extLst>
-          </p:cNvPr>
-          <p:cNvCxnSpPr>
-            <a:cxnSpLocks/>
-            <a:stCxn id="2" idx="6"/>
-            <a:endCxn id="6" idx="2"/>
-          </p:cNvCxnSpPr>
-          <p:nvPr/>
-        </p:nvCxnSpPr>
-        <p:spPr>
-          <a:xfrm flipV="1">
-            <a:off x="2982811" y="1292431"/>
-            <a:ext cx="2198789" cy="3017324"/>
-          </a:xfrm>
-          <a:prstGeom prst="line">
-            <a:avLst/>
-          </a:prstGeom>
-          <a:ln>
-            <a:solidFill>
-              <a:srgbClr val="00B0F0"/>
-            </a:solidFill>
-          </a:ln>
-        </p:spPr>
-        <p:style>
-          <a:lnRef idx="3">
-            <a:schemeClr val="dk1"/>
-          </a:lnRef>
-          <a:fillRef idx="0">
-            <a:schemeClr val="dk1"/>
-          </a:fillRef>
-          <a:effectRef idx="2">
-            <a:schemeClr val="dk1"/>
-          </a:effectRef>
-          <a:fontRef idx="minor">
-            <a:schemeClr val="tx1"/>
-          </a:fontRef>
-        </p:style>
-      </p:cxnSp>
-      <p:cxnSp>
-        <p:nvCxnSpPr>
-          <p:cNvPr id="12" name="Straight Connector 11">
-            <a:extLst>
-              <a:ext uri="{FF2B5EF4-FFF2-40B4-BE49-F238E27FC236}">
-                <a16:creationId xmlns:a16="http://schemas.microsoft.com/office/drawing/2014/main" id="{16D84489-8F02-D7A5-8F1A-2BA44FA8AAA5}"/>
-              </a:ext>
-            </a:extLst>
-          </p:cNvPr>
-          <p:cNvCxnSpPr>
-            <a:cxnSpLocks/>
-            <a:stCxn id="2" idx="6"/>
-            <a:endCxn id="7" idx="2"/>
-          </p:cNvCxnSpPr>
-          <p:nvPr/>
-        </p:nvCxnSpPr>
-        <p:spPr>
-          <a:xfrm flipV="1">
-            <a:off x="2982811" y="4305212"/>
-            <a:ext cx="2198789" cy="4543"/>
-          </a:xfrm>
-          <a:prstGeom prst="line">
-            <a:avLst/>
-          </a:prstGeom>
-          <a:ln>
-            <a:solidFill>
-              <a:srgbClr val="FF0000"/>
-            </a:solidFill>
-          </a:ln>
-        </p:spPr>
-        <p:style>
-          <a:lnRef idx="3">
-            <a:schemeClr val="dk1"/>
-          </a:lnRef>
-          <a:fillRef idx="0">
-            <a:schemeClr val="dk1"/>
-          </a:fillRef>
-          <a:effectRef idx="2">
-            <a:schemeClr val="dk1"/>
-          </a:effectRef>
-          <a:fontRef idx="minor">
-            <a:schemeClr val="tx1"/>
-          </a:fontRef>
-        </p:style>
-      </p:cxnSp>
-      <mc:AlternateContent xmlns:mc="http://schemas.openxmlformats.org/markup-compatibility/2006">
-        <mc:Choice xmlns:a14="http://schemas.microsoft.com/office/drawing/2010/main" Requires="a14">
-          <p:sp>
-            <p:nvSpPr>
-              <p:cNvPr id="13" name="Oval 12">
-                <a:extLst>
-                  <a:ext uri="{FF2B5EF4-FFF2-40B4-BE49-F238E27FC236}">
-                    <a16:creationId xmlns:a16="http://schemas.microsoft.com/office/drawing/2014/main" id="{E161D7A7-C20D-0F38-4617-2662E161F02D}"/>
-                  </a:ext>
-                </a:extLst>
-              </p:cNvPr>
-              <p:cNvSpPr/>
-              <p:nvPr/>
-            </p:nvSpPr>
-            <p:spPr>
-              <a:xfrm>
-                <a:off x="2210492" y="21588"/>
-                <a:ext cx="630237" cy="605255"/>
-              </a:xfrm>
-              <a:prstGeom prst="ellipse">
-                <a:avLst/>
-              </a:prstGeom>
-              <a:solidFill>
-                <a:srgbClr val="7030A0"/>
-              </a:solidFill>
-              <a:ln>
-                <a:solidFill>
-                  <a:srgbClr val="7030A0"/>
-                </a:solidFill>
-              </a:ln>
-            </p:spPr>
-            <p:style>
-              <a:lnRef idx="1">
-                <a:schemeClr val="accent1"/>
-              </a:lnRef>
-              <a:fillRef idx="3">
-                <a:schemeClr val="accent1"/>
-              </a:fillRef>
-              <a:effectRef idx="2">
-                <a:schemeClr val="accent1"/>
-              </a:effectRef>
-              <a:fontRef idx="minor">
-                <a:schemeClr val="lt1"/>
-              </a:fontRef>
-            </p:style>
-            <p:txBody>
-              <a:bodyPr rtlCol="0" anchor="ctr"/>
-              <a:lstStyle/>
-              <a:p>
-                <a:pPr algn="ctr"/>
-                <a14:m>
-                  <m:oMathPara xmlns:m="http://schemas.openxmlformats.org/officeDocument/2006/math">
-                    <m:oMathParaPr>
-                      <m:jc m:val="centerGroup"/>
-                    </m:oMathParaPr>
-                    <m:oMath xmlns:m="http://schemas.openxmlformats.org/officeDocument/2006/math">
-                      <m:r>
-                        <a:rPr lang="en-US" sz="2500" b="0" i="1" smtClean="0">
-                          <a:latin typeface="Cambria Math" panose="02040503050406030204" pitchFamily="18" charset="0"/>
-                        </a:rPr>
-                        <m:t> </m:t>
-                      </m:r>
-                      <m:r>
-                        <a:rPr lang="en-US" sz="2500" i="1" smtClean="0">
-                          <a:latin typeface="Cambria Math" panose="02040503050406030204" pitchFamily="18" charset="0"/>
-                        </a:rPr>
-                        <m:t>𝑏</m:t>
-                      </m:r>
-                    </m:oMath>
-                  </m:oMathPara>
-                </a14:m>
-                <a:endParaRPr lang="en-PH" sz="2500" dirty="0"/>
-              </a:p>
-            </p:txBody>
-          </p:sp>
-        </mc:Choice>
-        <mc:Fallback>
-          <p:sp>
-            <p:nvSpPr>
-              <p:cNvPr id="13" name="Oval 12">
-                <a:extLst>
-                  <a:ext uri="{FF2B5EF4-FFF2-40B4-BE49-F238E27FC236}">
-                    <a16:creationId xmlns:a16="http://schemas.microsoft.com/office/drawing/2014/main" id="{E161D7A7-C20D-0F38-4617-2662E161F02D}"/>
-                  </a:ext>
-                </a:extLst>
-              </p:cNvPr>
-              <p:cNvSpPr>
-                <a:spLocks noRot="1" noChangeAspect="1" noMove="1" noResize="1" noEditPoints="1" noAdjustHandles="1" noChangeArrowheads="1" noChangeShapeType="1" noTextEdit="1"/>
-              </p:cNvSpPr>
-              <p:nvPr/>
-            </p:nvSpPr>
-            <p:spPr>
-              <a:xfrm>
-                <a:off x="2210492" y="21588"/>
-                <a:ext cx="630237" cy="605255"/>
-              </a:xfrm>
-              <a:prstGeom prst="ellipse">
-                <a:avLst/>
-              </a:prstGeom>
-              <a:blipFill>
-                <a:blip r:embed="rId6"/>
-                <a:stretch>
-                  <a:fillRect/>
-                </a:stretch>
-              </a:blipFill>
-              <a:ln>
-                <a:solidFill>
-                  <a:srgbClr val="7030A0"/>
-                </a:solidFill>
-              </a:ln>
-            </p:spPr>
-            <p:txBody>
-              <a:bodyPr/>
-              <a:lstStyle/>
-              <a:p>
-                <a:r>
-                  <a:rPr lang="en-PH">
-                    <a:noFill/>
-                  </a:rPr>
-                  <a:t> </a:t>
-                </a:r>
-              </a:p>
-            </p:txBody>
-          </p:sp>
-        </mc:Fallback>
-      </mc:AlternateContent>
-      <p:cxnSp>
-        <p:nvCxnSpPr>
-          <p:cNvPr id="15" name="Straight Connector 14">
-            <a:extLst>
-              <a:ext uri="{FF2B5EF4-FFF2-40B4-BE49-F238E27FC236}">
-                <a16:creationId xmlns:a16="http://schemas.microsoft.com/office/drawing/2014/main" id="{4A2061FB-7198-13D3-BD9E-56B5989CB07B}"/>
-              </a:ext>
-            </a:extLst>
-          </p:cNvPr>
-          <p:cNvCxnSpPr>
-            <a:cxnSpLocks/>
-            <a:stCxn id="3" idx="6"/>
-            <a:endCxn id="14" idx="2"/>
-          </p:cNvCxnSpPr>
-          <p:nvPr/>
-        </p:nvCxnSpPr>
-        <p:spPr>
-          <a:xfrm>
-            <a:off x="7846947" y="318520"/>
-            <a:ext cx="626097" cy="2653280"/>
-          </a:xfrm>
-          <a:prstGeom prst="line">
-            <a:avLst/>
-          </a:prstGeom>
-          <a:ln>
-            <a:solidFill>
-              <a:srgbClr val="00B0F0"/>
-            </a:solidFill>
-          </a:ln>
-        </p:spPr>
-        <p:style>
-          <a:lnRef idx="3">
-            <a:schemeClr val="dk1"/>
-          </a:lnRef>
-          <a:fillRef idx="0">
-            <a:schemeClr val="dk1"/>
-          </a:fillRef>
-          <a:effectRef idx="2">
-            <a:schemeClr val="dk1"/>
-          </a:effectRef>
-          <a:fontRef idx="minor">
-            <a:schemeClr val="tx1"/>
-          </a:fontRef>
-        </p:style>
-      </p:cxnSp>
-      <p:cxnSp>
-        <p:nvCxnSpPr>
-          <p:cNvPr id="21" name="Straight Connector 20">
-            <a:extLst>
-              <a:ext uri="{FF2B5EF4-FFF2-40B4-BE49-F238E27FC236}">
-                <a16:creationId xmlns:a16="http://schemas.microsoft.com/office/drawing/2014/main" id="{07DCD27D-22D8-1296-20D8-E689AC567759}"/>
-              </a:ext>
-            </a:extLst>
-          </p:cNvPr>
-          <p:cNvCxnSpPr>
-            <a:cxnSpLocks/>
-            <a:stCxn id="13" idx="6"/>
-            <a:endCxn id="7" idx="2"/>
-          </p:cNvCxnSpPr>
-          <p:nvPr/>
-        </p:nvCxnSpPr>
-        <p:spPr>
-          <a:xfrm>
-            <a:off x="2840729" y="324216"/>
-            <a:ext cx="2340871" cy="3980996"/>
-          </a:xfrm>
-          <a:prstGeom prst="line">
-            <a:avLst/>
-          </a:prstGeom>
-          <a:ln>
-            <a:solidFill>
-              <a:srgbClr val="FF0000"/>
-            </a:solidFill>
-          </a:ln>
-        </p:spPr>
-        <p:style>
-          <a:lnRef idx="3">
-            <a:schemeClr val="dk1"/>
-          </a:lnRef>
-          <a:fillRef idx="0">
-            <a:schemeClr val="dk1"/>
-          </a:fillRef>
-          <a:effectRef idx="2">
-            <a:schemeClr val="dk1"/>
-          </a:effectRef>
-          <a:fontRef idx="minor">
-            <a:schemeClr val="tx1"/>
-          </a:fontRef>
-        </p:style>
-      </p:cxnSp>
-      <mc:AlternateContent xmlns:mc="http://schemas.openxmlformats.org/markup-compatibility/2006">
-        <mc:Choice xmlns:a14="http://schemas.microsoft.com/office/drawing/2010/main" Requires="a14">
-          <p:sp>
-            <p:nvSpPr>
-              <p:cNvPr id="8" name="TextBox 7">
-                <a:extLst>
-                  <a:ext uri="{FF2B5EF4-FFF2-40B4-BE49-F238E27FC236}">
-                    <a16:creationId xmlns:a16="http://schemas.microsoft.com/office/drawing/2014/main" id="{7D4000F3-4AE9-90AA-C12B-FF23A1592C38}"/>
-                  </a:ext>
-                </a:extLst>
-              </p:cNvPr>
-              <p:cNvSpPr txBox="1"/>
-              <p:nvPr/>
-            </p:nvSpPr>
-            <p:spPr>
-              <a:xfrm>
-                <a:off x="7777606" y="1778926"/>
-                <a:ext cx="529247" cy="369332"/>
-              </a:xfrm>
-              <a:prstGeom prst="rect">
-                <a:avLst/>
-              </a:prstGeom>
-              <a:noFill/>
-            </p:spPr>
-            <p:txBody>
-              <a:bodyPr wrap="none" rtlCol="0">
-                <a:spAutoFit/>
-              </a:bodyPr>
-              <a:lstStyle/>
-              <a:p>
-                <a:pPr/>
-                <a14:m>
-                  <m:oMathPara xmlns:m="http://schemas.openxmlformats.org/officeDocument/2006/math">
-                    <m:oMathParaPr>
-                      <m:jc m:val="centerGroup"/>
-                    </m:oMathParaPr>
-                    <m:oMath xmlns:m="http://schemas.openxmlformats.org/officeDocument/2006/math">
-                      <m:sSub>
-                        <m:sSubPr>
-                          <m:ctrlPr>
-                            <a:rPr lang="en-PH" b="1" i="1" smtClean="0">
-                              <a:solidFill>
-                                <a:srgbClr val="00B0F0"/>
-                              </a:solidFill>
-                              <a:latin typeface="Cambria Math" panose="02040503050406030204" pitchFamily="18" charset="0"/>
-                            </a:rPr>
-                          </m:ctrlPr>
-                        </m:sSubPr>
-                        <m:e>
-                          <m:r>
-                            <a:rPr lang="en-US" b="1" i="1" smtClean="0">
-                              <a:solidFill>
-                                <a:srgbClr val="00B0F0"/>
-                              </a:solidFill>
-                              <a:latin typeface="Cambria Math" panose="02040503050406030204" pitchFamily="18" charset="0"/>
-                            </a:rPr>
-                            <m:t>𝒘</m:t>
-                          </m:r>
-                        </m:e>
-                        <m:sub>
-                          <m:r>
-                            <a:rPr lang="en-US" b="1" i="1" smtClean="0">
-                              <a:solidFill>
-                                <a:srgbClr val="00B0F0"/>
-                              </a:solidFill>
-                              <a:latin typeface="Cambria Math" panose="02040503050406030204" pitchFamily="18" charset="0"/>
-                            </a:rPr>
-                            <m:t>𝟑</m:t>
-                          </m:r>
-                        </m:sub>
-                      </m:sSub>
-                    </m:oMath>
-                  </m:oMathPara>
-                </a14:m>
-                <a:endParaRPr lang="en-PH" b="1" dirty="0">
-                  <a:solidFill>
-                    <a:srgbClr val="00B0F0"/>
-                  </a:solidFill>
-                </a:endParaRPr>
-              </a:p>
-            </p:txBody>
-          </p:sp>
-        </mc:Choice>
-        <mc:Fallback>
-          <p:sp>
-            <p:nvSpPr>
-              <p:cNvPr id="8" name="TextBox 7">
-                <a:extLst>
-                  <a:ext uri="{FF2B5EF4-FFF2-40B4-BE49-F238E27FC236}">
-                    <a16:creationId xmlns:a16="http://schemas.microsoft.com/office/drawing/2014/main" id="{7D4000F3-4AE9-90AA-C12B-FF23A1592C38}"/>
-                  </a:ext>
-                </a:extLst>
-              </p:cNvPr>
-              <p:cNvSpPr txBox="1">
-                <a:spLocks noRot="1" noChangeAspect="1" noMove="1" noResize="1" noEditPoints="1" noAdjustHandles="1" noChangeArrowheads="1" noChangeShapeType="1" noTextEdit="1"/>
-              </p:cNvSpPr>
-              <p:nvPr/>
-            </p:nvSpPr>
-            <p:spPr>
-              <a:xfrm>
-                <a:off x="7777606" y="1778926"/>
-                <a:ext cx="529247" cy="369332"/>
-              </a:xfrm>
-              <a:prstGeom prst="rect">
-                <a:avLst/>
-              </a:prstGeom>
-              <a:blipFill>
-                <a:blip r:embed="rId7"/>
-                <a:stretch>
-                  <a:fillRect/>
-                </a:stretch>
-              </a:blipFill>
-            </p:spPr>
-            <p:txBody>
-              <a:bodyPr/>
-              <a:lstStyle/>
-              <a:p>
-                <a:r>
-                  <a:rPr lang="en-PH">
-                    <a:noFill/>
-                  </a:rPr>
-                  <a:t> </a:t>
-                </a:r>
-              </a:p>
-            </p:txBody>
-          </p:sp>
-        </mc:Fallback>
-      </mc:AlternateContent>
-      <mc:AlternateContent xmlns:mc="http://schemas.openxmlformats.org/markup-compatibility/2006">
-        <mc:Choice xmlns:a14="http://schemas.microsoft.com/office/drawing/2010/main" Requires="a14">
-          <p:sp>
-            <p:nvSpPr>
-              <p:cNvPr id="10" name="TextBox 9">
-                <a:extLst>
-                  <a:ext uri="{FF2B5EF4-FFF2-40B4-BE49-F238E27FC236}">
-                    <a16:creationId xmlns:a16="http://schemas.microsoft.com/office/drawing/2014/main" id="{324B847D-492A-9FAD-8522-0ABF1B77D181}"/>
-                  </a:ext>
-                </a:extLst>
-              </p:cNvPr>
-              <p:cNvSpPr txBox="1"/>
-              <p:nvPr/>
-            </p:nvSpPr>
-            <p:spPr>
-              <a:xfrm>
-                <a:off x="7809078" y="3663346"/>
-                <a:ext cx="529247" cy="369332"/>
-              </a:xfrm>
-              <a:prstGeom prst="rect">
-                <a:avLst/>
-              </a:prstGeom>
-              <a:noFill/>
-            </p:spPr>
-            <p:txBody>
-              <a:bodyPr wrap="none" rtlCol="0">
-                <a:spAutoFit/>
-              </a:bodyPr>
-              <a:lstStyle/>
-              <a:p>
-                <a:pPr/>
-                <a14:m>
-                  <m:oMathPara xmlns:m="http://schemas.openxmlformats.org/officeDocument/2006/math">
-                    <m:oMathParaPr>
-                      <m:jc m:val="centerGroup"/>
-                    </m:oMathParaPr>
-                    <m:oMath xmlns:m="http://schemas.openxmlformats.org/officeDocument/2006/math">
-                      <m:sSub>
-                        <m:sSubPr>
-                          <m:ctrlPr>
-                            <a:rPr lang="en-PH" b="1" i="1" smtClean="0">
-                              <a:solidFill>
-                                <a:srgbClr val="00B0F0"/>
-                              </a:solidFill>
-                              <a:latin typeface="Cambria Math" panose="02040503050406030204" pitchFamily="18" charset="0"/>
-                            </a:rPr>
-                          </m:ctrlPr>
-                        </m:sSubPr>
-                        <m:e>
-                          <m:r>
-                            <a:rPr lang="en-US" b="1" i="1" smtClean="0">
-                              <a:solidFill>
-                                <a:srgbClr val="00B0F0"/>
-                              </a:solidFill>
-                              <a:latin typeface="Cambria Math" panose="02040503050406030204" pitchFamily="18" charset="0"/>
-                            </a:rPr>
-                            <m:t>𝒘</m:t>
-                          </m:r>
-                        </m:e>
-                        <m:sub>
-                          <m:r>
-                            <a:rPr lang="en-US" b="1" i="1" smtClean="0">
-                              <a:solidFill>
-                                <a:srgbClr val="00B0F0"/>
-                              </a:solidFill>
-                              <a:latin typeface="Cambria Math" panose="02040503050406030204" pitchFamily="18" charset="0"/>
-                            </a:rPr>
-                            <m:t>𝟒</m:t>
-                          </m:r>
-                        </m:sub>
-                      </m:sSub>
-                    </m:oMath>
-                  </m:oMathPara>
-                </a14:m>
-                <a:endParaRPr lang="en-PH" b="1" dirty="0">
-                  <a:solidFill>
-                    <a:srgbClr val="00B0F0"/>
-                  </a:solidFill>
-                </a:endParaRPr>
-              </a:p>
-            </p:txBody>
-          </p:sp>
-        </mc:Choice>
-        <mc:Fallback>
-          <p:sp>
-            <p:nvSpPr>
-              <p:cNvPr id="10" name="TextBox 9">
-                <a:extLst>
-                  <a:ext uri="{FF2B5EF4-FFF2-40B4-BE49-F238E27FC236}">
-                    <a16:creationId xmlns:a16="http://schemas.microsoft.com/office/drawing/2014/main" id="{324B847D-492A-9FAD-8522-0ABF1B77D181}"/>
-                  </a:ext>
-                </a:extLst>
-              </p:cNvPr>
-              <p:cNvSpPr txBox="1">
-                <a:spLocks noRot="1" noChangeAspect="1" noMove="1" noResize="1" noEditPoints="1" noAdjustHandles="1" noChangeArrowheads="1" noChangeShapeType="1" noTextEdit="1"/>
-              </p:cNvSpPr>
-              <p:nvPr/>
-            </p:nvSpPr>
-            <p:spPr>
-              <a:xfrm>
-                <a:off x="7809078" y="3663346"/>
-                <a:ext cx="529247" cy="369332"/>
-              </a:xfrm>
-              <a:prstGeom prst="rect">
-                <a:avLst/>
-              </a:prstGeom>
-              <a:blipFill>
-                <a:blip r:embed="rId8"/>
-                <a:stretch>
-                  <a:fillRect/>
-                </a:stretch>
-              </a:blipFill>
-            </p:spPr>
-            <p:txBody>
-              <a:bodyPr/>
-              <a:lstStyle/>
-              <a:p>
-                <a:r>
-                  <a:rPr lang="en-PH">
-                    <a:noFill/>
-                  </a:rPr>
-                  <a:t> </a:t>
-                </a:r>
-              </a:p>
-            </p:txBody>
-          </p:sp>
-        </mc:Fallback>
-      </mc:AlternateContent>
-      <mc:AlternateContent xmlns:mc="http://schemas.openxmlformats.org/markup-compatibility/2006">
-        <mc:Choice xmlns:a14="http://schemas.microsoft.com/office/drawing/2010/main" Requires="a14">
-          <p:sp>
-            <p:nvSpPr>
-              <p:cNvPr id="17" name="Oval 16">
-                <a:extLst>
-                  <a:ext uri="{FF2B5EF4-FFF2-40B4-BE49-F238E27FC236}">
-                    <a16:creationId xmlns:a16="http://schemas.microsoft.com/office/drawing/2014/main" id="{6042A97D-62CD-9550-AD6B-C732FAA858D0}"/>
-                  </a:ext>
-                </a:extLst>
-              </p:cNvPr>
-              <p:cNvSpPr/>
-              <p:nvPr/>
-            </p:nvSpPr>
-            <p:spPr>
-              <a:xfrm>
-                <a:off x="6633061" y="985260"/>
-                <a:ext cx="630237" cy="605255"/>
-              </a:xfrm>
-              <a:prstGeom prst="ellipse">
-                <a:avLst/>
-              </a:prstGeom>
-              <a:solidFill>
-                <a:srgbClr val="00B0F0"/>
-              </a:solidFill>
-              <a:ln>
-                <a:solidFill>
-                  <a:srgbClr val="7030A0"/>
-                </a:solidFill>
-              </a:ln>
-            </p:spPr>
-            <p:style>
-              <a:lnRef idx="1">
-                <a:schemeClr val="accent1"/>
-              </a:lnRef>
-              <a:fillRef idx="3">
-                <a:schemeClr val="accent1"/>
-              </a:fillRef>
-              <a:effectRef idx="2">
-                <a:schemeClr val="accent1"/>
-              </a:effectRef>
-              <a:fontRef idx="minor">
-                <a:schemeClr val="lt1"/>
-              </a:fontRef>
-            </p:style>
-            <p:txBody>
-              <a:bodyPr rtlCol="0" anchor="ctr"/>
-              <a:lstStyle/>
-              <a:p>
-                <a:pPr algn="ctr"/>
-                <a14:m>
-                  <m:oMathPara xmlns:m="http://schemas.openxmlformats.org/officeDocument/2006/math">
-                    <m:oMathParaPr>
-                      <m:jc m:val="centerGroup"/>
-                    </m:oMathParaPr>
-                    <m:oMath xmlns:m="http://schemas.openxmlformats.org/officeDocument/2006/math">
-                      <m:r>
-                        <a:rPr lang="en-US" b="0" i="1" smtClean="0">
-                          <a:latin typeface="Cambria Math" panose="02040503050406030204" pitchFamily="18" charset="0"/>
-                        </a:rPr>
-                        <m:t> </m:t>
-                      </m:r>
-                      <m:sSub>
-                        <m:sSubPr>
-                          <m:ctrlPr>
-                            <a:rPr lang="en-PH" b="1" i="1">
-                              <a:latin typeface="Cambria Math" panose="02040503050406030204" pitchFamily="18" charset="0"/>
-                            </a:rPr>
-                          </m:ctrlPr>
-                        </m:sSubPr>
-                        <m:e>
-                          <m:r>
-                            <a:rPr lang="en-US" b="1" i="1">
-                              <a:latin typeface="Cambria Math" panose="02040503050406030204" pitchFamily="18" charset="0"/>
-                            </a:rPr>
-                            <m:t>𝒉</m:t>
-                          </m:r>
-                        </m:e>
-                        <m:sub>
-                          <m:r>
-                            <a:rPr lang="en-US" b="1" i="1">
-                              <a:latin typeface="Cambria Math" panose="02040503050406030204" pitchFamily="18" charset="0"/>
-                            </a:rPr>
-                            <m:t>𝟏</m:t>
-                          </m:r>
-                        </m:sub>
-                      </m:sSub>
-                    </m:oMath>
-                  </m:oMathPara>
-                </a14:m>
-                <a:endParaRPr lang="en-PH" dirty="0"/>
-              </a:p>
-            </p:txBody>
-          </p:sp>
-        </mc:Choice>
-        <mc:Fallback>
-          <p:sp>
-            <p:nvSpPr>
-              <p:cNvPr id="17" name="Oval 16">
-                <a:extLst>
-                  <a:ext uri="{FF2B5EF4-FFF2-40B4-BE49-F238E27FC236}">
-                    <a16:creationId xmlns:a16="http://schemas.microsoft.com/office/drawing/2014/main" id="{6042A97D-62CD-9550-AD6B-C732FAA858D0}"/>
-                  </a:ext>
-                </a:extLst>
-              </p:cNvPr>
-              <p:cNvSpPr>
-                <a:spLocks noRot="1" noChangeAspect="1" noMove="1" noResize="1" noEditPoints="1" noAdjustHandles="1" noChangeArrowheads="1" noChangeShapeType="1" noTextEdit="1"/>
-              </p:cNvSpPr>
-              <p:nvPr/>
-            </p:nvSpPr>
-            <p:spPr>
-              <a:xfrm>
-                <a:off x="6633061" y="985260"/>
-                <a:ext cx="630237" cy="605255"/>
-              </a:xfrm>
-              <a:prstGeom prst="ellipse">
-                <a:avLst/>
-              </a:prstGeom>
-              <a:blipFill>
-                <a:blip r:embed="rId9"/>
-                <a:stretch>
-                  <a:fillRect/>
-                </a:stretch>
-              </a:blipFill>
-              <a:ln>
-                <a:solidFill>
-                  <a:srgbClr val="7030A0"/>
-                </a:solidFill>
-              </a:ln>
-            </p:spPr>
-            <p:txBody>
-              <a:bodyPr/>
-              <a:lstStyle/>
-              <a:p>
-                <a:r>
-                  <a:rPr lang="en-PH">
-                    <a:noFill/>
-                  </a:rPr>
-                  <a:t> </a:t>
-                </a:r>
-              </a:p>
-            </p:txBody>
-          </p:sp>
-        </mc:Fallback>
-      </mc:AlternateContent>
-      <p:cxnSp>
-        <p:nvCxnSpPr>
-          <p:cNvPr id="22" name="Straight Connector 21">
-            <a:extLst>
-              <a:ext uri="{FF2B5EF4-FFF2-40B4-BE49-F238E27FC236}">
-                <a16:creationId xmlns:a16="http://schemas.microsoft.com/office/drawing/2014/main" id="{47B8BD6E-CCA3-765B-6A06-014C37F95123}"/>
-              </a:ext>
-            </a:extLst>
-          </p:cNvPr>
-          <p:cNvCxnSpPr>
-            <a:cxnSpLocks/>
-            <a:stCxn id="17" idx="6"/>
-            <a:endCxn id="14" idx="2"/>
-          </p:cNvCxnSpPr>
-          <p:nvPr/>
-        </p:nvCxnSpPr>
-        <p:spPr>
-          <a:xfrm>
-            <a:off x="7263298" y="1287888"/>
-            <a:ext cx="1209746" cy="1683912"/>
-          </a:xfrm>
-          <a:prstGeom prst="line">
-            <a:avLst/>
-          </a:prstGeom>
-        </p:spPr>
-        <p:style>
-          <a:lnRef idx="3">
-            <a:schemeClr val="dk1"/>
-          </a:lnRef>
-          <a:fillRef idx="0">
-            <a:schemeClr val="dk1"/>
-          </a:fillRef>
-          <a:effectRef idx="2">
-            <a:schemeClr val="dk1"/>
-          </a:effectRef>
-          <a:fontRef idx="minor">
-            <a:schemeClr val="tx1"/>
-          </a:fontRef>
-        </p:style>
-      </p:cxnSp>
-      <mc:AlternateContent xmlns:mc="http://schemas.openxmlformats.org/markup-compatibility/2006">
-        <mc:Choice xmlns:a14="http://schemas.microsoft.com/office/drawing/2010/main" Requires="a14">
-          <p:sp>
-            <p:nvSpPr>
-              <p:cNvPr id="18" name="Oval 17">
-                <a:extLst>
-                  <a:ext uri="{FF2B5EF4-FFF2-40B4-BE49-F238E27FC236}">
-                    <a16:creationId xmlns:a16="http://schemas.microsoft.com/office/drawing/2014/main" id="{B1DD860E-3242-0282-4271-17FFC0570EAA}"/>
-                  </a:ext>
-                </a:extLst>
-              </p:cNvPr>
-              <p:cNvSpPr/>
-              <p:nvPr/>
-            </p:nvSpPr>
-            <p:spPr>
-              <a:xfrm>
-                <a:off x="6634598" y="3998606"/>
-                <a:ext cx="630237" cy="605255"/>
-              </a:xfrm>
-              <a:prstGeom prst="ellipse">
-                <a:avLst/>
-              </a:prstGeom>
-              <a:solidFill>
-                <a:srgbClr val="FF0000"/>
-              </a:solidFill>
-              <a:ln>
-                <a:solidFill>
-                  <a:srgbClr val="7030A0"/>
-                </a:solidFill>
-              </a:ln>
-            </p:spPr>
-            <p:style>
-              <a:lnRef idx="1">
-                <a:schemeClr val="accent1"/>
-              </a:lnRef>
-              <a:fillRef idx="3">
-                <a:schemeClr val="accent1"/>
-              </a:fillRef>
-              <a:effectRef idx="2">
-                <a:schemeClr val="accent1"/>
-              </a:effectRef>
-              <a:fontRef idx="minor">
-                <a:schemeClr val="lt1"/>
-              </a:fontRef>
-            </p:style>
-            <p:txBody>
-              <a:bodyPr rtlCol="0" anchor="ctr"/>
-              <a:lstStyle/>
-              <a:p>
-                <a:pPr algn="ctr"/>
-                <a14:m>
-                  <m:oMathPara xmlns:m="http://schemas.openxmlformats.org/officeDocument/2006/math">
-                    <m:oMathParaPr>
-                      <m:jc m:val="centerGroup"/>
-                    </m:oMathParaPr>
-                    <m:oMath xmlns:m="http://schemas.openxmlformats.org/officeDocument/2006/math">
-                      <m:r>
-                        <a:rPr lang="en-US" b="0" i="1" smtClean="0">
-                          <a:latin typeface="Cambria Math" panose="02040503050406030204" pitchFamily="18" charset="0"/>
-                        </a:rPr>
-                        <m:t> </m:t>
-                      </m:r>
-                      <m:sSub>
-                        <m:sSubPr>
-                          <m:ctrlPr>
-                            <a:rPr lang="en-PH" b="1" i="1">
-                              <a:latin typeface="Cambria Math" panose="02040503050406030204" pitchFamily="18" charset="0"/>
-                            </a:rPr>
-                          </m:ctrlPr>
-                        </m:sSubPr>
-                        <m:e>
-                          <m:r>
-                            <a:rPr lang="en-US" b="1" i="1">
-                              <a:latin typeface="Cambria Math" panose="02040503050406030204" pitchFamily="18" charset="0"/>
-                            </a:rPr>
-                            <m:t>𝒉</m:t>
-                          </m:r>
-                        </m:e>
-                        <m:sub>
-                          <m:r>
-                            <a:rPr lang="en-US" b="1" i="1" smtClean="0">
-                              <a:latin typeface="Cambria Math" panose="02040503050406030204" pitchFamily="18" charset="0"/>
-                            </a:rPr>
-                            <m:t>𝟐</m:t>
-                          </m:r>
-                        </m:sub>
-                      </m:sSub>
-                    </m:oMath>
-                  </m:oMathPara>
-                </a14:m>
-                <a:endParaRPr lang="en-PH" dirty="0"/>
-              </a:p>
-            </p:txBody>
-          </p:sp>
-        </mc:Choice>
-        <mc:Fallback>
-          <p:sp>
-            <p:nvSpPr>
-              <p:cNvPr id="18" name="Oval 17">
-                <a:extLst>
-                  <a:ext uri="{FF2B5EF4-FFF2-40B4-BE49-F238E27FC236}">
-                    <a16:creationId xmlns:a16="http://schemas.microsoft.com/office/drawing/2014/main" id="{B1DD860E-3242-0282-4271-17FFC0570EAA}"/>
-                  </a:ext>
-                </a:extLst>
-              </p:cNvPr>
-              <p:cNvSpPr>
-                <a:spLocks noRot="1" noChangeAspect="1" noMove="1" noResize="1" noEditPoints="1" noAdjustHandles="1" noChangeArrowheads="1" noChangeShapeType="1" noTextEdit="1"/>
-              </p:cNvSpPr>
-              <p:nvPr/>
-            </p:nvSpPr>
-            <p:spPr>
-              <a:xfrm>
-                <a:off x="6634598" y="3998606"/>
-                <a:ext cx="630237" cy="605255"/>
-              </a:xfrm>
-              <a:prstGeom prst="ellipse">
-                <a:avLst/>
-              </a:prstGeom>
-              <a:blipFill>
-                <a:blip r:embed="rId10"/>
-                <a:stretch>
-                  <a:fillRect/>
-                </a:stretch>
-              </a:blipFill>
-              <a:ln>
-                <a:solidFill>
-                  <a:srgbClr val="7030A0"/>
-                </a:solidFill>
-              </a:ln>
-            </p:spPr>
-            <p:txBody>
-              <a:bodyPr/>
-              <a:lstStyle/>
-              <a:p>
-                <a:r>
-                  <a:rPr lang="en-PH">
-                    <a:noFill/>
-                  </a:rPr>
-                  <a:t> </a:t>
-                </a:r>
-              </a:p>
-            </p:txBody>
-          </p:sp>
-        </mc:Fallback>
-      </mc:AlternateContent>
-      <p:cxnSp>
-        <p:nvCxnSpPr>
-          <p:cNvPr id="25" name="Straight Connector 24">
-            <a:extLst>
-              <a:ext uri="{FF2B5EF4-FFF2-40B4-BE49-F238E27FC236}">
-                <a16:creationId xmlns:a16="http://schemas.microsoft.com/office/drawing/2014/main" id="{79843EE9-A150-B701-A745-A2165B521B54}"/>
-              </a:ext>
-            </a:extLst>
-          </p:cNvPr>
-          <p:cNvCxnSpPr>
-            <a:cxnSpLocks/>
-            <a:stCxn id="18" idx="6"/>
-            <a:endCxn id="14" idx="2"/>
-          </p:cNvCxnSpPr>
-          <p:nvPr/>
-        </p:nvCxnSpPr>
-        <p:spPr>
-          <a:xfrm flipV="1">
-            <a:off x="7264835" y="2971800"/>
-            <a:ext cx="1208209" cy="1329434"/>
-          </a:xfrm>
-          <a:prstGeom prst="line">
-            <a:avLst/>
-          </a:prstGeom>
-        </p:spPr>
-        <p:style>
-          <a:lnRef idx="3">
-            <a:schemeClr val="dk1"/>
-          </a:lnRef>
-          <a:fillRef idx="0">
-            <a:schemeClr val="dk1"/>
-          </a:fillRef>
-          <a:effectRef idx="2">
-            <a:schemeClr val="dk1"/>
-          </a:effectRef>
-          <a:fontRef idx="minor">
-            <a:schemeClr val="tx1"/>
-          </a:fontRef>
-        </p:style>
-      </p:cxnSp>
-      <mc:AlternateContent xmlns:mc="http://schemas.openxmlformats.org/markup-compatibility/2006">
-        <mc:Choice xmlns:a14="http://schemas.microsoft.com/office/drawing/2010/main" Requires="a14">
-          <p:sp>
-            <p:nvSpPr>
-              <p:cNvPr id="3" name="Oval 2">
-                <a:extLst>
-                  <a:ext uri="{FF2B5EF4-FFF2-40B4-BE49-F238E27FC236}">
-                    <a16:creationId xmlns:a16="http://schemas.microsoft.com/office/drawing/2014/main" id="{90E96F31-BCC7-E3B9-3FF9-DB7BA744B26A}"/>
-                  </a:ext>
-                </a:extLst>
-              </p:cNvPr>
-              <p:cNvSpPr/>
-              <p:nvPr/>
-            </p:nvSpPr>
-            <p:spPr>
-              <a:xfrm>
-                <a:off x="7216710" y="15892"/>
-                <a:ext cx="630237" cy="605255"/>
-              </a:xfrm>
-              <a:prstGeom prst="ellipse">
-                <a:avLst/>
-              </a:prstGeom>
-              <a:solidFill>
-                <a:srgbClr val="7030A0"/>
-              </a:solidFill>
-              <a:ln>
-                <a:solidFill>
-                  <a:srgbClr val="7030A0"/>
-                </a:solidFill>
-              </a:ln>
-            </p:spPr>
-            <p:style>
-              <a:lnRef idx="1">
-                <a:schemeClr val="accent1"/>
-              </a:lnRef>
-              <a:fillRef idx="3">
-                <a:schemeClr val="accent1"/>
-              </a:fillRef>
-              <a:effectRef idx="2">
-                <a:schemeClr val="accent1"/>
-              </a:effectRef>
-              <a:fontRef idx="minor">
-                <a:schemeClr val="lt1"/>
-              </a:fontRef>
-            </p:style>
-            <p:txBody>
-              <a:bodyPr rtlCol="0" anchor="ctr"/>
-              <a:lstStyle/>
-              <a:p>
-                <a:pPr algn="ctr"/>
-                <a14:m>
-                  <m:oMathPara xmlns:m="http://schemas.openxmlformats.org/officeDocument/2006/math">
-                    <m:oMathParaPr>
-                      <m:jc m:val="centerGroup"/>
-                    </m:oMathParaPr>
-                    <m:oMath xmlns:m="http://schemas.openxmlformats.org/officeDocument/2006/math">
-                      <m:r>
-                        <a:rPr lang="en-US" sz="2500" b="0" i="1" smtClean="0">
-                          <a:latin typeface="Cambria Math" panose="02040503050406030204" pitchFamily="18" charset="0"/>
-                        </a:rPr>
-                        <m:t> </m:t>
-                      </m:r>
-                      <m:r>
-                        <a:rPr lang="en-US" sz="2500" i="1" smtClean="0">
-                          <a:latin typeface="Cambria Math" panose="02040503050406030204" pitchFamily="18" charset="0"/>
-                        </a:rPr>
-                        <m:t>𝑏</m:t>
-                      </m:r>
-                    </m:oMath>
-                  </m:oMathPara>
-                </a14:m>
-                <a:endParaRPr lang="en-PH" sz="2500" dirty="0"/>
-              </a:p>
-            </p:txBody>
-          </p:sp>
-        </mc:Choice>
-        <mc:Fallback>
-          <p:sp>
-            <p:nvSpPr>
-              <p:cNvPr id="3" name="Oval 2">
-                <a:extLst>
-                  <a:ext uri="{FF2B5EF4-FFF2-40B4-BE49-F238E27FC236}">
-                    <a16:creationId xmlns:a16="http://schemas.microsoft.com/office/drawing/2014/main" id="{90E96F31-BCC7-E3B9-3FF9-DB7BA744B26A}"/>
-                  </a:ext>
-                </a:extLst>
-              </p:cNvPr>
-              <p:cNvSpPr>
-                <a:spLocks noRot="1" noChangeAspect="1" noMove="1" noResize="1" noEditPoints="1" noAdjustHandles="1" noChangeArrowheads="1" noChangeShapeType="1" noTextEdit="1"/>
-              </p:cNvSpPr>
-              <p:nvPr/>
-            </p:nvSpPr>
-            <p:spPr>
-              <a:xfrm>
-                <a:off x="7216710" y="15892"/>
-                <a:ext cx="630237" cy="605255"/>
-              </a:xfrm>
-              <a:prstGeom prst="ellipse">
-                <a:avLst/>
-              </a:prstGeom>
-              <a:blipFill>
-                <a:blip r:embed="rId11"/>
-                <a:stretch>
-                  <a:fillRect/>
-                </a:stretch>
-              </a:blipFill>
-              <a:ln>
-                <a:solidFill>
-                  <a:srgbClr val="7030A0"/>
-                </a:solidFill>
-              </a:ln>
-            </p:spPr>
-            <p:txBody>
-              <a:bodyPr/>
-              <a:lstStyle/>
-              <a:p>
-                <a:r>
-                  <a:rPr lang="en-PH">
-                    <a:noFill/>
-                  </a:rPr>
-                  <a:t> </a:t>
-                </a:r>
-              </a:p>
-            </p:txBody>
-          </p:sp>
-        </mc:Fallback>
-      </mc:AlternateContent>
-      <p:cxnSp>
-        <p:nvCxnSpPr>
-          <p:cNvPr id="11" name="Straight Connector 10">
-            <a:extLst>
-              <a:ext uri="{FF2B5EF4-FFF2-40B4-BE49-F238E27FC236}">
-                <a16:creationId xmlns:a16="http://schemas.microsoft.com/office/drawing/2014/main" id="{9499EEE2-18D2-5AFF-9184-EF9D64015405}"/>
-              </a:ext>
-            </a:extLst>
-          </p:cNvPr>
-          <p:cNvCxnSpPr>
-            <a:cxnSpLocks/>
-            <a:stCxn id="13" idx="6"/>
-            <a:endCxn id="6" idx="2"/>
-          </p:cNvCxnSpPr>
-          <p:nvPr/>
-        </p:nvCxnSpPr>
-        <p:spPr>
-          <a:xfrm>
-            <a:off x="2840729" y="324216"/>
-            <a:ext cx="2340871" cy="968215"/>
-          </a:xfrm>
-          <a:prstGeom prst="line">
-            <a:avLst/>
-          </a:prstGeom>
-          <a:ln>
-            <a:solidFill>
-              <a:srgbClr val="00B0F0"/>
-            </a:solidFill>
-          </a:ln>
-        </p:spPr>
-        <p:style>
-          <a:lnRef idx="3">
-            <a:schemeClr val="dk1"/>
-          </a:lnRef>
-          <a:fillRef idx="0">
-            <a:schemeClr val="dk1"/>
-          </a:fillRef>
-          <a:effectRef idx="2">
-            <a:schemeClr val="dk1"/>
-          </a:effectRef>
-          <a:fontRef idx="minor">
-            <a:schemeClr val="tx1"/>
-          </a:fontRef>
-        </p:style>
-      </p:cxnSp>
-      <mc:AlternateContent xmlns:mc="http://schemas.openxmlformats.org/markup-compatibility/2006">
-        <mc:Choice xmlns:a14="http://schemas.microsoft.com/office/drawing/2010/main" Requires="a14">
-          <p:sp>
-            <p:nvSpPr>
-              <p:cNvPr id="30" name="TextBox 29">
-                <a:extLst>
-                  <a:ext uri="{FF2B5EF4-FFF2-40B4-BE49-F238E27FC236}">
-                    <a16:creationId xmlns:a16="http://schemas.microsoft.com/office/drawing/2014/main" id="{503CA5C5-22E3-ED9C-011A-5071DEF2EF3F}"/>
-                  </a:ext>
-                </a:extLst>
-              </p:cNvPr>
-              <p:cNvSpPr txBox="1"/>
-              <p:nvPr/>
-            </p:nvSpPr>
-            <p:spPr>
-              <a:xfrm>
-                <a:off x="8075548" y="1141038"/>
-                <a:ext cx="487569" cy="369332"/>
-              </a:xfrm>
-              <a:prstGeom prst="rect">
-                <a:avLst/>
-              </a:prstGeom>
-              <a:noFill/>
-            </p:spPr>
-            <p:txBody>
-              <a:bodyPr wrap="none" rtlCol="0">
-                <a:spAutoFit/>
-              </a:bodyPr>
-              <a:lstStyle/>
-              <a:p>
-                <a:pPr/>
-                <a14:m>
-                  <m:oMathPara xmlns:m="http://schemas.openxmlformats.org/officeDocument/2006/math">
-                    <m:oMathParaPr>
-                      <m:jc m:val="centerGroup"/>
-                    </m:oMathParaPr>
-                    <m:oMath xmlns:m="http://schemas.openxmlformats.org/officeDocument/2006/math">
-                      <m:sSub>
-                        <m:sSubPr>
-                          <m:ctrlPr>
-                            <a:rPr lang="en-PH" b="1" i="1" smtClean="0">
-                              <a:solidFill>
-                                <a:srgbClr val="00B0F0"/>
-                              </a:solidFill>
-                              <a:latin typeface="Cambria Math" panose="02040503050406030204" pitchFamily="18" charset="0"/>
-                            </a:rPr>
-                          </m:ctrlPr>
-                        </m:sSubPr>
-                        <m:e>
-                          <m:r>
-                            <a:rPr lang="en-US" b="1" i="1" smtClean="0">
-                              <a:solidFill>
-                                <a:srgbClr val="00B0F0"/>
-                              </a:solidFill>
-                              <a:latin typeface="Cambria Math" panose="02040503050406030204" pitchFamily="18" charset="0"/>
-                            </a:rPr>
-                            <m:t>𝒃</m:t>
-                          </m:r>
-                        </m:e>
-                        <m:sub>
-                          <m:r>
-                            <a:rPr lang="en-US" b="1" i="1" smtClean="0">
-                              <a:solidFill>
-                                <a:srgbClr val="00B0F0"/>
-                              </a:solidFill>
-                              <a:latin typeface="Cambria Math" panose="02040503050406030204" pitchFamily="18" charset="0"/>
-                            </a:rPr>
-                            <m:t>𝟑</m:t>
-                          </m:r>
-                        </m:sub>
-                      </m:sSub>
-                    </m:oMath>
-                  </m:oMathPara>
-                </a14:m>
-                <a:endParaRPr lang="en-PH" b="1" dirty="0">
-                  <a:solidFill>
-                    <a:srgbClr val="00B0F0"/>
-                  </a:solidFill>
-                </a:endParaRPr>
-              </a:p>
-            </p:txBody>
-          </p:sp>
-        </mc:Choice>
-        <mc:Fallback>
-          <p:sp>
-            <p:nvSpPr>
-              <p:cNvPr id="30" name="TextBox 29">
-                <a:extLst>
-                  <a:ext uri="{FF2B5EF4-FFF2-40B4-BE49-F238E27FC236}">
-                    <a16:creationId xmlns:a16="http://schemas.microsoft.com/office/drawing/2014/main" id="{503CA5C5-22E3-ED9C-011A-5071DEF2EF3F}"/>
-                  </a:ext>
-                </a:extLst>
-              </p:cNvPr>
-              <p:cNvSpPr txBox="1">
-                <a:spLocks noRot="1" noChangeAspect="1" noMove="1" noResize="1" noEditPoints="1" noAdjustHandles="1" noChangeArrowheads="1" noChangeShapeType="1" noTextEdit="1"/>
-              </p:cNvSpPr>
-              <p:nvPr/>
-            </p:nvSpPr>
-            <p:spPr>
-              <a:xfrm>
-                <a:off x="8075548" y="1141038"/>
-                <a:ext cx="487569" cy="369332"/>
-              </a:xfrm>
-              <a:prstGeom prst="rect">
-                <a:avLst/>
-              </a:prstGeom>
-              <a:blipFill>
-                <a:blip r:embed="rId12"/>
-                <a:stretch>
-                  <a:fillRect/>
-                </a:stretch>
-              </a:blipFill>
-            </p:spPr>
-            <p:txBody>
-              <a:bodyPr/>
-              <a:lstStyle/>
-              <a:p>
-                <a:r>
-                  <a:rPr lang="en-PH">
-                    <a:noFill/>
-                  </a:rPr>
-                  <a:t> </a:t>
-                </a:r>
-              </a:p>
-            </p:txBody>
-          </p:sp>
-        </mc:Fallback>
-      </mc:AlternateContent>
-      <p:grpSp>
-        <p:nvGrpSpPr>
-          <p:cNvPr id="34" name="Group 33">
-            <a:extLst>
-              <a:ext uri="{FF2B5EF4-FFF2-40B4-BE49-F238E27FC236}">
-                <a16:creationId xmlns:a16="http://schemas.microsoft.com/office/drawing/2014/main" id="{4B3FDD62-6DF1-D540-67F3-1EA342029641}"/>
-              </a:ext>
-            </a:extLst>
-          </p:cNvPr>
-          <p:cNvGrpSpPr/>
-          <p:nvPr/>
-        </p:nvGrpSpPr>
-        <p:grpSpPr>
-          <a:xfrm>
-            <a:off x="3493639" y="2669172"/>
-            <a:ext cx="7102014" cy="2821953"/>
-            <a:chOff x="3493639" y="2669172"/>
-            <a:chExt cx="7102014" cy="2821953"/>
-          </a:xfrm>
-        </p:grpSpPr>
-        <mc:AlternateContent xmlns:mc="http://schemas.openxmlformats.org/markup-compatibility/2006">
-          <mc:Choice xmlns:a14="http://schemas.microsoft.com/office/drawing/2010/main" Requires="a14">
-            <p:sp>
-              <p:nvSpPr>
-                <p:cNvPr id="32" name="TextBox 31">
-                  <a:extLst>
-                    <a:ext uri="{FF2B5EF4-FFF2-40B4-BE49-F238E27FC236}">
-                      <a16:creationId xmlns:a16="http://schemas.microsoft.com/office/drawing/2014/main" id="{9103784C-A9BF-4D7E-8693-7817D7DA8641}"/>
-                    </a:ext>
-                  </a:extLst>
-                </p:cNvPr>
-                <p:cNvSpPr txBox="1"/>
-                <p:nvPr/>
-              </p:nvSpPr>
-              <p:spPr>
-                <a:xfrm>
-                  <a:off x="3493639" y="5029460"/>
-                  <a:ext cx="4290322" cy="461665"/>
-                </a:xfrm>
-                <a:prstGeom prst="rect">
-                  <a:avLst/>
-                </a:prstGeom>
-                <a:noFill/>
-              </p:spPr>
-              <p:txBody>
-                <a:bodyPr wrap="square" rtlCol="0">
-                  <a:spAutoFit/>
-                </a:bodyPr>
-                <a:lstStyle/>
-                <a:p>
-                  <a:pPr/>
-                  <a14:m>
-                    <m:oMathPara xmlns:m="http://schemas.openxmlformats.org/officeDocument/2006/math">
-                      <m:oMathParaPr>
-                        <m:jc m:val="centerGroup"/>
-                      </m:oMathParaPr>
-                      <m:oMath xmlns:m="http://schemas.openxmlformats.org/officeDocument/2006/math">
-                        <m:acc>
-                          <m:accPr>
-                            <m:chr m:val="̂"/>
-                            <m:ctrlPr>
-                              <a:rPr lang="en-US" sz="2400" b="1" i="1" smtClean="0">
-                                <a:latin typeface="Cambria Math" panose="02040503050406030204" pitchFamily="18" charset="0"/>
-                              </a:rPr>
-                            </m:ctrlPr>
-                          </m:accPr>
-                          <m:e>
-                            <m:r>
-                              <a:rPr lang="en-US" sz="2400" b="1" i="1" smtClean="0">
-                                <a:latin typeface="Cambria Math" panose="02040503050406030204" pitchFamily="18" charset="0"/>
-                              </a:rPr>
-                              <m:t>𝒑</m:t>
-                            </m:r>
-                          </m:e>
-                        </m:acc>
-                        <m:r>
-                          <a:rPr lang="en-US" sz="2400" b="1" i="1">
-                            <a:latin typeface="Cambria Math" panose="02040503050406030204" pitchFamily="18" charset="0"/>
-                          </a:rPr>
-                          <m:t>=</m:t>
-                        </m:r>
-                        <m:r>
-                          <a:rPr lang="en-US" sz="2400" b="1" i="1">
-                            <a:latin typeface="Cambria Math" panose="02040503050406030204" pitchFamily="18" charset="0"/>
-                          </a:rPr>
-                          <m:t>𝝈</m:t>
-                        </m:r>
-                        <m:r>
-                          <a:rPr lang="en-US" sz="2400" b="1" i="1">
-                            <a:latin typeface="Cambria Math" panose="02040503050406030204" pitchFamily="18" charset="0"/>
-                          </a:rPr>
-                          <m:t>(</m:t>
-                        </m:r>
-                        <m:sSub>
-                          <m:sSubPr>
-                            <m:ctrlPr>
-                              <a:rPr lang="en-US" sz="2400" b="1" i="1">
-                                <a:latin typeface="Cambria Math" panose="02040503050406030204" pitchFamily="18" charset="0"/>
-                              </a:rPr>
-                            </m:ctrlPr>
-                          </m:sSubPr>
-                          <m:e>
-                            <m:r>
-                              <a:rPr lang="en-US" sz="2400" b="1" i="1">
-                                <a:latin typeface="Cambria Math" panose="02040503050406030204" pitchFamily="18" charset="0"/>
-                              </a:rPr>
-                              <m:t>𝒛</m:t>
-                            </m:r>
-                          </m:e>
-                          <m:sub>
-                            <m:r>
-                              <a:rPr lang="en-US" sz="2400" b="1" i="1" smtClean="0">
-                                <a:latin typeface="Cambria Math" panose="02040503050406030204" pitchFamily="18" charset="0"/>
-                              </a:rPr>
-                              <m:t>𝟑</m:t>
-                            </m:r>
-                          </m:sub>
-                        </m:sSub>
-                        <m:r>
-                          <a:rPr lang="en-US" sz="2400" b="1" i="1">
-                            <a:latin typeface="Cambria Math" panose="02040503050406030204" pitchFamily="18" charset="0"/>
-                          </a:rPr>
-                          <m:t>)</m:t>
-                        </m:r>
-                      </m:oMath>
-                    </m:oMathPara>
-                  </a14:m>
-                  <a:endParaRPr lang="en-PH" sz="2400" b="1" dirty="0"/>
-                </a:p>
-              </p:txBody>
-            </p:sp>
-          </mc:Choice>
-          <mc:Fallback>
-            <p:sp>
-              <p:nvSpPr>
-                <p:cNvPr id="32" name="TextBox 31">
-                  <a:extLst>
-                    <a:ext uri="{FF2B5EF4-FFF2-40B4-BE49-F238E27FC236}">
-                      <a16:creationId xmlns:a16="http://schemas.microsoft.com/office/drawing/2014/main" id="{9103784C-A9BF-4D7E-8693-7817D7DA8641}"/>
-                    </a:ext>
-                  </a:extLst>
-                </p:cNvPr>
-                <p:cNvSpPr txBox="1">
-                  <a:spLocks noRot="1" noChangeAspect="1" noMove="1" noResize="1" noEditPoints="1" noAdjustHandles="1" noChangeArrowheads="1" noChangeShapeType="1" noTextEdit="1"/>
-                </p:cNvSpPr>
-                <p:nvPr/>
-              </p:nvSpPr>
-              <p:spPr>
-                <a:xfrm>
-                  <a:off x="3493639" y="5029460"/>
-                  <a:ext cx="4290322" cy="461665"/>
-                </a:xfrm>
-                <a:prstGeom prst="rect">
-                  <a:avLst/>
-                </a:prstGeom>
-                <a:blipFill>
-                  <a:blip r:embed="rId13"/>
-                  <a:stretch>
-                    <a:fillRect t="-5263" b="-17105"/>
-                  </a:stretch>
-                </a:blipFill>
-              </p:spPr>
-              <p:txBody>
-                <a:bodyPr/>
-                <a:lstStyle/>
-                <a:p>
-                  <a:r>
-                    <a:rPr lang="en-PH">
-                      <a:noFill/>
-                    </a:rPr>
-                    <a:t> </a:t>
-                  </a:r>
-                </a:p>
-              </p:txBody>
-            </p:sp>
-          </mc:Fallback>
-        </mc:AlternateContent>
-        <mc:AlternateContent xmlns:mc="http://schemas.openxmlformats.org/markup-compatibility/2006">
-          <mc:Choice xmlns:a14="http://schemas.microsoft.com/office/drawing/2010/main" Requires="a14">
-            <p:sp>
-              <p:nvSpPr>
-                <p:cNvPr id="19" name="Oval 18">
-                  <a:extLst>
-                    <a:ext uri="{FF2B5EF4-FFF2-40B4-BE49-F238E27FC236}">
-                      <a16:creationId xmlns:a16="http://schemas.microsoft.com/office/drawing/2014/main" id="{BE6DC462-1CA9-2CBA-4B67-993FBCE5BE02}"/>
-                    </a:ext>
-                  </a:extLst>
-                </p:cNvPr>
-                <p:cNvSpPr/>
-                <p:nvPr/>
-              </p:nvSpPr>
-              <p:spPr>
-                <a:xfrm>
-                  <a:off x="9965416" y="2669172"/>
-                  <a:ext cx="630237" cy="605255"/>
-                </a:xfrm>
-                <a:prstGeom prst="ellipse">
-                  <a:avLst/>
-                </a:prstGeom>
-                <a:solidFill>
-                  <a:srgbClr val="00B0F0"/>
-                </a:solidFill>
-                <a:ln>
-                  <a:solidFill>
-                    <a:srgbClr val="7030A0"/>
-                  </a:solidFill>
-                </a:ln>
-              </p:spPr>
-              <p:style>
-                <a:lnRef idx="1">
-                  <a:schemeClr val="accent1"/>
-                </a:lnRef>
-                <a:fillRef idx="3">
-                  <a:schemeClr val="accent1"/>
-                </a:fillRef>
-                <a:effectRef idx="2">
-                  <a:schemeClr val="accent1"/>
-                </a:effectRef>
-                <a:fontRef idx="minor">
-                  <a:schemeClr val="lt1"/>
-                </a:fontRef>
-              </p:style>
-              <p:txBody>
-                <a:bodyPr rtlCol="0" anchor="ctr"/>
-                <a:lstStyle/>
-                <a:p>
-                  <a:pPr algn="ctr"/>
-                  <a14:m>
-                    <m:oMathPara xmlns:m="http://schemas.openxmlformats.org/officeDocument/2006/math">
-                      <m:oMathParaPr>
-                        <m:jc m:val="centerGroup"/>
-                      </m:oMathParaPr>
-                      <m:oMath xmlns:m="http://schemas.openxmlformats.org/officeDocument/2006/math">
-                        <m:acc>
-                          <m:accPr>
-                            <m:chr m:val="̂"/>
-                            <m:ctrlPr>
-                              <a:rPr lang="en-US" b="1" i="1">
-                                <a:latin typeface="Cambria Math" panose="02040503050406030204" pitchFamily="18" charset="0"/>
-                              </a:rPr>
-                            </m:ctrlPr>
-                          </m:accPr>
-                          <m:e>
-                            <m:r>
-                              <a:rPr lang="en-US" b="1" i="1">
-                                <a:latin typeface="Cambria Math" panose="02040503050406030204" pitchFamily="18" charset="0"/>
-                              </a:rPr>
-                              <m:t>𝒑</m:t>
-                            </m:r>
-                          </m:e>
-                        </m:acc>
-                      </m:oMath>
-                    </m:oMathPara>
-                  </a14:m>
-                  <a:endParaRPr lang="en-PH" dirty="0"/>
-                </a:p>
-              </p:txBody>
-            </p:sp>
-          </mc:Choice>
-          <mc:Fallback>
-            <p:sp>
-              <p:nvSpPr>
-                <p:cNvPr id="19" name="Oval 18">
-                  <a:extLst>
-                    <a:ext uri="{FF2B5EF4-FFF2-40B4-BE49-F238E27FC236}">
-                      <a16:creationId xmlns:a16="http://schemas.microsoft.com/office/drawing/2014/main" id="{BE6DC462-1CA9-2CBA-4B67-993FBCE5BE02}"/>
-                    </a:ext>
-                  </a:extLst>
-                </p:cNvPr>
-                <p:cNvSpPr>
-                  <a:spLocks noRot="1" noChangeAspect="1" noMove="1" noResize="1" noEditPoints="1" noAdjustHandles="1" noChangeArrowheads="1" noChangeShapeType="1" noTextEdit="1"/>
-                </p:cNvSpPr>
-                <p:nvPr/>
-              </p:nvSpPr>
-              <p:spPr>
-                <a:xfrm>
-                  <a:off x="9965416" y="2669172"/>
-                  <a:ext cx="630237" cy="605255"/>
-                </a:xfrm>
-                <a:prstGeom prst="ellipse">
-                  <a:avLst/>
-                </a:prstGeom>
-                <a:blipFill>
-                  <a:blip r:embed="rId14"/>
-                  <a:stretch>
-                    <a:fillRect/>
-                  </a:stretch>
-                </a:blipFill>
-                <a:ln>
-                  <a:solidFill>
-                    <a:srgbClr val="7030A0"/>
-                  </a:solidFill>
-                </a:ln>
-              </p:spPr>
-              <p:txBody>
-                <a:bodyPr/>
-                <a:lstStyle/>
-                <a:p>
-                  <a:r>
-                    <a:rPr lang="en-PH">
-                      <a:noFill/>
-                    </a:rPr>
-                    <a:t> </a:t>
-                  </a:r>
-                </a:p>
-              </p:txBody>
-            </p:sp>
-          </mc:Fallback>
-        </mc:AlternateContent>
-        <p:cxnSp>
-          <p:nvCxnSpPr>
-            <p:cNvPr id="23" name="Straight Connector 22">
-              <a:extLst>
-                <a:ext uri="{FF2B5EF4-FFF2-40B4-BE49-F238E27FC236}">
-                  <a16:creationId xmlns:a16="http://schemas.microsoft.com/office/drawing/2014/main" id="{0010A896-F485-511E-DB41-8B82CC1E2D92}"/>
-                </a:ext>
-              </a:extLst>
-            </p:cNvPr>
-            <p:cNvCxnSpPr>
-              <a:cxnSpLocks/>
-              <a:stCxn id="14" idx="6"/>
-              <a:endCxn id="19" idx="2"/>
-            </p:cNvCxnSpPr>
-            <p:nvPr/>
-          </p:nvCxnSpPr>
-          <p:spPr>
-            <a:xfrm>
-              <a:off x="9387444" y="2971800"/>
-              <a:ext cx="577972" cy="0"/>
-            </a:xfrm>
-            <a:prstGeom prst="line">
-              <a:avLst/>
-            </a:prstGeom>
-          </p:spPr>
-          <p:style>
-            <a:lnRef idx="3">
-              <a:schemeClr val="dk1"/>
-            </a:lnRef>
-            <a:fillRef idx="0">
-              <a:schemeClr val="dk1"/>
-            </a:fillRef>
-            <a:effectRef idx="2">
-              <a:schemeClr val="dk1"/>
-            </a:effectRef>
-            <a:fontRef idx="minor">
-              <a:schemeClr val="tx1"/>
-            </a:fontRef>
-          </p:style>
-        </p:cxnSp>
-      </p:grpSp>
-      <mc:AlternateContent xmlns:mc="http://schemas.openxmlformats.org/markup-compatibility/2006">
-        <mc:Choice xmlns:a14="http://schemas.microsoft.com/office/drawing/2010/main" Requires="a14">
-          <p:sp>
-            <p:nvSpPr>
-              <p:cNvPr id="28" name="TextBox 27">
-                <a:extLst>
-                  <a:ext uri="{FF2B5EF4-FFF2-40B4-BE49-F238E27FC236}">
-                    <a16:creationId xmlns:a16="http://schemas.microsoft.com/office/drawing/2014/main" id="{E9BF43E4-AEC7-A5B9-B52B-01BD86991AAD}"/>
-                  </a:ext>
-                </a:extLst>
-              </p:cNvPr>
-              <p:cNvSpPr txBox="1"/>
-              <p:nvPr/>
-            </p:nvSpPr>
-            <p:spPr>
-              <a:xfrm>
-                <a:off x="5358947" y="396336"/>
-                <a:ext cx="559705" cy="461665"/>
-              </a:xfrm>
-              <a:prstGeom prst="rect">
-                <a:avLst/>
-              </a:prstGeom>
-              <a:noFill/>
-            </p:spPr>
-            <p:txBody>
-              <a:bodyPr wrap="none" rtlCol="0">
-                <a:spAutoFit/>
-              </a:bodyPr>
-              <a:lstStyle/>
-              <a:p>
-                <a:pPr/>
-                <a14:m>
-                  <m:oMathPara xmlns:m="http://schemas.openxmlformats.org/officeDocument/2006/math">
-                    <m:oMathParaPr>
-                      <m:jc m:val="centerGroup"/>
-                    </m:oMathParaPr>
-                    <m:oMath xmlns:m="http://schemas.openxmlformats.org/officeDocument/2006/math">
-                      <m:sSub>
-                        <m:sSubPr>
-                          <m:ctrlPr>
-                            <a:rPr lang="en-PH" sz="2400" b="1" i="1" smtClean="0">
-                              <a:solidFill>
-                                <a:schemeClr val="tx1"/>
-                              </a:solidFill>
-                              <a:latin typeface="Cambria Math" panose="02040503050406030204" pitchFamily="18" charset="0"/>
-                            </a:rPr>
-                          </m:ctrlPr>
-                        </m:sSubPr>
-                        <m:e>
-                          <m:r>
-                            <a:rPr lang="en-US" sz="2400" b="1" i="1" smtClean="0">
-                              <a:solidFill>
-                                <a:schemeClr val="tx1"/>
-                              </a:solidFill>
-                              <a:latin typeface="Cambria Math" panose="02040503050406030204" pitchFamily="18" charset="0"/>
-                            </a:rPr>
-                            <m:t>𝒛</m:t>
-                          </m:r>
-                        </m:e>
-                        <m:sub>
-                          <m:r>
-                            <a:rPr lang="en-US" sz="2400" b="1" i="1" smtClean="0">
-                              <a:solidFill>
-                                <a:schemeClr val="tx1"/>
-                              </a:solidFill>
-                              <a:latin typeface="Cambria Math" panose="02040503050406030204" pitchFamily="18" charset="0"/>
-                            </a:rPr>
-                            <m:t>𝟏</m:t>
-                          </m:r>
-                        </m:sub>
-                      </m:sSub>
-                    </m:oMath>
-                  </m:oMathPara>
-                </a14:m>
-                <a:endParaRPr lang="en-PH" sz="2400" b="1" dirty="0">
-                  <a:solidFill>
-                    <a:schemeClr val="tx1"/>
-                  </a:solidFill>
-                </a:endParaRPr>
-              </a:p>
-            </p:txBody>
-          </p:sp>
-        </mc:Choice>
-        <mc:Fallback>
-          <p:sp>
-            <p:nvSpPr>
-              <p:cNvPr id="28" name="TextBox 27">
-                <a:extLst>
-                  <a:ext uri="{FF2B5EF4-FFF2-40B4-BE49-F238E27FC236}">
-                    <a16:creationId xmlns:a16="http://schemas.microsoft.com/office/drawing/2014/main" id="{E9BF43E4-AEC7-A5B9-B52B-01BD86991AAD}"/>
-                  </a:ext>
-                </a:extLst>
-              </p:cNvPr>
-              <p:cNvSpPr txBox="1">
-                <a:spLocks noRot="1" noChangeAspect="1" noMove="1" noResize="1" noEditPoints="1" noAdjustHandles="1" noChangeArrowheads="1" noChangeShapeType="1" noTextEdit="1"/>
-              </p:cNvSpPr>
-              <p:nvPr/>
-            </p:nvSpPr>
-            <p:spPr>
-              <a:xfrm>
-                <a:off x="5358947" y="396336"/>
-                <a:ext cx="559705" cy="461665"/>
-              </a:xfrm>
-              <a:prstGeom prst="rect">
-                <a:avLst/>
-              </a:prstGeom>
-              <a:blipFill>
-                <a:blip r:embed="rId15"/>
-                <a:stretch>
-                  <a:fillRect b="-2632"/>
-                </a:stretch>
-              </a:blipFill>
-            </p:spPr>
-            <p:txBody>
-              <a:bodyPr/>
-              <a:lstStyle/>
-              <a:p>
-                <a:r>
-                  <a:rPr lang="en-PH">
-                    <a:noFill/>
-                  </a:rPr>
-                  <a:t> </a:t>
-                </a:r>
-              </a:p>
-            </p:txBody>
-          </p:sp>
-        </mc:Fallback>
-      </mc:AlternateContent>
-      <mc:AlternateContent xmlns:mc="http://schemas.openxmlformats.org/markup-compatibility/2006">
-        <mc:Choice xmlns:a14="http://schemas.microsoft.com/office/drawing/2010/main" Requires="a14">
-          <p:sp>
-            <p:nvSpPr>
-              <p:cNvPr id="31" name="TextBox 30">
-                <a:extLst>
-                  <a:ext uri="{FF2B5EF4-FFF2-40B4-BE49-F238E27FC236}">
-                    <a16:creationId xmlns:a16="http://schemas.microsoft.com/office/drawing/2014/main" id="{A87DBDD6-C97A-E2E2-7671-A578F33FDD51}"/>
-                  </a:ext>
-                </a:extLst>
-              </p:cNvPr>
-              <p:cNvSpPr txBox="1"/>
-              <p:nvPr/>
-            </p:nvSpPr>
-            <p:spPr>
-              <a:xfrm>
-                <a:off x="5358947" y="3407923"/>
-                <a:ext cx="559705" cy="461665"/>
-              </a:xfrm>
-              <a:prstGeom prst="rect">
-                <a:avLst/>
-              </a:prstGeom>
-              <a:noFill/>
-            </p:spPr>
-            <p:txBody>
-              <a:bodyPr wrap="none" rtlCol="0">
-                <a:spAutoFit/>
-              </a:bodyPr>
-              <a:lstStyle/>
-              <a:p>
-                <a:pPr/>
-                <a14:m>
-                  <m:oMathPara xmlns:m="http://schemas.openxmlformats.org/officeDocument/2006/math">
-                    <m:oMathParaPr>
-                      <m:jc m:val="centerGroup"/>
-                    </m:oMathParaPr>
-                    <m:oMath xmlns:m="http://schemas.openxmlformats.org/officeDocument/2006/math">
-                      <m:sSub>
-                        <m:sSubPr>
-                          <m:ctrlPr>
-                            <a:rPr lang="en-PH" sz="2400" b="1" i="1" smtClean="0">
-                              <a:solidFill>
-                                <a:schemeClr val="tx1"/>
-                              </a:solidFill>
-                              <a:latin typeface="Cambria Math" panose="02040503050406030204" pitchFamily="18" charset="0"/>
-                            </a:rPr>
-                          </m:ctrlPr>
-                        </m:sSubPr>
-                        <m:e>
-                          <m:r>
-                            <a:rPr lang="en-US" sz="2400" b="1" i="1" smtClean="0">
-                              <a:solidFill>
-                                <a:schemeClr val="tx1"/>
-                              </a:solidFill>
-                              <a:latin typeface="Cambria Math" panose="02040503050406030204" pitchFamily="18" charset="0"/>
-                            </a:rPr>
-                            <m:t>𝒛</m:t>
-                          </m:r>
-                        </m:e>
-                        <m:sub>
-                          <m:r>
-                            <a:rPr lang="en-US" sz="2400" b="1" i="1" smtClean="0">
-                              <a:solidFill>
-                                <a:schemeClr val="tx1"/>
-                              </a:solidFill>
-                              <a:latin typeface="Cambria Math" panose="02040503050406030204" pitchFamily="18" charset="0"/>
-                            </a:rPr>
-                            <m:t>𝟐</m:t>
-                          </m:r>
-                        </m:sub>
-                      </m:sSub>
-                    </m:oMath>
-                  </m:oMathPara>
-                </a14:m>
-                <a:endParaRPr lang="en-PH" sz="2400" b="1" dirty="0">
-                  <a:solidFill>
-                    <a:srgbClr val="00B0F0"/>
-                  </a:solidFill>
-                </a:endParaRPr>
-              </a:p>
-            </p:txBody>
-          </p:sp>
-        </mc:Choice>
-        <mc:Fallback>
-          <p:sp>
-            <p:nvSpPr>
-              <p:cNvPr id="31" name="TextBox 30">
-                <a:extLst>
-                  <a:ext uri="{FF2B5EF4-FFF2-40B4-BE49-F238E27FC236}">
-                    <a16:creationId xmlns:a16="http://schemas.microsoft.com/office/drawing/2014/main" id="{A87DBDD6-C97A-E2E2-7671-A578F33FDD51}"/>
-                  </a:ext>
-                </a:extLst>
-              </p:cNvPr>
-              <p:cNvSpPr txBox="1">
-                <a:spLocks noRot="1" noChangeAspect="1" noMove="1" noResize="1" noEditPoints="1" noAdjustHandles="1" noChangeArrowheads="1" noChangeShapeType="1" noTextEdit="1"/>
-              </p:cNvSpPr>
-              <p:nvPr/>
-            </p:nvSpPr>
-            <p:spPr>
-              <a:xfrm>
-                <a:off x="5358947" y="3407923"/>
-                <a:ext cx="559705" cy="461665"/>
-              </a:xfrm>
-              <a:prstGeom prst="rect">
-                <a:avLst/>
-              </a:prstGeom>
-              <a:blipFill>
-                <a:blip r:embed="rId16"/>
-                <a:stretch>
-                  <a:fillRect b="-2632"/>
-                </a:stretch>
-              </a:blipFill>
-            </p:spPr>
-            <p:txBody>
-              <a:bodyPr/>
-              <a:lstStyle/>
-              <a:p>
-                <a:r>
-                  <a:rPr lang="en-PH">
-                    <a:noFill/>
-                  </a:rPr>
-                  <a:t> </a:t>
-                </a:r>
-              </a:p>
-            </p:txBody>
-          </p:sp>
-        </mc:Fallback>
-      </mc:AlternateContent>
-      <mc:AlternateContent xmlns:mc="http://schemas.openxmlformats.org/markup-compatibility/2006">
-        <mc:Choice xmlns:a14="http://schemas.microsoft.com/office/drawing/2010/main" Requires="a14">
-          <p:sp>
-            <p:nvSpPr>
-              <p:cNvPr id="33" name="TextBox 32">
-                <a:extLst>
-                  <a:ext uri="{FF2B5EF4-FFF2-40B4-BE49-F238E27FC236}">
-                    <a16:creationId xmlns:a16="http://schemas.microsoft.com/office/drawing/2014/main" id="{8F1E21CE-0A44-47E7-301A-DF9B24557F29}"/>
-                  </a:ext>
-                </a:extLst>
-              </p:cNvPr>
-              <p:cNvSpPr txBox="1"/>
-              <p:nvPr/>
-            </p:nvSpPr>
-            <p:spPr>
-              <a:xfrm>
-                <a:off x="8647234" y="2052935"/>
-                <a:ext cx="559705" cy="461665"/>
-              </a:xfrm>
-              <a:prstGeom prst="rect">
-                <a:avLst/>
-              </a:prstGeom>
-              <a:noFill/>
-            </p:spPr>
-            <p:txBody>
-              <a:bodyPr wrap="none" rtlCol="0">
-                <a:spAutoFit/>
-              </a:bodyPr>
-              <a:lstStyle/>
-              <a:p>
-                <a:pPr/>
-                <a14:m>
-                  <m:oMathPara xmlns:m="http://schemas.openxmlformats.org/officeDocument/2006/math">
-                    <m:oMathParaPr>
-                      <m:jc m:val="centerGroup"/>
-                    </m:oMathParaPr>
-                    <m:oMath xmlns:m="http://schemas.openxmlformats.org/officeDocument/2006/math">
-                      <m:sSub>
-                        <m:sSubPr>
-                          <m:ctrlPr>
-                            <a:rPr lang="en-PH" sz="2400" b="1" i="1" smtClean="0">
-                              <a:solidFill>
-                                <a:schemeClr val="tx1"/>
-                              </a:solidFill>
-                              <a:latin typeface="Cambria Math" panose="02040503050406030204" pitchFamily="18" charset="0"/>
-                            </a:rPr>
-                          </m:ctrlPr>
-                        </m:sSubPr>
-                        <m:e>
-                          <m:r>
-                            <a:rPr lang="en-US" sz="2400" b="1" i="1" smtClean="0">
-                              <a:solidFill>
-                                <a:schemeClr val="tx1"/>
-                              </a:solidFill>
-                              <a:latin typeface="Cambria Math" panose="02040503050406030204" pitchFamily="18" charset="0"/>
-                            </a:rPr>
-                            <m:t>𝒛</m:t>
-                          </m:r>
-                        </m:e>
-                        <m:sub>
-                          <m:r>
-                            <a:rPr lang="en-US" sz="2400" b="1" i="1" smtClean="0">
-                              <a:solidFill>
-                                <a:schemeClr val="tx1"/>
-                              </a:solidFill>
-                              <a:latin typeface="Cambria Math" panose="02040503050406030204" pitchFamily="18" charset="0"/>
-                            </a:rPr>
-                            <m:t>𝟑</m:t>
-                          </m:r>
-                        </m:sub>
-                      </m:sSub>
-                    </m:oMath>
-                  </m:oMathPara>
-                </a14:m>
-                <a:endParaRPr lang="en-PH" sz="2400" b="1" dirty="0">
-                  <a:solidFill>
-                    <a:srgbClr val="00B0F0"/>
-                  </a:solidFill>
-                </a:endParaRPr>
-              </a:p>
-            </p:txBody>
-          </p:sp>
-        </mc:Choice>
-        <mc:Fallback>
-          <p:sp>
-            <p:nvSpPr>
-              <p:cNvPr id="33" name="TextBox 32">
-                <a:extLst>
-                  <a:ext uri="{FF2B5EF4-FFF2-40B4-BE49-F238E27FC236}">
-                    <a16:creationId xmlns:a16="http://schemas.microsoft.com/office/drawing/2014/main" id="{8F1E21CE-0A44-47E7-301A-DF9B24557F29}"/>
-                  </a:ext>
-                </a:extLst>
-              </p:cNvPr>
-              <p:cNvSpPr txBox="1">
-                <a:spLocks noRot="1" noChangeAspect="1" noMove="1" noResize="1" noEditPoints="1" noAdjustHandles="1" noChangeArrowheads="1" noChangeShapeType="1" noTextEdit="1"/>
-              </p:cNvSpPr>
-              <p:nvPr/>
-            </p:nvSpPr>
-            <p:spPr>
-              <a:xfrm>
-                <a:off x="8647234" y="2052935"/>
-                <a:ext cx="559705" cy="461665"/>
-              </a:xfrm>
-              <a:prstGeom prst="rect">
-                <a:avLst/>
-              </a:prstGeom>
-              <a:blipFill>
-                <a:blip r:embed="rId17"/>
-                <a:stretch>
-                  <a:fillRect b="-1316"/>
-                </a:stretch>
-              </a:blipFill>
-            </p:spPr>
-            <p:txBody>
-              <a:bodyPr/>
-              <a:lstStyle/>
-              <a:p>
-                <a:r>
-                  <a:rPr lang="en-PH">
-                    <a:noFill/>
-                  </a:rPr>
-                  <a:t> </a:t>
-                </a:r>
-              </a:p>
-            </p:txBody>
-          </p:sp>
-        </mc:Fallback>
-      </mc:AlternateContent>
     </p:spTree>
     <p:extLst>
       <p:ext uri="{BB962C8B-B14F-4D97-AF65-F5344CB8AC3E}">
-        <p14:creationId xmlns:p14="http://schemas.microsoft.com/office/powerpoint/2010/main" val="4125670067"/>
+        <p14:creationId xmlns:p14="http://schemas.microsoft.com/office/powerpoint/2010/main" val="2191628103"/>
       </p:ext>
     </p:extLst>
   </p:cSld>
   <p:clrMapOvr>
     <a:masterClrMapping/>
   </p:clrMapOvr>
-  <p:timing>
-    <p:tnLst>
-      <p:par>
-        <p:cTn id="1" dur="indefinite" restart="never" nodeType="tmRoot">
-          <p:childTnLst>
-            <p:seq concurrent="1" nextAc="seek">
-              <p:cTn id="2" dur="indefinite" nodeType="mainSeq">
-                <p:childTnLst>
-                  <p:par>
-                    <p:cTn id="3" fill="hold">
-                      <p:stCondLst>
-                        <p:cond delay="indefinite"/>
-                      </p:stCondLst>
-                      <p:childTnLst>
-                        <p:par>
-                          <p:cTn id="4" fill="hold">
-                            <p:stCondLst>
-                              <p:cond delay="0"/>
-                            </p:stCondLst>
-                            <p:childTnLst>
-                              <p:par>
-                                <p:cTn id="5" presetID="14" presetClass="entr" presetSubtype="10" fill="hold" nodeType="clickEffect">
-                                  <p:stCondLst>
-                                    <p:cond delay="0"/>
-                                  </p:stCondLst>
-                                  <p:childTnLst>
-                                    <p:set>
-                                      <p:cBhvr>
-                                        <p:cTn id="6" dur="1" fill="hold">
-                                          <p:stCondLst>
-                                            <p:cond delay="0"/>
-                                          </p:stCondLst>
-                                        </p:cTn>
-                                        <p:tgtEl>
-                                          <p:spTgt spid="34"/>
-                                        </p:tgtEl>
-                                        <p:attrNameLst>
-                                          <p:attrName>style.visibility</p:attrName>
-                                        </p:attrNameLst>
-                                      </p:cBhvr>
-                                      <p:to>
-                                        <p:strVal val="visible"/>
-                                      </p:to>
-                                    </p:set>
-                                    <p:animEffect transition="in" filter="randombar(horizontal)">
-                                      <p:cBhvr>
-                                        <p:cTn id="7" dur="500"/>
-                                        <p:tgtEl>
-                                          <p:spTgt spid="34"/>
-                                        </p:tgtEl>
-                                      </p:cBhvr>
-                                    </p:animEffect>
-                                  </p:childTnLst>
-                                </p:cTn>
-                              </p:par>
-                            </p:childTnLst>
-                          </p:cTn>
-                        </p:par>
-                      </p:childTnLst>
-                    </p:cTn>
-                  </p:par>
-                </p:childTnLst>
-              </p:cTn>
-              <p:prevCondLst>
-                <p:cond evt="onPrev" delay="0">
-                  <p:tgtEl>
-                    <p:sldTgt/>
-                  </p:tgtEl>
-                </p:cond>
-              </p:prevCondLst>
-              <p:nextCondLst>
-                <p:cond evt="onNext" delay="0">
-                  <p:tgtEl>
-                    <p:sldTgt/>
-                  </p:tgtEl>
-                </p:cond>
-              </p:nextCondLst>
-            </p:seq>
-          </p:childTnLst>
-        </p:cTn>
-      </p:par>
-    </p:tnLst>
-  </p:timing>
 </p:sld>
 </file>
 
@@ -36513,8 +34649,8 @@
           </a:p>
         </p:txBody>
       </p:sp>
-      <mc:AlternateContent xmlns:mc="http://schemas.openxmlformats.org/markup-compatibility/2006">
-        <mc:Choice xmlns:a14="http://schemas.microsoft.com/office/drawing/2010/main" Requires="a14">
+      <mc:AlternateContent xmlns:mc="http://schemas.openxmlformats.org/markup-compatibility/2006" xmlns:a14="http://schemas.microsoft.com/office/drawing/2010/main">
+        <mc:Choice Requires="a14">
           <p:sp>
             <p:nvSpPr>
               <p:cNvPr id="5" name="Oval 4">
@@ -36600,7 +34736,7 @@
             </p:txBody>
           </p:sp>
         </mc:Choice>
-        <mc:Fallback>
+        <mc:Fallback xmlns="">
           <p:sp>
             <p:nvSpPr>
               <p:cNvPr id="5" name="Oval 4">
@@ -37694,8 +35830,8 @@
           </a:p>
         </p:txBody>
       </p:sp>
-      <mc:AlternateContent xmlns:mc="http://schemas.openxmlformats.org/markup-compatibility/2006">
-        <mc:Choice xmlns:a14="http://schemas.microsoft.com/office/drawing/2010/main" Requires="a14">
+      <mc:AlternateContent xmlns:mc="http://schemas.openxmlformats.org/markup-compatibility/2006" xmlns:a14="http://schemas.microsoft.com/office/drawing/2010/main">
+        <mc:Choice Requires="a14">
           <p:sp>
             <p:nvSpPr>
               <p:cNvPr id="2" name="Oval 1">
@@ -37781,7 +35917,7 @@
             </p:txBody>
           </p:sp>
         </mc:Choice>
-        <mc:Fallback>
+        <mc:Fallback xmlns="">
           <p:sp>
             <p:nvSpPr>
               <p:cNvPr id="2" name="Oval 1">
@@ -37906,8 +36042,8 @@
           </a:fontRef>
         </p:style>
       </p:cxnSp>
-      <mc:AlternateContent xmlns:mc="http://schemas.openxmlformats.org/markup-compatibility/2006">
-        <mc:Choice xmlns:a14="http://schemas.microsoft.com/office/drawing/2010/main" Requires="a14">
+      <mc:AlternateContent xmlns:mc="http://schemas.openxmlformats.org/markup-compatibility/2006" xmlns:a14="http://schemas.microsoft.com/office/drawing/2010/main">
+        <mc:Choice Requires="a14">
           <p:sp>
             <p:nvSpPr>
               <p:cNvPr id="3" name="TextBox 2">
@@ -37936,6 +36072,7 @@
               </a:bodyPr>
               <a:lstStyle/>
               <a:p>
+                <a:pPr/>
                 <a14:m>
                   <m:oMathPara xmlns:m="http://schemas.openxmlformats.org/officeDocument/2006/math">
                     <m:oMathParaPr>
@@ -38018,7 +36155,7 @@
             </p:txBody>
           </p:sp>
         </mc:Choice>
-        <mc:Fallback>
+        <mc:Fallback xmlns="">
           <p:sp>
             <p:nvSpPr>
               <p:cNvPr id="3" name="TextBox 2">
@@ -38725,15 +36862,6 @@
 </file>
 
 <file path=customXml/item2.xml><?xml version="1.0" encoding="utf-8"?>
-<?mso-contentType ?>
-<FormTemplates xmlns="http://schemas.microsoft.com/sharepoint/v3/contenttype/forms">
-  <Display>DocumentLibraryForm</Display>
-  <Edit>DocumentLibraryForm</Edit>
-  <New>DocumentLibraryForm</New>
-</FormTemplates>
-</file>
-
-<file path=customXml/item3.xml><?xml version="1.0" encoding="utf-8"?>
 <ct:contentTypeSchema xmlns:ct="http://schemas.microsoft.com/office/2006/metadata/contentType" xmlns:ma="http://schemas.microsoft.com/office/2006/metadata/properties/metaAttributes" ct:_="" ma:_="" ma:contentTypeName="Document" ma:contentTypeID="0x0101007188BDCA587B344BBA6CB1A93FAE6998" ma:contentTypeVersion="2" ma:contentTypeDescription="Create a new document." ma:contentTypeScope="" ma:versionID="7a8e4b6720badb2566a0cfeddfaf2856">
   <xsd:schema xmlns:xsd="http://www.w3.org/2001/XMLSchema" xmlns:xs="http://www.w3.org/2001/XMLSchema" xmlns:p="http://schemas.microsoft.com/office/2006/metadata/properties" xmlns:ns2="ba111d12-426d-4af0-bcb6-460e36974645" targetNamespace="http://schemas.microsoft.com/office/2006/metadata/properties" ma:root="true" ma:fieldsID="989b05398519136c88ba0a8d54e3c3da" ns2:_="">
     <xsd:import namespace="ba111d12-426d-4af0-bcb6-460e36974645"/>
@@ -38865,6 +36993,15 @@
 </ct:contentTypeSchema>
 </file>
 
+<file path=customXml/item3.xml><?xml version="1.0" encoding="utf-8"?>
+<?mso-contentType ?>
+<FormTemplates xmlns="http://schemas.microsoft.com/sharepoint/v3/contenttype/forms">
+  <Display>DocumentLibraryForm</Display>
+  <Edit>DocumentLibraryForm</Edit>
+  <New>DocumentLibraryForm</New>
+</FormTemplates>
+</file>
+
 <file path=customXml/itemProps1.xml><?xml version="1.0" encoding="utf-8"?>
 <ds:datastoreItem xmlns:ds="http://schemas.openxmlformats.org/officeDocument/2006/customXml" ds:itemID="{7ACF14CA-9E7F-410C-99DF-E0FAFDE78C11}">
   <ds:schemaRefs>
@@ -38875,14 +37012,6 @@
 </file>
 
 <file path=customXml/itemProps2.xml><?xml version="1.0" encoding="utf-8"?>
-<ds:datastoreItem xmlns:ds="http://schemas.openxmlformats.org/officeDocument/2006/customXml" ds:itemID="{6C1A3F1B-CE3A-47AB-9F84-47E786467973}">
-  <ds:schemaRefs>
-    <ds:schemaRef ds:uri="http://schemas.microsoft.com/sharepoint/v3/contenttype/forms"/>
-  </ds:schemaRefs>
-</ds:datastoreItem>
-</file>
-
-<file path=customXml/itemProps3.xml><?xml version="1.0" encoding="utf-8"?>
 <ds:datastoreItem xmlns:ds="http://schemas.openxmlformats.org/officeDocument/2006/customXml" ds:itemID="{D622FF19-6ECD-4B79-A412-9430824D2BB6}">
   <ds:schemaRefs>
     <ds:schemaRef ds:uri="http://schemas.microsoft.com/office/2006/metadata/contentType"/>
@@ -38898,4 +37027,12 @@
     <ds:schemaRef ds:uri="http://schemas.microsoft.com/internal/obd"/>
   </ds:schemaRefs>
 </ds:datastoreItem>
+</file>
+
+<file path=customXml/itemProps3.xml><?xml version="1.0" encoding="utf-8"?>
+<ds:datastoreItem xmlns:ds="http://schemas.openxmlformats.org/officeDocument/2006/customXml" ds:itemID="{6C1A3F1B-CE3A-47AB-9F84-47E786467973}">
+  <ds:schemaRefs>
+    <ds:schemaRef ds:uri="http://schemas.microsoft.com/sharepoint/v3/contenttype/forms"/>
+  </ds:schemaRefs>
+</ds:datastoreItem>
 </file>